--- a/literature/literature edited.pptx
+++ b/literature/literature edited.pptx
@@ -18,13 +18,13 @@
     <p:sldId id="279" r:id="rId9"/>
     <p:sldId id="280" r:id="rId10"/>
     <p:sldId id="281" r:id="rId11"/>
-    <p:sldId id="284" r:id="rId12"/>
-    <p:sldId id="289" r:id="rId13"/>
-    <p:sldId id="285" r:id="rId14"/>
-    <p:sldId id="290" r:id="rId15"/>
-    <p:sldId id="286" r:id="rId16"/>
-    <p:sldId id="287" r:id="rId17"/>
-    <p:sldId id="288" r:id="rId18"/>
+    <p:sldId id="291" r:id="rId12"/>
+    <p:sldId id="292" r:id="rId13"/>
+    <p:sldId id="293" r:id="rId14"/>
+    <p:sldId id="294" r:id="rId15"/>
+    <p:sldId id="295" r:id="rId16"/>
+    <p:sldId id="296" r:id="rId17"/>
+    <p:sldId id="297" r:id="rId18"/>
   </p:sldIdLst>
   <p:sldSz cx="12192000" cy="6858000"/>
   <p:notesSz cx="6858000" cy="9144000"/>
@@ -1227,9 +1227,9 @@
     <dgm:cxn modelId="{F6A3D932-B06F-854E-9D0C-DF9DBCCCA84B}" type="presOf" srcId="{56F03927-1953-433A-B746-7B2C07EE2413}" destId="{91CBC2DE-E004-3043-86E4-D8D2C15B79DE}" srcOrd="0" destOrd="0" presId="urn:microsoft.com/office/officeart/2005/8/layout/vProcess5"/>
     <dgm:cxn modelId="{8EAC4434-5D19-460E-AED9-12746BCB02D7}" srcId="{56F03927-1953-433A-B746-7B2C07EE2413}" destId="{3F92AFF4-2692-48A1-A42C-86703C26FAD1}" srcOrd="1" destOrd="0" parTransId="{EB851DBB-D5D3-4B09-BD9D-CB5B329320EF}" sibTransId="{17F5FAB1-5BA3-41A5-9F14-72E089A6A4AA}"/>
     <dgm:cxn modelId="{7E84A537-43AF-E246-B2BC-C751F2BD78D6}" type="presOf" srcId="{3617C499-2813-4BA5-9968-91D1C896B939}" destId="{3549AC75-6E2E-954A-8AF9-E6FB144813B5}" srcOrd="1" destOrd="0" presId="urn:microsoft.com/office/officeart/2005/8/layout/vProcess5"/>
+    <dgm:cxn modelId="{63E54049-3281-014E-BFBC-DC69BE081582}" type="presOf" srcId="{DEF00A9B-48C2-4B16-8204-67F0A41AD8D8}" destId="{94E0C5FA-F37F-154A-BAF8-659A674DA88E}" srcOrd="0" destOrd="1" presId="urn:microsoft.com/office/officeart/2005/8/layout/vProcess5"/>
     <dgm:cxn modelId="{234EB45B-F947-5E40-8F77-F8A15E16513A}" type="presOf" srcId="{17F5FAB1-5BA3-41A5-9F14-72E089A6A4AA}" destId="{24C20207-D305-4342-B6C8-AA5BE6116FEB}" srcOrd="0" destOrd="0" presId="urn:microsoft.com/office/officeart/2005/8/layout/vProcess5"/>
     <dgm:cxn modelId="{D87FFD5C-836D-4386-B5EF-8B1FF2D92228}" srcId="{56F03927-1953-433A-B746-7B2C07EE2413}" destId="{E3E4A077-6B76-4092-A5B1-8E69ADFA0E7C}" srcOrd="0" destOrd="0" parTransId="{30D4EE6F-1054-49D2-8C8C-59436A72D7F6}" sibTransId="{DCA966CF-6510-4EF5-A8BE-65E43E70C5D2}"/>
-    <dgm:cxn modelId="{63E54049-3281-014E-BFBC-DC69BE081582}" type="presOf" srcId="{DEF00A9B-48C2-4B16-8204-67F0A41AD8D8}" destId="{94E0C5FA-F37F-154A-BAF8-659A674DA88E}" srcOrd="0" destOrd="1" presId="urn:microsoft.com/office/officeart/2005/8/layout/vProcess5"/>
     <dgm:cxn modelId="{55571986-ED6E-5748-A996-564932F8E74F}" type="presOf" srcId="{3F92AFF4-2692-48A1-A42C-86703C26FAD1}" destId="{A9D13B8D-519A-D34A-A07C-EAADACFAAB49}" srcOrd="1" destOrd="0" presId="urn:microsoft.com/office/officeart/2005/8/layout/vProcess5"/>
     <dgm:cxn modelId="{BA48798A-6D23-2741-9AAB-C6A7111F365E}" type="presOf" srcId="{DEF00A9B-48C2-4B16-8204-67F0A41AD8D8}" destId="{3549AC75-6E2E-954A-8AF9-E6FB144813B5}" srcOrd="1" destOrd="1" presId="urn:microsoft.com/office/officeart/2005/8/layout/vProcess5"/>
     <dgm:cxn modelId="{21FA708B-F648-49E3-B4F3-72618A638B9A}" srcId="{3F92AFF4-2692-48A1-A42C-86703C26FAD1}" destId="{F34E2F6D-E8E3-4B2A-824E-CA0917ABB61A}" srcOrd="0" destOrd="0" parTransId="{126722F4-434D-476C-88CD-473E55B518AE}" sibTransId="{F30A588D-F23A-47CA-AA50-43315A70658D}"/>
@@ -4120,7 +4120,7 @@
           <a:p>
             <a:fld id="{488BC1F7-8C9D-E94B-A2E6-386A9BA8258B}" type="datetimeFigureOut">
               <a:rPr lang="de-DE" smtClean="0"/>
-              <a:t>27.10.2025</a:t>
+              <a:t>28.10.25</a:t>
             </a:fld>
             <a:endParaRPr lang="de-DE"/>
           </a:p>
@@ -4534,7 +4534,7 @@
           <a:p>
             <a:fld id="{DC060FA1-A8ED-8F4D-BC07-FDC876F454D7}" type="datetimeFigureOut">
               <a:rPr lang="de-DE" smtClean="0"/>
-              <a:t>27.10.2025</a:t>
+              <a:t>28.10.25</a:t>
             </a:fld>
             <a:endParaRPr lang="de-DE"/>
           </a:p>
@@ -4732,7 +4732,7 @@
           <a:p>
             <a:fld id="{DC060FA1-A8ED-8F4D-BC07-FDC876F454D7}" type="datetimeFigureOut">
               <a:rPr lang="de-DE" smtClean="0"/>
-              <a:t>27.10.2025</a:t>
+              <a:t>28.10.25</a:t>
             </a:fld>
             <a:endParaRPr lang="de-DE"/>
           </a:p>
@@ -4940,7 +4940,7 @@
           <a:p>
             <a:fld id="{DC060FA1-A8ED-8F4D-BC07-FDC876F454D7}" type="datetimeFigureOut">
               <a:rPr lang="de-DE" smtClean="0"/>
-              <a:t>27.10.2025</a:t>
+              <a:t>28.10.25</a:t>
             </a:fld>
             <a:endParaRPr lang="de-DE"/>
           </a:p>
@@ -5138,7 +5138,7 @@
           <a:p>
             <a:fld id="{DC060FA1-A8ED-8F4D-BC07-FDC876F454D7}" type="datetimeFigureOut">
               <a:rPr lang="de-DE" smtClean="0"/>
-              <a:t>27.10.2025</a:t>
+              <a:t>28.10.25</a:t>
             </a:fld>
             <a:endParaRPr lang="de-DE"/>
           </a:p>
@@ -5413,7 +5413,7 @@
           <a:p>
             <a:fld id="{DC060FA1-A8ED-8F4D-BC07-FDC876F454D7}" type="datetimeFigureOut">
               <a:rPr lang="de-DE" smtClean="0"/>
-              <a:t>27.10.2025</a:t>
+              <a:t>28.10.25</a:t>
             </a:fld>
             <a:endParaRPr lang="de-DE"/>
           </a:p>
@@ -5678,7 +5678,7 @@
           <a:p>
             <a:fld id="{DC060FA1-A8ED-8F4D-BC07-FDC876F454D7}" type="datetimeFigureOut">
               <a:rPr lang="de-DE" smtClean="0"/>
-              <a:t>27.10.2025</a:t>
+              <a:t>28.10.25</a:t>
             </a:fld>
             <a:endParaRPr lang="de-DE"/>
           </a:p>
@@ -6090,7 +6090,7 @@
           <a:p>
             <a:fld id="{DC060FA1-A8ED-8F4D-BC07-FDC876F454D7}" type="datetimeFigureOut">
               <a:rPr lang="de-DE" smtClean="0"/>
-              <a:t>27.10.2025</a:t>
+              <a:t>28.10.25</a:t>
             </a:fld>
             <a:endParaRPr lang="de-DE"/>
           </a:p>
@@ -6231,7 +6231,7 @@
           <a:p>
             <a:fld id="{DC060FA1-A8ED-8F4D-BC07-FDC876F454D7}" type="datetimeFigureOut">
               <a:rPr lang="de-DE" smtClean="0"/>
-              <a:t>27.10.2025</a:t>
+              <a:t>28.10.25</a:t>
             </a:fld>
             <a:endParaRPr lang="de-DE"/>
           </a:p>
@@ -6344,7 +6344,7 @@
           <a:p>
             <a:fld id="{DC060FA1-A8ED-8F4D-BC07-FDC876F454D7}" type="datetimeFigureOut">
               <a:rPr lang="de-DE" smtClean="0"/>
-              <a:t>27.10.2025</a:t>
+              <a:t>28.10.25</a:t>
             </a:fld>
             <a:endParaRPr lang="de-DE"/>
           </a:p>
@@ -6655,7 +6655,7 @@
           <a:p>
             <a:fld id="{DC060FA1-A8ED-8F4D-BC07-FDC876F454D7}" type="datetimeFigureOut">
               <a:rPr lang="de-DE" smtClean="0"/>
-              <a:t>27.10.2025</a:t>
+              <a:t>28.10.25</a:t>
             </a:fld>
             <a:endParaRPr lang="de-DE"/>
           </a:p>
@@ -6943,7 +6943,7 @@
           <a:p>
             <a:fld id="{DC060FA1-A8ED-8F4D-BC07-FDC876F454D7}" type="datetimeFigureOut">
               <a:rPr lang="de-DE" smtClean="0"/>
-              <a:t>27.10.2025</a:t>
+              <a:t>28.10.25</a:t>
             </a:fld>
             <a:endParaRPr lang="de-DE"/>
           </a:p>
@@ -7187,7 +7187,7 @@
           <a:p>
             <a:fld id="{DC060FA1-A8ED-8F4D-BC07-FDC876F454D7}" type="datetimeFigureOut">
               <a:rPr lang="de-DE" smtClean="0"/>
-              <a:t>27.10.2025</a:t>
+              <a:t>28.10.25</a:t>
             </a:fld>
             <a:endParaRPr lang="de-DE"/>
           </a:p>
@@ -9186,7 +9186,13 @@
   <p:cSld>
     <p:spTree>
       <p:nvGrpSpPr>
-        <p:cNvPr id="1" name=""/>
+        <p:cNvPr id="1" name="">
+          <a:extLst>
+            <a:ext uri="{FF2B5EF4-FFF2-40B4-BE49-F238E27FC236}">
+              <a16:creationId xmlns:a16="http://schemas.microsoft.com/office/drawing/2014/main" id="{F3689637-AEF2-4513-8F07-C211F8D4F71D}"/>
+            </a:ext>
+          </a:extLst>
+        </p:cNvPr>
         <p:cNvGrpSpPr/>
         <p:nvPr/>
       </p:nvGrpSpPr>
@@ -9198,12 +9204,261 @@
           <a:chExt cx="0" cy="0"/>
         </a:xfrm>
       </p:grpSpPr>
+      <p:sp useBgFill="1">
+        <p:nvSpPr>
+          <p:cNvPr id="4103" name="Rectangle 4102">
+            <a:extLst>
+              <a:ext uri="{FF2B5EF4-FFF2-40B4-BE49-F238E27FC236}">
+                <a16:creationId xmlns:a16="http://schemas.microsoft.com/office/drawing/2014/main" id="{5ECD7BB2-D043-2F32-3955-5453E0F56612}"/>
+              </a:ext>
+              <a:ext uri="{C183D7F6-B498-43B3-948B-1728B52AA6E4}">
+                <adec:decorative xmlns:adec="http://schemas.microsoft.com/office/drawing/2017/decorative" val="1"/>
+              </a:ext>
+            </a:extLst>
+          </p:cNvPr>
+          <p:cNvSpPr>
+            <a:spLocks noGrp="1" noRot="1" noChangeAspect="1" noMove="1" noResize="1" noEditPoints="1" noAdjustHandles="1" noChangeArrowheads="1" noChangeShapeType="1" noTextEdit="1"/>
+          </p:cNvSpPr>
+          <p:nvPr>
+            <p:extLst>
+              <p:ext uri="{386F3935-93C4-4BCD-93E2-E3B085C9AB24}">
+                <p16:designElem xmlns:p16="http://schemas.microsoft.com/office/powerpoint/2015/main" val="1"/>
+              </p:ext>
+            </p:extLst>
+          </p:nvPr>
+        </p:nvSpPr>
+        <p:spPr>
+          <a:xfrm>
+            <a:off x="0" y="0"/>
+            <a:ext cx="12192000" cy="6858000"/>
+          </a:xfrm>
+          <a:prstGeom prst="rect">
+            <a:avLst/>
+          </a:prstGeom>
+          <a:ln>
+            <a:noFill/>
+          </a:ln>
+        </p:spPr>
+        <p:style>
+          <a:lnRef idx="2">
+            <a:schemeClr val="accent1">
+              <a:shade val="50000"/>
+            </a:schemeClr>
+          </a:lnRef>
+          <a:fillRef idx="1">
+            <a:schemeClr val="accent1"/>
+          </a:fillRef>
+          <a:effectRef idx="0">
+            <a:schemeClr val="accent1"/>
+          </a:effectRef>
+          <a:fontRef idx="minor">
+            <a:schemeClr val="lt1"/>
+          </a:fontRef>
+        </p:style>
+        <p:txBody>
+          <a:bodyPr rtlCol="0" anchor="ctr"/>
+          <a:lstStyle/>
+          <a:p>
+            <a:pPr algn="ctr"/>
+            <a:endParaRPr lang="en-US"/>
+          </a:p>
+        </p:txBody>
+      </p:sp>
+      <p:sp useBgFill="1">
+        <p:nvSpPr>
+          <p:cNvPr id="4105" name="Rectangle 4104">
+            <a:extLst>
+              <a:ext uri="{FF2B5EF4-FFF2-40B4-BE49-F238E27FC236}">
+                <a16:creationId xmlns:a16="http://schemas.microsoft.com/office/drawing/2014/main" id="{6465053C-A382-5336-3B29-D1D01837B713}"/>
+              </a:ext>
+              <a:ext uri="{C183D7F6-B498-43B3-948B-1728B52AA6E4}">
+                <adec:decorative xmlns:adec="http://schemas.microsoft.com/office/drawing/2017/decorative" val="1"/>
+              </a:ext>
+            </a:extLst>
+          </p:cNvPr>
+          <p:cNvSpPr>
+            <a:spLocks noGrp="1" noRot="1" noChangeAspect="1" noMove="1" noResize="1" noEditPoints="1" noAdjustHandles="1" noChangeArrowheads="1" noChangeShapeType="1" noTextEdit="1"/>
+          </p:cNvSpPr>
+          <p:nvPr>
+            <p:extLst>
+              <p:ext uri="{386F3935-93C4-4BCD-93E2-E3B085C9AB24}">
+                <p16:designElem xmlns:p16="http://schemas.microsoft.com/office/powerpoint/2015/main" val="1"/>
+              </p:ext>
+            </p:extLst>
+          </p:nvPr>
+        </p:nvSpPr>
+        <p:spPr>
+          <a:xfrm>
+            <a:off x="558209" y="0"/>
+            <a:ext cx="11167447" cy="2018806"/>
+          </a:xfrm>
+          <a:prstGeom prst="rect">
+            <a:avLst/>
+          </a:prstGeom>
+          <a:ln w="12700">
+            <a:solidFill>
+              <a:srgbClr val="E1E1E1"/>
+            </a:solidFill>
+          </a:ln>
+          <a:effectLst>
+            <a:outerShdw blurRad="50800" dist="38100" dir="2700000" algn="tl" rotWithShape="0">
+              <a:schemeClr val="bg1">
+                <a:lumMod val="85000"/>
+                <a:alpha val="50000"/>
+              </a:schemeClr>
+            </a:outerShdw>
+          </a:effectLst>
+        </p:spPr>
+        <p:style>
+          <a:lnRef idx="2">
+            <a:schemeClr val="accent1">
+              <a:shade val="50000"/>
+            </a:schemeClr>
+          </a:lnRef>
+          <a:fillRef idx="1">
+            <a:schemeClr val="accent1"/>
+          </a:fillRef>
+          <a:effectRef idx="0">
+            <a:schemeClr val="accent1"/>
+          </a:effectRef>
+          <a:fontRef idx="minor">
+            <a:schemeClr val="lt1"/>
+          </a:fontRef>
+        </p:style>
+        <p:txBody>
+          <a:bodyPr rtlCol="0" anchor="ctr"/>
+          <a:lstStyle/>
+          <a:p>
+            <a:pPr marL="0" marR="0" lvl="0" indent="0" algn="ctr" defTabSz="914400" rtl="0" eaLnBrk="1" fontAlgn="auto" latinLnBrk="0" hangingPunct="1">
+              <a:lnSpc>
+                <a:spcPct val="100000"/>
+              </a:lnSpc>
+              <a:spcBef>
+                <a:spcPts val="0"/>
+              </a:spcBef>
+              <a:spcAft>
+                <a:spcPts val="0"/>
+              </a:spcAft>
+              <a:buClrTx/>
+              <a:buSzTx/>
+              <a:buFontTx/>
+              <a:buNone/>
+              <a:tabLst/>
+              <a:defRPr/>
+            </a:pPr>
+            <a:endParaRPr kumimoji="0" lang="en-US" sz="1800" b="0" i="0" u="none" strike="noStrike" kern="1200" cap="none" spc="0" normalizeH="0" baseline="0" noProof="0">
+              <a:ln>
+                <a:noFill/>
+              </a:ln>
+              <a:solidFill>
+                <a:prstClr val="white"/>
+              </a:solidFill>
+              <a:effectLst/>
+              <a:uLnTx/>
+              <a:uFillTx/>
+              <a:latin typeface="Calibri" panose="020F0502020204030204"/>
+              <a:ea typeface="+mn-ea"/>
+              <a:cs typeface="+mn-cs"/>
+            </a:endParaRPr>
+          </a:p>
+        </p:txBody>
+      </p:sp>
+      <p:sp useBgFill="1">
+        <p:nvSpPr>
+          <p:cNvPr id="4107" name="Rectangle 4106">
+            <a:extLst>
+              <a:ext uri="{FF2B5EF4-FFF2-40B4-BE49-F238E27FC236}">
+                <a16:creationId xmlns:a16="http://schemas.microsoft.com/office/drawing/2014/main" id="{7BF6E982-B809-C52D-2333-974F3ADE58FC}"/>
+              </a:ext>
+              <a:ext uri="{C183D7F6-B498-43B3-948B-1728B52AA6E4}">
+                <adec:decorative xmlns:adec="http://schemas.microsoft.com/office/drawing/2017/decorative" val="1"/>
+              </a:ext>
+            </a:extLst>
+          </p:cNvPr>
+          <p:cNvSpPr>
+            <a:spLocks noGrp="1" noRot="1" noChangeAspect="1" noMove="1" noResize="1" noEditPoints="1" noAdjustHandles="1" noChangeArrowheads="1" noChangeShapeType="1" noTextEdit="1"/>
+          </p:cNvSpPr>
+          <p:nvPr>
+            <p:extLst>
+              <p:ext uri="{386F3935-93C4-4BCD-93E2-E3B085C9AB24}">
+                <p16:designElem xmlns:p16="http://schemas.microsoft.com/office/powerpoint/2015/main" val="1"/>
+              </p:ext>
+            </p:extLst>
+          </p:nvPr>
+        </p:nvSpPr>
+        <p:spPr>
+          <a:xfrm>
+            <a:off x="566928" y="0"/>
+            <a:ext cx="11155680" cy="2011680"/>
+          </a:xfrm>
+          <a:prstGeom prst="rect">
+            <a:avLst/>
+          </a:prstGeom>
+          <a:ln w="12700">
+            <a:noFill/>
+          </a:ln>
+          <a:effectLst/>
+        </p:spPr>
+        <p:style>
+          <a:lnRef idx="2">
+            <a:schemeClr val="accent1">
+              <a:shade val="50000"/>
+            </a:schemeClr>
+          </a:lnRef>
+          <a:fillRef idx="1">
+            <a:schemeClr val="accent1"/>
+          </a:fillRef>
+          <a:effectRef idx="0">
+            <a:schemeClr val="accent1"/>
+          </a:effectRef>
+          <a:fontRef idx="minor">
+            <a:schemeClr val="lt1"/>
+          </a:fontRef>
+        </p:style>
+        <p:txBody>
+          <a:bodyPr rtlCol="0" anchor="ctr"/>
+          <a:lstStyle/>
+          <a:p>
+            <a:pPr marL="0" marR="0" lvl="0" indent="0" algn="ctr" defTabSz="914400" rtl="0" eaLnBrk="1" fontAlgn="auto" latinLnBrk="0" hangingPunct="1">
+              <a:lnSpc>
+                <a:spcPct val="100000"/>
+              </a:lnSpc>
+              <a:spcBef>
+                <a:spcPts val="0"/>
+              </a:spcBef>
+              <a:spcAft>
+                <a:spcPts val="0"/>
+              </a:spcAft>
+              <a:buClrTx/>
+              <a:buSzTx/>
+              <a:buFontTx/>
+              <a:buNone/>
+              <a:tabLst/>
+              <a:defRPr/>
+            </a:pPr>
+            <a:endParaRPr kumimoji="0" lang="en-US" sz="1800" b="0" i="0" u="none" strike="noStrike" kern="1200" cap="none" spc="0" normalizeH="0" baseline="0" noProof="0">
+              <a:ln>
+                <a:noFill/>
+              </a:ln>
+              <a:solidFill>
+                <a:prstClr val="white"/>
+              </a:solidFill>
+              <a:effectLst/>
+              <a:uLnTx/>
+              <a:uFillTx/>
+              <a:latin typeface="Calibri" panose="020F0502020204030204"/>
+              <a:ea typeface="+mn-ea"/>
+              <a:cs typeface="+mn-cs"/>
+            </a:endParaRPr>
+          </a:p>
+        </p:txBody>
+      </p:sp>
       <p:sp>
         <p:nvSpPr>
           <p:cNvPr id="2" name="Titel 1">
             <a:extLst>
               <a:ext uri="{FF2B5EF4-FFF2-40B4-BE49-F238E27FC236}">
-                <a16:creationId xmlns:a16="http://schemas.microsoft.com/office/drawing/2014/main" id="{AC03A786-5739-9CB0-9930-EFA578670A19}"/>
+                <a16:creationId xmlns:a16="http://schemas.microsoft.com/office/drawing/2014/main" id="{205DBCA4-D763-E7E8-D368-F6226D8D50FE}"/>
               </a:ext>
             </a:extLst>
           </p:cNvPr>
@@ -9216,8 +9471,8 @@
         </p:nvSpPr>
         <p:spPr>
           <a:xfrm>
-            <a:off x="838200" y="365126"/>
-            <a:ext cx="10515600" cy="1164910"/>
+            <a:off x="1115568" y="548640"/>
+            <a:ext cx="10168128" cy="1179576"/>
           </a:xfrm>
         </p:spPr>
         <p:txBody>
@@ -9227,38 +9482,129 @@
           <a:lstStyle/>
           <a:p>
             <a:r>
-              <a:rPr lang="de-DE" b="1" dirty="0" err="1"/>
+              <a:rPr lang="de-DE" sz="4000" dirty="0" err="1"/>
               <a:t>Selective</a:t>
             </a:r>
             <a:r>
-              <a:rPr lang="de-DE" b="1" dirty="0"/>
+              <a:rPr lang="de-DE" sz="4000" dirty="0"/>
               <a:t> Question </a:t>
             </a:r>
             <a:r>
-              <a:rPr lang="de-DE" b="1" dirty="0" err="1"/>
+              <a:rPr lang="de-DE" sz="4000" dirty="0" err="1"/>
               <a:t>Answering</a:t>
             </a:r>
             <a:r>
-              <a:rPr lang="de-DE" b="1" dirty="0"/>
-              <a:t> </a:t>
-            </a:r>
-            <a:r>
-              <a:rPr lang="de-DE" b="1" dirty="0" err="1"/>
+              <a:rPr lang="de-DE" sz="4000" dirty="0"/>
+              <a:t> </a:t>
+            </a:r>
+            <a:r>
+              <a:rPr lang="de-DE" sz="4000" dirty="0" err="1"/>
               <a:t>under</a:t>
             </a:r>
             <a:r>
-              <a:rPr lang="de-DE" b="1" dirty="0"/>
+              <a:rPr lang="de-DE" sz="4000" dirty="0"/>
               <a:t> Domain Shift (</a:t>
             </a:r>
             <a:r>
-              <a:rPr lang="de-DE" b="1" dirty="0" err="1"/>
+              <a:rPr lang="de-DE" sz="4000" dirty="0" err="1"/>
               <a:t>Kamath</a:t>
             </a:r>
             <a:r>
-              <a:rPr lang="de-DE" b="1" dirty="0"/>
+              <a:rPr lang="de-DE" sz="4000" dirty="0"/>
               <a:t> et al., 2020)</a:t>
             </a:r>
-            <a:endParaRPr lang="de-DE" dirty="0"/>
+          </a:p>
+        </p:txBody>
+      </p:sp>
+      <p:sp>
+        <p:nvSpPr>
+          <p:cNvPr id="4100" name="Rectangle 4108">
+            <a:extLst>
+              <a:ext uri="{FF2B5EF4-FFF2-40B4-BE49-F238E27FC236}">
+                <a16:creationId xmlns:a16="http://schemas.microsoft.com/office/drawing/2014/main" id="{13CCA45E-C29B-D88C-5AD8-9E75FFA9D8A3}"/>
+              </a:ext>
+              <a:ext uri="{C183D7F6-B498-43B3-948B-1728B52AA6E4}">
+                <adec:decorative xmlns:adec="http://schemas.microsoft.com/office/drawing/2017/decorative" val="1"/>
+              </a:ext>
+            </a:extLst>
+          </p:cNvPr>
+          <p:cNvSpPr>
+            <a:spLocks noGrp="1" noRot="1" noChangeAspect="1" noMove="1" noResize="1" noEditPoints="1" noAdjustHandles="1" noChangeArrowheads="1" noChangeShapeType="1" noTextEdit="1"/>
+          </p:cNvSpPr>
+          <p:nvPr>
+            <p:extLst>
+              <p:ext uri="{386F3935-93C4-4BCD-93E2-E3B085C9AB24}">
+                <p16:designElem xmlns:p16="http://schemas.microsoft.com/office/powerpoint/2015/main" val="1"/>
+              </p:ext>
+            </p:extLst>
+          </p:nvPr>
+        </p:nvSpPr>
+        <p:spPr>
+          <a:xfrm>
+            <a:off x="498834" y="770799"/>
+            <a:ext cx="128016" cy="704088"/>
+          </a:xfrm>
+          <a:prstGeom prst="rect">
+            <a:avLst/>
+          </a:prstGeom>
+          <a:solidFill>
+            <a:schemeClr val="accent2"/>
+          </a:solidFill>
+          <a:ln>
+            <a:noFill/>
+          </a:ln>
+        </p:spPr>
+        <p:style>
+          <a:lnRef idx="2">
+            <a:schemeClr val="accent1">
+              <a:shade val="50000"/>
+            </a:schemeClr>
+          </a:lnRef>
+          <a:fillRef idx="1">
+            <a:schemeClr val="accent1"/>
+          </a:fillRef>
+          <a:effectRef idx="0">
+            <a:schemeClr val="accent1"/>
+          </a:effectRef>
+          <a:fontRef idx="minor">
+            <a:schemeClr val="lt1"/>
+          </a:fontRef>
+        </p:style>
+        <p:txBody>
+          <a:bodyPr rtlCol="0" anchor="ctr"/>
+          <a:lstStyle/>
+          <a:p>
+            <a:pPr marL="0" marR="0" lvl="0" indent="0" algn="ctr" defTabSz="914400" rtl="0" eaLnBrk="1" fontAlgn="auto" latinLnBrk="0" hangingPunct="1">
+              <a:lnSpc>
+                <a:spcPct val="100000"/>
+              </a:lnSpc>
+              <a:spcBef>
+                <a:spcPts val="0"/>
+              </a:spcBef>
+              <a:spcAft>
+                <a:spcPts val="0"/>
+              </a:spcAft>
+              <a:buClrTx/>
+              <a:buSzTx/>
+              <a:buFontTx/>
+              <a:buNone/>
+              <a:tabLst/>
+              <a:defRPr/>
+            </a:pPr>
+            <a:endParaRPr kumimoji="0" lang="en-US" sz="1800" b="0" i="0" u="none" strike="noStrike" kern="1200" cap="none" spc="0" normalizeH="0" baseline="0" noProof="0">
+              <a:ln>
+                <a:noFill/>
+              </a:ln>
+              <a:solidFill>
+                <a:prstClr val="white"/>
+              </a:solidFill>
+              <a:effectLst/>
+              <a:uLnTx/>
+              <a:uFillTx/>
+              <a:latin typeface="Calibri" panose="020F0502020204030204"/>
+              <a:ea typeface="+mn-ea"/>
+              <a:cs typeface="+mn-cs"/>
+            </a:endParaRPr>
           </a:p>
         </p:txBody>
       </p:sp>
@@ -9267,7 +9613,7 @@
           <p:cNvPr id="3" name="Inhaltsplatzhalter 2">
             <a:extLst>
               <a:ext uri="{FF2B5EF4-FFF2-40B4-BE49-F238E27FC236}">
-                <a16:creationId xmlns:a16="http://schemas.microsoft.com/office/drawing/2014/main" id="{C770455E-1894-0F32-8E58-83861F9D3047}"/>
+                <a16:creationId xmlns:a16="http://schemas.microsoft.com/office/drawing/2014/main" id="{C995920F-0963-3E44-219C-8885E2462A4E}"/>
               </a:ext>
             </a:extLst>
           </p:cNvPr>
@@ -9280,387 +9626,448 @@
         </p:nvSpPr>
         <p:spPr>
           <a:xfrm>
-            <a:off x="838200" y="1711105"/>
-            <a:ext cx="10515600" cy="4465858"/>
+            <a:off x="626851" y="2478024"/>
+            <a:ext cx="10656846" cy="3557651"/>
+          </a:xfrm>
+        </p:spPr>
+        <p:txBody>
+          <a:bodyPr anchor="ctr">
+            <a:normAutofit/>
+          </a:bodyPr>
+          <a:lstStyle/>
+          <a:p>
+            <a:pPr fontAlgn="ctr"/>
+            <a:r>
+              <a:rPr lang="de-DE" sz="2000" dirty="0"/>
+              <a:t>Real‐</a:t>
+            </a:r>
+            <a:r>
+              <a:rPr lang="de-DE" sz="2000" dirty="0" err="1"/>
+              <a:t>world</a:t>
+            </a:r>
+            <a:r>
+              <a:rPr lang="de-DE" sz="2000" dirty="0"/>
+              <a:t> QA </a:t>
+            </a:r>
+            <a:r>
+              <a:rPr lang="de-DE" sz="2000" dirty="0" err="1"/>
+              <a:t>systems</a:t>
+            </a:r>
+            <a:r>
+              <a:rPr lang="de-DE" sz="2000" dirty="0"/>
+              <a:t> </a:t>
+            </a:r>
+            <a:r>
+              <a:rPr lang="de-DE" sz="2000" dirty="0" err="1"/>
+              <a:t>must</a:t>
+            </a:r>
+            <a:r>
+              <a:rPr lang="de-DE" sz="2000" dirty="0"/>
+              <a:t> handle </a:t>
+            </a:r>
+            <a:r>
+              <a:rPr lang="de-DE" sz="2000" dirty="0" err="1"/>
+              <a:t>questions</a:t>
+            </a:r>
+            <a:r>
+              <a:rPr lang="de-DE" sz="2000" dirty="0"/>
+              <a:t> </a:t>
+            </a:r>
+            <a:r>
+              <a:rPr lang="de-DE" sz="2000" i="1" dirty="0"/>
+              <a:t>outside</a:t>
+            </a:r>
+            <a:r>
+              <a:rPr lang="de-DE" sz="2000" dirty="0"/>
+              <a:t> </a:t>
+            </a:r>
+            <a:r>
+              <a:rPr lang="de-DE" sz="2000" dirty="0" err="1"/>
+              <a:t>their</a:t>
+            </a:r>
+            <a:r>
+              <a:rPr lang="de-DE" sz="2000" dirty="0"/>
+              <a:t> </a:t>
+            </a:r>
+            <a:r>
+              <a:rPr lang="de-DE" sz="2000" dirty="0" err="1"/>
+              <a:t>training</a:t>
+            </a:r>
+            <a:r>
+              <a:rPr lang="de-DE" sz="2000" dirty="0"/>
+              <a:t> </a:t>
+            </a:r>
+            <a:r>
+              <a:rPr lang="de-DE" sz="2000" dirty="0" err="1"/>
+              <a:t>scope</a:t>
+            </a:r>
+            <a:r>
+              <a:rPr lang="de-DE" sz="2000" dirty="0"/>
+              <a:t> → </a:t>
+            </a:r>
+            <a:r>
+              <a:rPr lang="de-DE" sz="2000" dirty="0" err="1"/>
+              <a:t>risk</a:t>
+            </a:r>
+            <a:r>
+              <a:rPr lang="de-DE" sz="2000" dirty="0"/>
+              <a:t> </a:t>
+            </a:r>
+            <a:r>
+              <a:rPr lang="de-DE" sz="2000" dirty="0" err="1"/>
+              <a:t>of</a:t>
+            </a:r>
+            <a:r>
+              <a:rPr lang="de-DE" sz="2000" dirty="0"/>
+              <a:t> </a:t>
+            </a:r>
+            <a:r>
+              <a:rPr lang="de-DE" sz="2000" dirty="0" err="1"/>
+              <a:t>error</a:t>
+            </a:r>
+            <a:r>
+              <a:rPr lang="de-DE" sz="2000" dirty="0"/>
+              <a:t> </a:t>
+            </a:r>
+            <a:r>
+              <a:rPr lang="de-DE" sz="2000" dirty="0" err="1"/>
+              <a:t>increases</a:t>
+            </a:r>
+            <a:r>
+              <a:rPr lang="de-DE" sz="2000" dirty="0"/>
+              <a:t>.</a:t>
+            </a:r>
+          </a:p>
+          <a:p>
+            <a:pPr fontAlgn="ctr"/>
+            <a:r>
+              <a:rPr lang="de-DE" sz="2000" dirty="0"/>
+              <a:t>The </a:t>
+            </a:r>
+            <a:r>
+              <a:rPr lang="de-DE" sz="2000" dirty="0" err="1"/>
+              <a:t>authors</a:t>
+            </a:r>
+            <a:r>
+              <a:rPr lang="de-DE" sz="2000" dirty="0"/>
+              <a:t> </a:t>
+            </a:r>
+            <a:r>
+              <a:rPr lang="de-DE" sz="2000" dirty="0" err="1"/>
+              <a:t>propose</a:t>
+            </a:r>
+            <a:r>
+              <a:rPr lang="de-DE" sz="2000" dirty="0"/>
+              <a:t>: </a:t>
+            </a:r>
+            <a:r>
+              <a:rPr lang="de-DE" sz="2000" dirty="0" err="1"/>
+              <a:t>instead</a:t>
+            </a:r>
+            <a:r>
+              <a:rPr lang="de-DE" sz="2000" dirty="0"/>
+              <a:t> </a:t>
+            </a:r>
+            <a:r>
+              <a:rPr lang="de-DE" sz="2000" dirty="0" err="1"/>
+              <a:t>of</a:t>
+            </a:r>
+            <a:r>
+              <a:rPr lang="de-DE" sz="2000" dirty="0"/>
+              <a:t> </a:t>
+            </a:r>
+            <a:r>
+              <a:rPr lang="de-DE" sz="2000" dirty="0" err="1"/>
+              <a:t>always</a:t>
+            </a:r>
+            <a:r>
+              <a:rPr lang="de-DE" sz="2000" dirty="0"/>
+              <a:t> </a:t>
+            </a:r>
+            <a:r>
+              <a:rPr lang="de-DE" sz="2000" dirty="0" err="1"/>
+              <a:t>answering</a:t>
+            </a:r>
+            <a:r>
+              <a:rPr lang="de-DE" sz="2000" dirty="0"/>
+              <a:t>, </a:t>
+            </a:r>
+            <a:r>
+              <a:rPr lang="de-DE" sz="2000" dirty="0" err="1"/>
+              <a:t>allow</a:t>
+            </a:r>
+            <a:r>
+              <a:rPr lang="de-DE" sz="2000" dirty="0"/>
+              <a:t> </a:t>
+            </a:r>
+            <a:r>
+              <a:rPr lang="de-DE" sz="2000" dirty="0" err="1"/>
+              <a:t>the</a:t>
+            </a:r>
+            <a:r>
+              <a:rPr lang="de-DE" sz="2000" dirty="0"/>
+              <a:t> </a:t>
+            </a:r>
+            <a:r>
+              <a:rPr lang="de-DE" sz="2000" dirty="0" err="1"/>
+              <a:t>system</a:t>
+            </a:r>
+            <a:r>
+              <a:rPr lang="de-DE" sz="2000" dirty="0"/>
+              <a:t> </a:t>
+            </a:r>
+            <a:r>
+              <a:rPr lang="de-DE" sz="2000" dirty="0" err="1"/>
+              <a:t>to</a:t>
+            </a:r>
+            <a:r>
+              <a:rPr lang="de-DE" sz="2000" dirty="0"/>
+              <a:t> </a:t>
+            </a:r>
+            <a:r>
+              <a:rPr lang="de-DE" sz="2000" i="1" dirty="0" err="1"/>
+              <a:t>abstain</a:t>
+            </a:r>
+            <a:r>
+              <a:rPr lang="de-DE" sz="2000" dirty="0"/>
+              <a:t> </a:t>
+            </a:r>
+            <a:r>
+              <a:rPr lang="de-DE" sz="2000" dirty="0" err="1"/>
+              <a:t>when</a:t>
+            </a:r>
+            <a:r>
+              <a:rPr lang="de-DE" sz="2000" dirty="0"/>
+              <a:t> </a:t>
+            </a:r>
+            <a:r>
+              <a:rPr lang="de-DE" sz="2000" dirty="0" err="1"/>
+              <a:t>unsure</a:t>
+            </a:r>
+            <a:r>
+              <a:rPr lang="de-DE" sz="2000" dirty="0"/>
+              <a:t>.</a:t>
+            </a:r>
+          </a:p>
+          <a:p>
+            <a:pPr fontAlgn="ctr"/>
+            <a:r>
+              <a:rPr lang="de-DE" sz="2000" dirty="0"/>
+              <a:t>Core </a:t>
+            </a:r>
+            <a:r>
+              <a:rPr lang="de-DE" sz="2000" dirty="0" err="1"/>
+              <a:t>challenge</a:t>
+            </a:r>
+            <a:r>
+              <a:rPr lang="de-DE" sz="2000" dirty="0"/>
+              <a:t>: </a:t>
+            </a:r>
+            <a:r>
+              <a:rPr lang="de-DE" sz="2000" dirty="0" err="1"/>
+              <a:t>model</a:t>
+            </a:r>
+            <a:r>
+              <a:rPr lang="de-DE" sz="2000" dirty="0"/>
+              <a:t> </a:t>
+            </a:r>
+            <a:r>
+              <a:rPr lang="de-DE" sz="2000" dirty="0" err="1"/>
+              <a:t>confidence</a:t>
+            </a:r>
+            <a:r>
+              <a:rPr lang="de-DE" sz="2000" dirty="0"/>
+              <a:t> (</a:t>
+            </a:r>
+            <a:r>
+              <a:rPr lang="de-DE" sz="2000" dirty="0" err="1"/>
+              <a:t>its</a:t>
+            </a:r>
+            <a:r>
+              <a:rPr lang="de-DE" sz="2000" dirty="0"/>
+              <a:t> “top </a:t>
+            </a:r>
+            <a:r>
+              <a:rPr lang="de-DE" sz="2000" dirty="0" err="1"/>
+              <a:t>probability</a:t>
+            </a:r>
+            <a:r>
+              <a:rPr lang="de-DE" sz="2000" dirty="0"/>
+              <a:t>”) </a:t>
+            </a:r>
+            <a:r>
+              <a:rPr lang="de-DE" sz="2000" dirty="0" err="1"/>
+              <a:t>is</a:t>
+            </a:r>
+            <a:r>
+              <a:rPr lang="de-DE" sz="2000" dirty="0"/>
+              <a:t> </a:t>
+            </a:r>
+            <a:r>
+              <a:rPr lang="de-DE" sz="2000" b="1" dirty="0"/>
+              <a:t>not reliable</a:t>
+            </a:r>
+            <a:r>
+              <a:rPr lang="de-DE" sz="2000" dirty="0"/>
+              <a:t> </a:t>
+            </a:r>
+            <a:r>
+              <a:rPr lang="de-DE" sz="2000" dirty="0" err="1"/>
+              <a:t>when</a:t>
+            </a:r>
+            <a:r>
+              <a:rPr lang="de-DE" sz="2000" dirty="0"/>
+              <a:t> </a:t>
+            </a:r>
+            <a:r>
+              <a:rPr lang="de-DE" sz="2000" dirty="0" err="1"/>
+              <a:t>domain</a:t>
+            </a:r>
+            <a:r>
+              <a:rPr lang="de-DE" sz="2000" dirty="0"/>
+              <a:t> </a:t>
+            </a:r>
+            <a:r>
+              <a:rPr lang="de-DE" sz="2000" dirty="0" err="1"/>
+              <a:t>shifts</a:t>
+            </a:r>
+            <a:r>
+              <a:rPr lang="de-DE" sz="2000" dirty="0"/>
+              <a:t>.</a:t>
+            </a:r>
+          </a:p>
+          <a:p>
+            <a:pPr fontAlgn="ctr"/>
+            <a:r>
+              <a:rPr lang="de-DE" sz="2000" dirty="0"/>
+              <a:t>Solution: Train a separate </a:t>
+            </a:r>
+            <a:r>
+              <a:rPr lang="de-DE" sz="2000" dirty="0" err="1"/>
+              <a:t>calibrator</a:t>
+            </a:r>
+            <a:r>
+              <a:rPr lang="de-DE" sz="2000" dirty="0"/>
+              <a:t> </a:t>
+            </a:r>
+            <a:r>
+              <a:rPr lang="de-DE" sz="2000" dirty="0" err="1"/>
+              <a:t>that</a:t>
+            </a:r>
+            <a:r>
+              <a:rPr lang="de-DE" sz="2000" dirty="0"/>
+              <a:t> </a:t>
+            </a:r>
+            <a:r>
+              <a:rPr lang="de-DE" sz="2000" dirty="0" err="1"/>
+              <a:t>predicts</a:t>
+            </a:r>
+            <a:r>
+              <a:rPr lang="de-DE" sz="2000" dirty="0"/>
+              <a:t> “</a:t>
+            </a:r>
+            <a:r>
+              <a:rPr lang="de-DE" sz="2000" dirty="0" err="1"/>
+              <a:t>model</a:t>
+            </a:r>
+            <a:r>
+              <a:rPr lang="de-DE" sz="2000" dirty="0"/>
+              <a:t> will </a:t>
+            </a:r>
+            <a:r>
+              <a:rPr lang="de-DE" sz="2000" dirty="0" err="1"/>
+              <a:t>err</a:t>
+            </a:r>
+            <a:r>
+              <a:rPr lang="de-DE" sz="2000" dirty="0"/>
+              <a:t>?” → </a:t>
+            </a:r>
+            <a:r>
+              <a:rPr lang="de-DE" sz="2000" dirty="0" err="1"/>
+              <a:t>if</a:t>
+            </a:r>
+            <a:r>
+              <a:rPr lang="de-DE" sz="2000" dirty="0"/>
+              <a:t> </a:t>
+            </a:r>
+            <a:r>
+              <a:rPr lang="de-DE" sz="2000" dirty="0" err="1"/>
+              <a:t>yes</a:t>
+            </a:r>
+            <a:r>
+              <a:rPr lang="de-DE" sz="2000" dirty="0"/>
+              <a:t> → </a:t>
+            </a:r>
+            <a:r>
+              <a:rPr lang="de-DE" sz="2000" dirty="0" err="1"/>
+              <a:t>abstain</a:t>
+            </a:r>
+            <a:r>
+              <a:rPr lang="de-DE" sz="2000" dirty="0"/>
+              <a:t>.</a:t>
+            </a:r>
+          </a:p>
+        </p:txBody>
+      </p:sp>
+      <p:sp>
+        <p:nvSpPr>
+          <p:cNvPr id="5" name="Fußzeilenplatzhalter 4">
+            <a:extLst>
+              <a:ext uri="{FF2B5EF4-FFF2-40B4-BE49-F238E27FC236}">
+                <a16:creationId xmlns:a16="http://schemas.microsoft.com/office/drawing/2014/main" id="{57E3B4E8-52E4-450D-5776-8C6E57A3363C}"/>
+              </a:ext>
+            </a:extLst>
+          </p:cNvPr>
+          <p:cNvSpPr>
+            <a:spLocks noGrp="1"/>
+          </p:cNvSpPr>
+          <p:nvPr>
+            <p:ph type="ftr" sz="quarter" idx="11"/>
+          </p:nvPr>
+        </p:nvSpPr>
+        <p:spPr>
+          <a:xfrm>
+            <a:off x="498834" y="6172200"/>
+            <a:ext cx="11223774" cy="549275"/>
           </a:xfrm>
         </p:spPr>
         <p:txBody>
           <a:bodyPr>
-            <a:normAutofit/>
+            <a:noAutofit/>
           </a:bodyPr>
           <a:lstStyle/>
           <a:p>
-            <a:pPr fontAlgn="ctr"/>
-            <a:r>
-              <a:rPr lang="de-DE" dirty="0"/>
-              <a:t>Real‐</a:t>
-            </a:r>
-            <a:r>
-              <a:rPr lang="de-DE" dirty="0" err="1"/>
-              <a:t>world</a:t>
-            </a:r>
-            <a:r>
-              <a:rPr lang="de-DE" dirty="0"/>
-              <a:t> QA </a:t>
-            </a:r>
-            <a:r>
-              <a:rPr lang="de-DE" dirty="0" err="1"/>
-              <a:t>systems</a:t>
-            </a:r>
-            <a:r>
-              <a:rPr lang="de-DE" dirty="0"/>
-              <a:t> </a:t>
-            </a:r>
-            <a:r>
-              <a:rPr lang="de-DE" dirty="0" err="1"/>
-              <a:t>must</a:t>
-            </a:r>
-            <a:r>
-              <a:rPr lang="de-DE" dirty="0"/>
-              <a:t> handle </a:t>
-            </a:r>
-            <a:r>
-              <a:rPr lang="de-DE" dirty="0" err="1"/>
-              <a:t>questions</a:t>
-            </a:r>
-            <a:r>
-              <a:rPr lang="de-DE" dirty="0"/>
-              <a:t> </a:t>
-            </a:r>
-            <a:r>
-              <a:rPr lang="de-DE" i="1" dirty="0"/>
-              <a:t>outside</a:t>
-            </a:r>
-            <a:r>
-              <a:rPr lang="de-DE" dirty="0"/>
-              <a:t> </a:t>
-            </a:r>
-            <a:r>
-              <a:rPr lang="de-DE" dirty="0" err="1"/>
-              <a:t>their</a:t>
-            </a:r>
-            <a:r>
-              <a:rPr lang="de-DE" dirty="0"/>
-              <a:t> </a:t>
-            </a:r>
-            <a:r>
-              <a:rPr lang="de-DE" dirty="0" err="1"/>
-              <a:t>training</a:t>
-            </a:r>
-            <a:r>
-              <a:rPr lang="de-DE" dirty="0"/>
-              <a:t> </a:t>
-            </a:r>
-            <a:r>
-              <a:rPr lang="de-DE" dirty="0" err="1"/>
-              <a:t>scope</a:t>
-            </a:r>
-            <a:r>
-              <a:rPr lang="de-DE" dirty="0"/>
-              <a:t> → </a:t>
-            </a:r>
-            <a:r>
-              <a:rPr lang="de-DE" dirty="0" err="1"/>
-              <a:t>risk</a:t>
-            </a:r>
-            <a:r>
-              <a:rPr lang="de-DE" dirty="0"/>
-              <a:t> </a:t>
-            </a:r>
-            <a:r>
-              <a:rPr lang="de-DE" dirty="0" err="1"/>
-              <a:t>of</a:t>
-            </a:r>
-            <a:r>
-              <a:rPr lang="de-DE" dirty="0"/>
-              <a:t> </a:t>
-            </a:r>
-            <a:r>
-              <a:rPr lang="de-DE" dirty="0" err="1"/>
-              <a:t>error</a:t>
-            </a:r>
-            <a:r>
-              <a:rPr lang="de-DE" dirty="0"/>
-              <a:t> </a:t>
-            </a:r>
-            <a:r>
-              <a:rPr lang="de-DE" dirty="0" err="1"/>
-              <a:t>increases</a:t>
-            </a:r>
-            <a:r>
-              <a:rPr lang="de-DE" dirty="0"/>
-              <a:t>.</a:t>
-            </a:r>
-          </a:p>
-          <a:p>
-            <a:pPr fontAlgn="ctr"/>
-            <a:r>
-              <a:rPr lang="de-DE" dirty="0"/>
-              <a:t>The </a:t>
-            </a:r>
-            <a:r>
-              <a:rPr lang="de-DE" dirty="0" err="1"/>
-              <a:t>authors</a:t>
-            </a:r>
-            <a:r>
-              <a:rPr lang="de-DE" dirty="0"/>
-              <a:t> </a:t>
-            </a:r>
-            <a:r>
-              <a:rPr lang="de-DE" dirty="0" err="1"/>
-              <a:t>propose</a:t>
-            </a:r>
-            <a:r>
-              <a:rPr lang="de-DE" dirty="0"/>
-              <a:t>: </a:t>
-            </a:r>
-            <a:r>
-              <a:rPr lang="de-DE" dirty="0" err="1"/>
-              <a:t>instead</a:t>
-            </a:r>
-            <a:r>
-              <a:rPr lang="de-DE" dirty="0"/>
-              <a:t> </a:t>
-            </a:r>
-            <a:r>
-              <a:rPr lang="de-DE" dirty="0" err="1"/>
-              <a:t>of</a:t>
-            </a:r>
-            <a:r>
-              <a:rPr lang="de-DE" dirty="0"/>
-              <a:t> </a:t>
-            </a:r>
-            <a:r>
-              <a:rPr lang="de-DE" dirty="0" err="1"/>
-              <a:t>always</a:t>
-            </a:r>
-            <a:r>
-              <a:rPr lang="de-DE" dirty="0"/>
-              <a:t> </a:t>
-            </a:r>
-            <a:r>
-              <a:rPr lang="de-DE" dirty="0" err="1"/>
-              <a:t>answering</a:t>
-            </a:r>
-            <a:r>
-              <a:rPr lang="de-DE" dirty="0"/>
-              <a:t>, </a:t>
-            </a:r>
-            <a:r>
-              <a:rPr lang="de-DE" dirty="0" err="1"/>
-              <a:t>allow</a:t>
-            </a:r>
-            <a:r>
-              <a:rPr lang="de-DE" dirty="0"/>
-              <a:t> </a:t>
-            </a:r>
-            <a:r>
-              <a:rPr lang="de-DE" dirty="0" err="1"/>
-              <a:t>the</a:t>
-            </a:r>
-            <a:r>
-              <a:rPr lang="de-DE" dirty="0"/>
-              <a:t> </a:t>
-            </a:r>
-            <a:r>
-              <a:rPr lang="de-DE" dirty="0" err="1"/>
-              <a:t>system</a:t>
-            </a:r>
-            <a:r>
-              <a:rPr lang="de-DE" dirty="0"/>
-              <a:t> </a:t>
-            </a:r>
-            <a:r>
-              <a:rPr lang="de-DE" dirty="0" err="1"/>
-              <a:t>to</a:t>
-            </a:r>
-            <a:r>
-              <a:rPr lang="de-DE" dirty="0"/>
-              <a:t> </a:t>
-            </a:r>
-            <a:r>
-              <a:rPr lang="de-DE" i="1" dirty="0" err="1"/>
-              <a:t>abstain</a:t>
-            </a:r>
-            <a:r>
-              <a:rPr lang="de-DE" dirty="0"/>
-              <a:t> </a:t>
-            </a:r>
-            <a:r>
-              <a:rPr lang="de-DE" dirty="0" err="1"/>
-              <a:t>when</a:t>
-            </a:r>
-            <a:r>
-              <a:rPr lang="de-DE" dirty="0"/>
-              <a:t> </a:t>
-            </a:r>
-            <a:r>
-              <a:rPr lang="de-DE" dirty="0" err="1"/>
-              <a:t>unsure</a:t>
-            </a:r>
-            <a:r>
-              <a:rPr lang="de-DE" dirty="0"/>
-              <a:t>.</a:t>
-            </a:r>
-          </a:p>
-          <a:p>
-            <a:pPr fontAlgn="ctr"/>
-            <a:r>
-              <a:rPr lang="de-DE" dirty="0"/>
-              <a:t>Core </a:t>
-            </a:r>
-            <a:r>
-              <a:rPr lang="de-DE" dirty="0" err="1"/>
-              <a:t>challenge</a:t>
-            </a:r>
-            <a:r>
-              <a:rPr lang="de-DE" dirty="0"/>
-              <a:t>: </a:t>
-            </a:r>
-            <a:r>
-              <a:rPr lang="de-DE" dirty="0" err="1"/>
-              <a:t>model</a:t>
-            </a:r>
-            <a:r>
-              <a:rPr lang="de-DE" dirty="0"/>
-              <a:t> </a:t>
-            </a:r>
-            <a:r>
-              <a:rPr lang="de-DE" dirty="0" err="1"/>
-              <a:t>confidence</a:t>
-            </a:r>
-            <a:r>
-              <a:rPr lang="de-DE" dirty="0"/>
-              <a:t> (</a:t>
-            </a:r>
-            <a:r>
-              <a:rPr lang="de-DE" dirty="0" err="1"/>
-              <a:t>its</a:t>
-            </a:r>
-            <a:r>
-              <a:rPr lang="de-DE" dirty="0"/>
-              <a:t> “top </a:t>
-            </a:r>
-            <a:r>
-              <a:rPr lang="de-DE" dirty="0" err="1"/>
-              <a:t>probability</a:t>
-            </a:r>
-            <a:r>
-              <a:rPr lang="de-DE" dirty="0"/>
-              <a:t>”) </a:t>
-            </a:r>
-            <a:r>
-              <a:rPr lang="de-DE" dirty="0" err="1"/>
-              <a:t>is</a:t>
-            </a:r>
-            <a:r>
-              <a:rPr lang="de-DE" dirty="0"/>
-              <a:t> </a:t>
-            </a:r>
-            <a:r>
-              <a:rPr lang="de-DE" b="1" dirty="0"/>
-              <a:t>not reliable</a:t>
-            </a:r>
-            <a:r>
-              <a:rPr lang="de-DE" dirty="0"/>
-              <a:t> </a:t>
-            </a:r>
-            <a:r>
-              <a:rPr lang="de-DE" dirty="0" err="1"/>
-              <a:t>when</a:t>
-            </a:r>
-            <a:r>
-              <a:rPr lang="de-DE" dirty="0"/>
-              <a:t> </a:t>
-            </a:r>
-            <a:r>
-              <a:rPr lang="de-DE" dirty="0" err="1"/>
-              <a:t>domain</a:t>
-            </a:r>
-            <a:r>
-              <a:rPr lang="de-DE" dirty="0"/>
-              <a:t> </a:t>
-            </a:r>
-            <a:r>
-              <a:rPr lang="de-DE" dirty="0" err="1"/>
-              <a:t>shifts</a:t>
-            </a:r>
-            <a:r>
-              <a:rPr lang="de-DE" dirty="0"/>
-              <a:t>.</a:t>
-            </a:r>
-          </a:p>
-          <a:p>
-            <a:pPr fontAlgn="ctr"/>
-            <a:r>
-              <a:rPr lang="de-DE" dirty="0"/>
-              <a:t>Solution: Train a separate </a:t>
-            </a:r>
-            <a:r>
-              <a:rPr lang="de-DE" dirty="0" err="1"/>
-              <a:t>calibrator</a:t>
-            </a:r>
-            <a:r>
-              <a:rPr lang="de-DE" dirty="0"/>
-              <a:t> </a:t>
-            </a:r>
-            <a:r>
-              <a:rPr lang="de-DE" dirty="0" err="1"/>
-              <a:t>that</a:t>
-            </a:r>
-            <a:r>
-              <a:rPr lang="de-DE" dirty="0"/>
-              <a:t> </a:t>
-            </a:r>
-            <a:r>
-              <a:rPr lang="de-DE" dirty="0" err="1"/>
-              <a:t>predicts</a:t>
-            </a:r>
-            <a:r>
-              <a:rPr lang="de-DE" dirty="0"/>
-              <a:t> “</a:t>
-            </a:r>
-            <a:r>
-              <a:rPr lang="de-DE" dirty="0" err="1"/>
-              <a:t>model</a:t>
-            </a:r>
-            <a:r>
-              <a:rPr lang="de-DE" dirty="0"/>
-              <a:t> will </a:t>
-            </a:r>
-            <a:r>
-              <a:rPr lang="de-DE" dirty="0" err="1"/>
-              <a:t>err</a:t>
-            </a:r>
-            <a:r>
-              <a:rPr lang="de-DE" dirty="0"/>
-              <a:t>?” → </a:t>
-            </a:r>
-            <a:r>
-              <a:rPr lang="de-DE" dirty="0" err="1"/>
-              <a:t>if</a:t>
-            </a:r>
-            <a:r>
-              <a:rPr lang="de-DE" dirty="0"/>
-              <a:t> </a:t>
-            </a:r>
-            <a:r>
-              <a:rPr lang="de-DE" dirty="0" err="1"/>
-              <a:t>yes</a:t>
-            </a:r>
-            <a:r>
-              <a:rPr lang="de-DE" dirty="0"/>
-              <a:t> → </a:t>
-            </a:r>
-            <a:r>
-              <a:rPr lang="de-DE" dirty="0" err="1"/>
-              <a:t>abstain</a:t>
-            </a:r>
-            <a:r>
-              <a:rPr lang="de-DE" dirty="0"/>
-              <a:t>.</a:t>
-            </a:r>
-          </a:p>
+            <a:endParaRPr lang="de-DE" sz="1000" dirty="0"/>
+          </a:p>
+        </p:txBody>
+      </p:sp>
+      <p:sp>
+        <p:nvSpPr>
+          <p:cNvPr id="6" name="Textfeld 5">
+            <a:extLst>
+              <a:ext uri="{FF2B5EF4-FFF2-40B4-BE49-F238E27FC236}">
+                <a16:creationId xmlns:a16="http://schemas.microsoft.com/office/drawing/2014/main" id="{FF0D3175-7A36-88D9-0B26-ACED59697FE4}"/>
+              </a:ext>
+            </a:extLst>
+          </p:cNvPr>
+          <p:cNvSpPr txBox="1"/>
+          <p:nvPr/>
+        </p:nvSpPr>
+        <p:spPr>
+          <a:xfrm>
+            <a:off x="2206752" y="6486144"/>
+            <a:ext cx="184731" cy="369332"/>
+          </a:xfrm>
+          <a:prstGeom prst="rect">
+            <a:avLst/>
+          </a:prstGeom>
+          <a:noFill/>
+        </p:spPr>
+        <p:txBody>
+          <a:bodyPr wrap="none" rtlCol="0">
+            <a:spAutoFit/>
+          </a:bodyPr>
+          <a:lstStyle/>
           <a:p>
             <a:endParaRPr lang="de-DE" dirty="0"/>
           </a:p>
@@ -9669,7 +10076,7 @@
     </p:spTree>
     <p:extLst>
       <p:ext uri="{BB962C8B-B14F-4D97-AF65-F5344CB8AC3E}">
-        <p14:creationId xmlns:p14="http://schemas.microsoft.com/office/powerpoint/2010/main" val="2391671803"/>
+        <p14:creationId xmlns:p14="http://schemas.microsoft.com/office/powerpoint/2010/main" val="3249940346"/>
       </p:ext>
     </p:extLst>
   </p:cSld>
@@ -9684,7 +10091,13 @@
   <p:cSld>
     <p:spTree>
       <p:nvGrpSpPr>
-        <p:cNvPr id="1" name=""/>
+        <p:cNvPr id="1" name="">
+          <a:extLst>
+            <a:ext uri="{FF2B5EF4-FFF2-40B4-BE49-F238E27FC236}">
+              <a16:creationId xmlns:a16="http://schemas.microsoft.com/office/drawing/2014/main" id="{20A176C2-5BC9-381B-ABFD-F623AE6448C0}"/>
+            </a:ext>
+          </a:extLst>
+        </p:cNvPr>
         <p:cNvGrpSpPr/>
         <p:nvPr/>
       </p:nvGrpSpPr>
@@ -9696,12 +10109,261 @@
           <a:chExt cx="0" cy="0"/>
         </a:xfrm>
       </p:grpSpPr>
+      <p:sp useBgFill="1">
+        <p:nvSpPr>
+          <p:cNvPr id="4103" name="Rectangle 4102">
+            <a:extLst>
+              <a:ext uri="{FF2B5EF4-FFF2-40B4-BE49-F238E27FC236}">
+                <a16:creationId xmlns:a16="http://schemas.microsoft.com/office/drawing/2014/main" id="{ED7F5D5B-B8DE-256E-F0BB-27D2CB8C4E4F}"/>
+              </a:ext>
+              <a:ext uri="{C183D7F6-B498-43B3-948B-1728B52AA6E4}">
+                <adec:decorative xmlns:adec="http://schemas.microsoft.com/office/drawing/2017/decorative" val="1"/>
+              </a:ext>
+            </a:extLst>
+          </p:cNvPr>
+          <p:cNvSpPr>
+            <a:spLocks noGrp="1" noRot="1" noChangeAspect="1" noMove="1" noResize="1" noEditPoints="1" noAdjustHandles="1" noChangeArrowheads="1" noChangeShapeType="1" noTextEdit="1"/>
+          </p:cNvSpPr>
+          <p:nvPr>
+            <p:extLst>
+              <p:ext uri="{386F3935-93C4-4BCD-93E2-E3B085C9AB24}">
+                <p16:designElem xmlns:p16="http://schemas.microsoft.com/office/powerpoint/2015/main" val="1"/>
+              </p:ext>
+            </p:extLst>
+          </p:nvPr>
+        </p:nvSpPr>
+        <p:spPr>
+          <a:xfrm>
+            <a:off x="0" y="0"/>
+            <a:ext cx="12192000" cy="6858000"/>
+          </a:xfrm>
+          <a:prstGeom prst="rect">
+            <a:avLst/>
+          </a:prstGeom>
+          <a:ln>
+            <a:noFill/>
+          </a:ln>
+        </p:spPr>
+        <p:style>
+          <a:lnRef idx="2">
+            <a:schemeClr val="accent1">
+              <a:shade val="50000"/>
+            </a:schemeClr>
+          </a:lnRef>
+          <a:fillRef idx="1">
+            <a:schemeClr val="accent1"/>
+          </a:fillRef>
+          <a:effectRef idx="0">
+            <a:schemeClr val="accent1"/>
+          </a:effectRef>
+          <a:fontRef idx="minor">
+            <a:schemeClr val="lt1"/>
+          </a:fontRef>
+        </p:style>
+        <p:txBody>
+          <a:bodyPr rtlCol="0" anchor="ctr"/>
+          <a:lstStyle/>
+          <a:p>
+            <a:pPr algn="ctr"/>
+            <a:endParaRPr lang="en-US"/>
+          </a:p>
+        </p:txBody>
+      </p:sp>
+      <p:sp useBgFill="1">
+        <p:nvSpPr>
+          <p:cNvPr id="4105" name="Rectangle 4104">
+            <a:extLst>
+              <a:ext uri="{FF2B5EF4-FFF2-40B4-BE49-F238E27FC236}">
+                <a16:creationId xmlns:a16="http://schemas.microsoft.com/office/drawing/2014/main" id="{F6063CE3-A55B-9BD1-526F-895A1C358D1F}"/>
+              </a:ext>
+              <a:ext uri="{C183D7F6-B498-43B3-948B-1728B52AA6E4}">
+                <adec:decorative xmlns:adec="http://schemas.microsoft.com/office/drawing/2017/decorative" val="1"/>
+              </a:ext>
+            </a:extLst>
+          </p:cNvPr>
+          <p:cNvSpPr>
+            <a:spLocks noGrp="1" noRot="1" noChangeAspect="1" noMove="1" noResize="1" noEditPoints="1" noAdjustHandles="1" noChangeArrowheads="1" noChangeShapeType="1" noTextEdit="1"/>
+          </p:cNvSpPr>
+          <p:nvPr>
+            <p:extLst>
+              <p:ext uri="{386F3935-93C4-4BCD-93E2-E3B085C9AB24}">
+                <p16:designElem xmlns:p16="http://schemas.microsoft.com/office/powerpoint/2015/main" val="1"/>
+              </p:ext>
+            </p:extLst>
+          </p:nvPr>
+        </p:nvSpPr>
+        <p:spPr>
+          <a:xfrm>
+            <a:off x="558209" y="0"/>
+            <a:ext cx="11167447" cy="2018806"/>
+          </a:xfrm>
+          <a:prstGeom prst="rect">
+            <a:avLst/>
+          </a:prstGeom>
+          <a:ln w="12700">
+            <a:solidFill>
+              <a:srgbClr val="E1E1E1"/>
+            </a:solidFill>
+          </a:ln>
+          <a:effectLst>
+            <a:outerShdw blurRad="50800" dist="38100" dir="2700000" algn="tl" rotWithShape="0">
+              <a:schemeClr val="bg1">
+                <a:lumMod val="85000"/>
+                <a:alpha val="50000"/>
+              </a:schemeClr>
+            </a:outerShdw>
+          </a:effectLst>
+        </p:spPr>
+        <p:style>
+          <a:lnRef idx="2">
+            <a:schemeClr val="accent1">
+              <a:shade val="50000"/>
+            </a:schemeClr>
+          </a:lnRef>
+          <a:fillRef idx="1">
+            <a:schemeClr val="accent1"/>
+          </a:fillRef>
+          <a:effectRef idx="0">
+            <a:schemeClr val="accent1"/>
+          </a:effectRef>
+          <a:fontRef idx="minor">
+            <a:schemeClr val="lt1"/>
+          </a:fontRef>
+        </p:style>
+        <p:txBody>
+          <a:bodyPr rtlCol="0" anchor="ctr"/>
+          <a:lstStyle/>
+          <a:p>
+            <a:pPr marL="0" marR="0" lvl="0" indent="0" algn="ctr" defTabSz="914400" rtl="0" eaLnBrk="1" fontAlgn="auto" latinLnBrk="0" hangingPunct="1">
+              <a:lnSpc>
+                <a:spcPct val="100000"/>
+              </a:lnSpc>
+              <a:spcBef>
+                <a:spcPts val="0"/>
+              </a:spcBef>
+              <a:spcAft>
+                <a:spcPts val="0"/>
+              </a:spcAft>
+              <a:buClrTx/>
+              <a:buSzTx/>
+              <a:buFontTx/>
+              <a:buNone/>
+              <a:tabLst/>
+              <a:defRPr/>
+            </a:pPr>
+            <a:endParaRPr kumimoji="0" lang="en-US" sz="1800" b="0" i="0" u="none" strike="noStrike" kern="1200" cap="none" spc="0" normalizeH="0" baseline="0" noProof="0">
+              <a:ln>
+                <a:noFill/>
+              </a:ln>
+              <a:solidFill>
+                <a:prstClr val="white"/>
+              </a:solidFill>
+              <a:effectLst/>
+              <a:uLnTx/>
+              <a:uFillTx/>
+              <a:latin typeface="Calibri" panose="020F0502020204030204"/>
+              <a:ea typeface="+mn-ea"/>
+              <a:cs typeface="+mn-cs"/>
+            </a:endParaRPr>
+          </a:p>
+        </p:txBody>
+      </p:sp>
+      <p:sp useBgFill="1">
+        <p:nvSpPr>
+          <p:cNvPr id="4107" name="Rectangle 4106">
+            <a:extLst>
+              <a:ext uri="{FF2B5EF4-FFF2-40B4-BE49-F238E27FC236}">
+                <a16:creationId xmlns:a16="http://schemas.microsoft.com/office/drawing/2014/main" id="{C0FDD297-F713-2582-78D1-C5EB11256773}"/>
+              </a:ext>
+              <a:ext uri="{C183D7F6-B498-43B3-948B-1728B52AA6E4}">
+                <adec:decorative xmlns:adec="http://schemas.microsoft.com/office/drawing/2017/decorative" val="1"/>
+              </a:ext>
+            </a:extLst>
+          </p:cNvPr>
+          <p:cNvSpPr>
+            <a:spLocks noGrp="1" noRot="1" noChangeAspect="1" noMove="1" noResize="1" noEditPoints="1" noAdjustHandles="1" noChangeArrowheads="1" noChangeShapeType="1" noTextEdit="1"/>
+          </p:cNvSpPr>
+          <p:nvPr>
+            <p:extLst>
+              <p:ext uri="{386F3935-93C4-4BCD-93E2-E3B085C9AB24}">
+                <p16:designElem xmlns:p16="http://schemas.microsoft.com/office/powerpoint/2015/main" val="1"/>
+              </p:ext>
+            </p:extLst>
+          </p:nvPr>
+        </p:nvSpPr>
+        <p:spPr>
+          <a:xfrm>
+            <a:off x="566928" y="0"/>
+            <a:ext cx="11155680" cy="2011680"/>
+          </a:xfrm>
+          <a:prstGeom prst="rect">
+            <a:avLst/>
+          </a:prstGeom>
+          <a:ln w="12700">
+            <a:noFill/>
+          </a:ln>
+          <a:effectLst/>
+        </p:spPr>
+        <p:style>
+          <a:lnRef idx="2">
+            <a:schemeClr val="accent1">
+              <a:shade val="50000"/>
+            </a:schemeClr>
+          </a:lnRef>
+          <a:fillRef idx="1">
+            <a:schemeClr val="accent1"/>
+          </a:fillRef>
+          <a:effectRef idx="0">
+            <a:schemeClr val="accent1"/>
+          </a:effectRef>
+          <a:fontRef idx="minor">
+            <a:schemeClr val="lt1"/>
+          </a:fontRef>
+        </p:style>
+        <p:txBody>
+          <a:bodyPr rtlCol="0" anchor="ctr"/>
+          <a:lstStyle/>
+          <a:p>
+            <a:pPr marL="0" marR="0" lvl="0" indent="0" algn="ctr" defTabSz="914400" rtl="0" eaLnBrk="1" fontAlgn="auto" latinLnBrk="0" hangingPunct="1">
+              <a:lnSpc>
+                <a:spcPct val="100000"/>
+              </a:lnSpc>
+              <a:spcBef>
+                <a:spcPts val="0"/>
+              </a:spcBef>
+              <a:spcAft>
+                <a:spcPts val="0"/>
+              </a:spcAft>
+              <a:buClrTx/>
+              <a:buSzTx/>
+              <a:buFontTx/>
+              <a:buNone/>
+              <a:tabLst/>
+              <a:defRPr/>
+            </a:pPr>
+            <a:endParaRPr kumimoji="0" lang="en-US" sz="1800" b="0" i="0" u="none" strike="noStrike" kern="1200" cap="none" spc="0" normalizeH="0" baseline="0" noProof="0">
+              <a:ln>
+                <a:noFill/>
+              </a:ln>
+              <a:solidFill>
+                <a:prstClr val="white"/>
+              </a:solidFill>
+              <a:effectLst/>
+              <a:uLnTx/>
+              <a:uFillTx/>
+              <a:latin typeface="Calibri" panose="020F0502020204030204"/>
+              <a:ea typeface="+mn-ea"/>
+              <a:cs typeface="+mn-cs"/>
+            </a:endParaRPr>
+          </a:p>
+        </p:txBody>
+      </p:sp>
       <p:sp>
         <p:nvSpPr>
           <p:cNvPr id="2" name="Titel 1">
             <a:extLst>
               <a:ext uri="{FF2B5EF4-FFF2-40B4-BE49-F238E27FC236}">
-                <a16:creationId xmlns:a16="http://schemas.microsoft.com/office/drawing/2014/main" id="{0314709F-CF08-700D-7F23-DBA6CEA21A90}"/>
+                <a16:creationId xmlns:a16="http://schemas.microsoft.com/office/drawing/2014/main" id="{3FA793F3-F70C-4BE6-74AE-66564DD9B7A0}"/>
               </a:ext>
             </a:extLst>
           </p:cNvPr>
@@ -9712,12 +10374,142 @@
             <p:ph type="title"/>
           </p:nvPr>
         </p:nvSpPr>
-        <p:spPr/>
+        <p:spPr>
+          <a:xfrm>
+            <a:off x="1115568" y="548640"/>
+            <a:ext cx="10168128" cy="1179576"/>
+          </a:xfrm>
+        </p:spPr>
         <p:txBody>
-          <a:bodyPr/>
+          <a:bodyPr>
+            <a:normAutofit fontScale="90000"/>
+          </a:bodyPr>
           <a:lstStyle/>
           <a:p>
-            <a:endParaRPr lang="de-DE"/>
+            <a:r>
+              <a:rPr lang="de-DE" sz="4000" dirty="0" err="1"/>
+              <a:t>Selective</a:t>
+            </a:r>
+            <a:r>
+              <a:rPr lang="de-DE" sz="4000" dirty="0"/>
+              <a:t> Question </a:t>
+            </a:r>
+            <a:r>
+              <a:rPr lang="de-DE" sz="4000" dirty="0" err="1"/>
+              <a:t>Answering</a:t>
+            </a:r>
+            <a:r>
+              <a:rPr lang="de-DE" sz="4000" dirty="0"/>
+              <a:t> </a:t>
+            </a:r>
+            <a:r>
+              <a:rPr lang="de-DE" sz="4000" dirty="0" err="1"/>
+              <a:t>under</a:t>
+            </a:r>
+            <a:r>
+              <a:rPr lang="de-DE" sz="4000" dirty="0"/>
+              <a:t> Domain Shift (</a:t>
+            </a:r>
+            <a:r>
+              <a:rPr lang="de-DE" sz="4000" dirty="0" err="1"/>
+              <a:t>Kamath</a:t>
+            </a:r>
+            <a:r>
+              <a:rPr lang="de-DE" sz="4000" dirty="0"/>
+              <a:t> et al., 2020)</a:t>
+            </a:r>
+          </a:p>
+        </p:txBody>
+      </p:sp>
+      <p:sp>
+        <p:nvSpPr>
+          <p:cNvPr id="4100" name="Rectangle 4108">
+            <a:extLst>
+              <a:ext uri="{FF2B5EF4-FFF2-40B4-BE49-F238E27FC236}">
+                <a16:creationId xmlns:a16="http://schemas.microsoft.com/office/drawing/2014/main" id="{379C49B9-6864-D742-BE3D-78A8C487288A}"/>
+              </a:ext>
+              <a:ext uri="{C183D7F6-B498-43B3-948B-1728B52AA6E4}">
+                <adec:decorative xmlns:adec="http://schemas.microsoft.com/office/drawing/2017/decorative" val="1"/>
+              </a:ext>
+            </a:extLst>
+          </p:cNvPr>
+          <p:cNvSpPr>
+            <a:spLocks noGrp="1" noRot="1" noChangeAspect="1" noMove="1" noResize="1" noEditPoints="1" noAdjustHandles="1" noChangeArrowheads="1" noChangeShapeType="1" noTextEdit="1"/>
+          </p:cNvSpPr>
+          <p:nvPr>
+            <p:extLst>
+              <p:ext uri="{386F3935-93C4-4BCD-93E2-E3B085C9AB24}">
+                <p16:designElem xmlns:p16="http://schemas.microsoft.com/office/powerpoint/2015/main" val="1"/>
+              </p:ext>
+            </p:extLst>
+          </p:nvPr>
+        </p:nvSpPr>
+        <p:spPr>
+          <a:xfrm>
+            <a:off x="498834" y="770799"/>
+            <a:ext cx="128016" cy="704088"/>
+          </a:xfrm>
+          <a:prstGeom prst="rect">
+            <a:avLst/>
+          </a:prstGeom>
+          <a:solidFill>
+            <a:schemeClr val="accent2"/>
+          </a:solidFill>
+          <a:ln>
+            <a:noFill/>
+          </a:ln>
+        </p:spPr>
+        <p:style>
+          <a:lnRef idx="2">
+            <a:schemeClr val="accent1">
+              <a:shade val="50000"/>
+            </a:schemeClr>
+          </a:lnRef>
+          <a:fillRef idx="1">
+            <a:schemeClr val="accent1"/>
+          </a:fillRef>
+          <a:effectRef idx="0">
+            <a:schemeClr val="accent1"/>
+          </a:effectRef>
+          <a:fontRef idx="minor">
+            <a:schemeClr val="lt1"/>
+          </a:fontRef>
+        </p:style>
+        <p:txBody>
+          <a:bodyPr rtlCol="0" anchor="ctr"/>
+          <a:lstStyle/>
+          <a:p>
+            <a:pPr marL="0" marR="0" lvl="0" indent="0" algn="ctr" defTabSz="914400" rtl="0" eaLnBrk="1" fontAlgn="auto" latinLnBrk="0" hangingPunct="1">
+              <a:lnSpc>
+                <a:spcPct val="100000"/>
+              </a:lnSpc>
+              <a:spcBef>
+                <a:spcPts val="0"/>
+              </a:spcBef>
+              <a:spcAft>
+                <a:spcPts val="0"/>
+              </a:spcAft>
+              <a:buClrTx/>
+              <a:buSzTx/>
+              <a:buFontTx/>
+              <a:buNone/>
+              <a:tabLst/>
+              <a:defRPr/>
+            </a:pPr>
+            <a:endParaRPr kumimoji="0" lang="en-US" sz="1800" b="0" i="0" u="none" strike="noStrike" kern="1200" cap="none" spc="0" normalizeH="0" baseline="0" noProof="0">
+              <a:ln>
+                <a:noFill/>
+              </a:ln>
+              <a:solidFill>
+                <a:prstClr val="white"/>
+              </a:solidFill>
+              <a:effectLst/>
+              <a:uLnTx/>
+              <a:uFillTx/>
+              <a:latin typeface="Calibri" panose="020F0502020204030204"/>
+              <a:ea typeface="+mn-ea"/>
+              <a:cs typeface="+mn-cs"/>
+            </a:endParaRPr>
           </a:p>
         </p:txBody>
       </p:sp>
@@ -9726,7 +10518,7 @@
           <p:cNvPr id="3" name="Inhaltsplatzhalter 2">
             <a:extLst>
               <a:ext uri="{FF2B5EF4-FFF2-40B4-BE49-F238E27FC236}">
-                <a16:creationId xmlns:a16="http://schemas.microsoft.com/office/drawing/2014/main" id="{0B86B9B7-8F91-857B-C17A-C194065470C6}"/>
+                <a16:creationId xmlns:a16="http://schemas.microsoft.com/office/drawing/2014/main" id="{9BF1F808-DE3F-9C08-04E8-A5CFED9C27FB}"/>
               </a:ext>
             </a:extLst>
           </p:cNvPr>
@@ -9737,556 +10529,622 @@
             <p:ph idx="1"/>
           </p:nvPr>
         </p:nvSpPr>
-        <p:spPr/>
+        <p:spPr>
+          <a:xfrm>
+            <a:off x="626851" y="2478024"/>
+            <a:ext cx="10656846" cy="3557651"/>
+          </a:xfrm>
+        </p:spPr>
+        <p:txBody>
+          <a:bodyPr anchor="ctr">
+            <a:normAutofit/>
+          </a:bodyPr>
+          <a:lstStyle/>
+          <a:p>
+            <a:pPr fontAlgn="ctr"/>
+            <a:r>
+              <a:rPr lang="de-DE" sz="2000" dirty="0"/>
+              <a:t>Key </a:t>
+            </a:r>
+            <a:r>
+              <a:rPr lang="de-DE" sz="2000" dirty="0" err="1"/>
+              <a:t>result</a:t>
+            </a:r>
+            <a:r>
+              <a:rPr lang="de-DE" sz="2000" dirty="0"/>
+              <a:t>: </a:t>
+            </a:r>
+            <a:br>
+              <a:rPr lang="de-DE" sz="2000" dirty="0"/>
+            </a:br>
+            <a:r>
+              <a:rPr lang="de-DE" sz="2000" dirty="0"/>
+              <a:t>System </a:t>
+            </a:r>
+            <a:r>
+              <a:rPr lang="de-DE" sz="2000" dirty="0" err="1"/>
+              <a:t>answers</a:t>
+            </a:r>
+            <a:r>
+              <a:rPr lang="de-DE" sz="2000" dirty="0"/>
+              <a:t> 56% </a:t>
+            </a:r>
+            <a:r>
+              <a:rPr lang="de-DE" sz="2000" dirty="0" err="1"/>
+              <a:t>while</a:t>
+            </a:r>
+            <a:r>
+              <a:rPr lang="de-DE" sz="2000" dirty="0"/>
+              <a:t> </a:t>
+            </a:r>
+            <a:r>
+              <a:rPr lang="de-DE" sz="2000" dirty="0" err="1"/>
+              <a:t>keeping</a:t>
+            </a:r>
+            <a:r>
+              <a:rPr lang="de-DE" sz="2000" dirty="0"/>
+              <a:t> 80% </a:t>
+            </a:r>
+            <a:r>
+              <a:rPr lang="de-DE" sz="2000" dirty="0" err="1"/>
+              <a:t>accuracy</a:t>
+            </a:r>
+            <a:r>
+              <a:rPr lang="de-DE" sz="2000" dirty="0"/>
+              <a:t>, </a:t>
+            </a:r>
+            <a:r>
+              <a:rPr lang="de-DE" sz="2000" dirty="0" err="1"/>
+              <a:t>vs</a:t>
+            </a:r>
+            <a:r>
+              <a:rPr lang="de-DE" sz="2000" dirty="0"/>
+              <a:t> </a:t>
+            </a:r>
+            <a:r>
+              <a:rPr lang="de-DE" sz="2000" dirty="0" err="1"/>
+              <a:t>baseline</a:t>
+            </a:r>
+            <a:r>
+              <a:rPr lang="de-DE" sz="2000" dirty="0"/>
+              <a:t> ~48% at same </a:t>
+            </a:r>
+            <a:r>
+              <a:rPr lang="de-DE" sz="2000" dirty="0" err="1"/>
+              <a:t>accuracy</a:t>
+            </a:r>
+            <a:r>
+              <a:rPr lang="de-DE" sz="2000" dirty="0"/>
+              <a:t>.</a:t>
+            </a:r>
+          </a:p>
+          <a:p>
+            <a:pPr fontAlgn="ctr"/>
+            <a:r>
+              <a:rPr lang="de-DE" sz="2000" dirty="0" err="1"/>
+              <a:t>Practical</a:t>
+            </a:r>
+            <a:r>
+              <a:rPr lang="de-DE" sz="2000" dirty="0"/>
+              <a:t> </a:t>
+            </a:r>
+            <a:r>
+              <a:rPr lang="de-DE" sz="2000" dirty="0" err="1"/>
+              <a:t>implication</a:t>
+            </a:r>
+            <a:r>
+              <a:rPr lang="de-DE" sz="2000" dirty="0"/>
+              <a:t> </a:t>
+            </a:r>
+            <a:r>
+              <a:rPr lang="de-DE" sz="2000" dirty="0" err="1"/>
+              <a:t>for</a:t>
+            </a:r>
+            <a:r>
+              <a:rPr lang="de-DE" sz="2000" dirty="0"/>
+              <a:t> </a:t>
+            </a:r>
+            <a:r>
+              <a:rPr lang="de-DE" sz="2000" dirty="0" err="1"/>
+              <a:t>our</a:t>
+            </a:r>
+            <a:r>
+              <a:rPr lang="de-DE" sz="2000" dirty="0"/>
+              <a:t> </a:t>
+            </a:r>
+            <a:r>
+              <a:rPr lang="de-DE" sz="2000" dirty="0" err="1"/>
+              <a:t>challenge</a:t>
+            </a:r>
+            <a:r>
+              <a:rPr lang="de-DE" sz="2000" dirty="0"/>
+              <a:t>: </a:t>
+            </a:r>
+            <a:br>
+              <a:rPr lang="de-DE" sz="2000" dirty="0"/>
+            </a:br>
+            <a:r>
+              <a:rPr lang="de-DE" sz="2000" dirty="0" err="1"/>
+              <a:t>We</a:t>
+            </a:r>
+            <a:r>
+              <a:rPr lang="de-DE" sz="2000" dirty="0"/>
+              <a:t> </a:t>
+            </a:r>
+            <a:r>
+              <a:rPr lang="de-DE" sz="2000" dirty="0" err="1"/>
+              <a:t>can</a:t>
+            </a:r>
+            <a:r>
+              <a:rPr lang="de-DE" sz="2000" dirty="0"/>
+              <a:t> </a:t>
+            </a:r>
+            <a:r>
+              <a:rPr lang="de-DE" sz="2000" dirty="0" err="1"/>
+              <a:t>build</a:t>
+            </a:r>
+            <a:r>
+              <a:rPr lang="de-DE" sz="2000" dirty="0"/>
+              <a:t> a “</a:t>
+            </a:r>
+            <a:r>
+              <a:rPr lang="de-DE" sz="2000" dirty="0" err="1"/>
+              <a:t>confidence</a:t>
+            </a:r>
+            <a:r>
+              <a:rPr lang="de-DE" sz="2000" dirty="0"/>
+              <a:t>/</a:t>
+            </a:r>
+            <a:r>
+              <a:rPr lang="de-DE" sz="2000" dirty="0" err="1"/>
+              <a:t>abstention</a:t>
+            </a:r>
+            <a:r>
+              <a:rPr lang="de-DE" sz="2000" dirty="0"/>
+              <a:t>” </a:t>
+            </a:r>
+            <a:r>
+              <a:rPr lang="de-DE" sz="2000" dirty="0" err="1"/>
+              <a:t>mechanism</a:t>
+            </a:r>
+            <a:r>
+              <a:rPr lang="de-DE" sz="2000" dirty="0"/>
+              <a:t> </a:t>
+            </a:r>
+            <a:r>
+              <a:rPr lang="de-DE" sz="2000" dirty="0" err="1"/>
+              <a:t>to</a:t>
+            </a:r>
+            <a:r>
+              <a:rPr lang="de-DE" sz="2000" dirty="0"/>
+              <a:t> </a:t>
+            </a:r>
+            <a:r>
+              <a:rPr lang="de-DE" sz="2000" dirty="0" err="1"/>
+              <a:t>recognise</a:t>
+            </a:r>
+            <a:r>
+              <a:rPr lang="de-DE" sz="2000" dirty="0"/>
+              <a:t> evasive </a:t>
+            </a:r>
+            <a:r>
+              <a:rPr lang="de-DE" sz="2000" dirty="0" err="1"/>
+              <a:t>or</a:t>
+            </a:r>
+            <a:r>
+              <a:rPr lang="de-DE" sz="2000" dirty="0"/>
+              <a:t> out‐</a:t>
+            </a:r>
+            <a:r>
+              <a:rPr lang="de-DE" sz="2000" dirty="0" err="1"/>
+              <a:t>of</a:t>
+            </a:r>
+            <a:r>
+              <a:rPr lang="de-DE" sz="2000" dirty="0"/>
+              <a:t>‐</a:t>
+            </a:r>
+            <a:r>
+              <a:rPr lang="de-DE" sz="2000" dirty="0" err="1"/>
+              <a:t>domain</a:t>
+            </a:r>
+            <a:r>
+              <a:rPr lang="de-DE" sz="2000" dirty="0"/>
+              <a:t> </a:t>
+            </a:r>
+            <a:r>
+              <a:rPr lang="de-DE" sz="2000" dirty="0" err="1"/>
+              <a:t>answers</a:t>
+            </a:r>
+            <a:r>
+              <a:rPr lang="de-DE" sz="2000" dirty="0"/>
+              <a:t> → </a:t>
+            </a:r>
+            <a:r>
+              <a:rPr lang="de-DE" sz="2000" dirty="0" err="1"/>
+              <a:t>improves</a:t>
+            </a:r>
+            <a:r>
+              <a:rPr lang="de-DE" sz="2000" dirty="0"/>
+              <a:t> </a:t>
+            </a:r>
+            <a:r>
+              <a:rPr lang="de-DE" sz="2000" dirty="0" err="1"/>
+              <a:t>reliability</a:t>
+            </a:r>
+            <a:r>
+              <a:rPr lang="de-DE" sz="2000" dirty="0"/>
+              <a:t> </a:t>
+            </a:r>
+            <a:r>
+              <a:rPr lang="de-DE" sz="2000" dirty="0" err="1"/>
+              <a:t>of</a:t>
+            </a:r>
+            <a:r>
+              <a:rPr lang="de-DE" sz="2000" dirty="0"/>
+              <a:t> </a:t>
+            </a:r>
+            <a:r>
+              <a:rPr lang="de-DE" sz="2000" dirty="0" err="1"/>
+              <a:t>labels</a:t>
+            </a:r>
+            <a:r>
+              <a:rPr lang="de-DE" sz="2000" dirty="0"/>
+              <a:t>.</a:t>
+            </a:r>
+          </a:p>
+          <a:p>
+            <a:pPr fontAlgn="ctr"/>
+            <a:r>
+              <a:rPr lang="de-DE" sz="2000" dirty="0"/>
+              <a:t>Bonus: </a:t>
+            </a:r>
+            <a:br>
+              <a:rPr lang="de-DE" sz="2000" dirty="0"/>
+            </a:br>
+            <a:r>
+              <a:rPr lang="de-DE" sz="2000" dirty="0" err="1"/>
+              <a:t>Using</a:t>
+            </a:r>
+            <a:r>
+              <a:rPr lang="de-DE" sz="2000" dirty="0"/>
+              <a:t> a </a:t>
+            </a:r>
+            <a:r>
+              <a:rPr lang="de-DE" sz="2000" dirty="0" err="1"/>
+              <a:t>small</a:t>
+            </a:r>
+            <a:r>
+              <a:rPr lang="de-DE" sz="2000" dirty="0"/>
+              <a:t> </a:t>
+            </a:r>
+            <a:r>
+              <a:rPr lang="de-DE" sz="2000" dirty="0" err="1"/>
+              <a:t>bit</a:t>
+            </a:r>
+            <a:r>
+              <a:rPr lang="de-DE" sz="2000" dirty="0"/>
+              <a:t> </a:t>
+            </a:r>
+            <a:r>
+              <a:rPr lang="de-DE" sz="2000" dirty="0" err="1"/>
+              <a:t>of</a:t>
+            </a:r>
+            <a:r>
+              <a:rPr lang="de-DE" sz="2000" dirty="0"/>
+              <a:t> “out‐</a:t>
+            </a:r>
+            <a:r>
+              <a:rPr lang="de-DE" sz="2000" dirty="0" err="1"/>
+              <a:t>of</a:t>
+            </a:r>
+            <a:r>
+              <a:rPr lang="de-DE" sz="2000" dirty="0"/>
+              <a:t>‐</a:t>
+            </a:r>
+            <a:r>
+              <a:rPr lang="de-DE" sz="2000" dirty="0" err="1"/>
+              <a:t>domain</a:t>
+            </a:r>
+            <a:r>
+              <a:rPr lang="de-DE" sz="2000" dirty="0"/>
+              <a:t>” </a:t>
+            </a:r>
+            <a:r>
+              <a:rPr lang="de-DE" sz="2000" dirty="0" err="1"/>
+              <a:t>data</a:t>
+            </a:r>
+            <a:r>
+              <a:rPr lang="de-DE" sz="2000" dirty="0"/>
+              <a:t> </a:t>
+            </a:r>
+            <a:r>
+              <a:rPr lang="de-DE" sz="2000" dirty="0" err="1"/>
+              <a:t>to</a:t>
+            </a:r>
+            <a:r>
+              <a:rPr lang="de-DE" sz="2000" dirty="0"/>
+              <a:t> </a:t>
+            </a:r>
+            <a:r>
+              <a:rPr lang="de-DE" sz="2000" dirty="0" err="1"/>
+              <a:t>train</a:t>
+            </a:r>
+            <a:r>
+              <a:rPr lang="de-DE" sz="2000" dirty="0"/>
+              <a:t> </a:t>
+            </a:r>
+            <a:r>
+              <a:rPr lang="de-DE" sz="2000" dirty="0" err="1"/>
+              <a:t>the</a:t>
+            </a:r>
+            <a:r>
+              <a:rPr lang="de-DE" sz="2000" dirty="0"/>
+              <a:t> </a:t>
+            </a:r>
+            <a:r>
+              <a:rPr lang="de-DE" sz="2000" dirty="0" err="1"/>
+              <a:t>calibrator</a:t>
+            </a:r>
+            <a:r>
+              <a:rPr lang="de-DE" sz="2000" dirty="0"/>
+              <a:t> </a:t>
+            </a:r>
+            <a:r>
+              <a:rPr lang="de-DE" sz="2000" dirty="0" err="1"/>
+              <a:t>helps</a:t>
+            </a:r>
+            <a:r>
+              <a:rPr lang="de-DE" sz="2000" dirty="0"/>
+              <a:t>—</a:t>
+            </a:r>
+            <a:r>
+              <a:rPr lang="de-DE" sz="2000" dirty="0" err="1"/>
+              <a:t>even</a:t>
+            </a:r>
+            <a:r>
+              <a:rPr lang="de-DE" sz="2000" dirty="0"/>
+              <a:t> </a:t>
+            </a:r>
+            <a:r>
+              <a:rPr lang="de-DE" sz="2000" dirty="0" err="1"/>
+              <a:t>if</a:t>
+            </a:r>
+            <a:r>
+              <a:rPr lang="de-DE" sz="2000" dirty="0"/>
+              <a:t> </a:t>
+            </a:r>
+            <a:r>
+              <a:rPr lang="de-DE" sz="2000" dirty="0" err="1"/>
+              <a:t>we</a:t>
+            </a:r>
+            <a:r>
+              <a:rPr lang="de-DE" sz="2000" dirty="0"/>
+              <a:t> </a:t>
+            </a:r>
+            <a:r>
+              <a:rPr lang="de-DE" sz="2000" dirty="0" err="1"/>
+              <a:t>don’t</a:t>
+            </a:r>
+            <a:r>
+              <a:rPr lang="de-DE" sz="2000" dirty="0"/>
+              <a:t> </a:t>
+            </a:r>
+            <a:r>
+              <a:rPr lang="de-DE" sz="2000" dirty="0" err="1"/>
+              <a:t>know</a:t>
+            </a:r>
+            <a:r>
+              <a:rPr lang="de-DE" sz="2000" dirty="0"/>
+              <a:t> </a:t>
+            </a:r>
+            <a:r>
+              <a:rPr lang="de-DE" sz="2000" dirty="0" err="1"/>
+              <a:t>the</a:t>
+            </a:r>
+            <a:r>
+              <a:rPr lang="de-DE" sz="2000" dirty="0"/>
+              <a:t> </a:t>
+            </a:r>
+            <a:r>
+              <a:rPr lang="de-DE" sz="2000" dirty="0" err="1"/>
+              <a:t>exact</a:t>
+            </a:r>
+            <a:r>
+              <a:rPr lang="de-DE" sz="2000" dirty="0"/>
+              <a:t> </a:t>
+            </a:r>
+            <a:r>
+              <a:rPr lang="de-DE" sz="2000" dirty="0" err="1"/>
+              <a:t>future</a:t>
+            </a:r>
+            <a:r>
+              <a:rPr lang="de-DE" sz="2000" dirty="0"/>
+              <a:t> </a:t>
+            </a:r>
+            <a:r>
+              <a:rPr lang="de-DE" sz="2000" dirty="0" err="1"/>
+              <a:t>domain</a:t>
+            </a:r>
+            <a:r>
+              <a:rPr lang="de-DE" sz="2000" dirty="0"/>
+              <a:t>.</a:t>
+            </a:r>
+          </a:p>
+          <a:p>
+            <a:pPr fontAlgn="ctr"/>
+            <a:r>
+              <a:rPr lang="de-DE" sz="2000" dirty="0"/>
+              <a:t>Takeaway: </a:t>
+            </a:r>
+            <a:br>
+              <a:rPr lang="de-DE" sz="2000" dirty="0"/>
+            </a:br>
+            <a:r>
+              <a:rPr lang="de-DE" sz="2000" dirty="0" err="1"/>
+              <a:t>It’s</a:t>
+            </a:r>
+            <a:r>
+              <a:rPr lang="de-DE" sz="2000" dirty="0"/>
+              <a:t> </a:t>
+            </a:r>
+            <a:r>
+              <a:rPr lang="de-DE" sz="2000" dirty="0" err="1"/>
+              <a:t>better</a:t>
+            </a:r>
+            <a:r>
+              <a:rPr lang="de-DE" sz="2000" dirty="0"/>
+              <a:t> </a:t>
+            </a:r>
+            <a:r>
+              <a:rPr lang="de-DE" sz="2000" dirty="0" err="1"/>
+              <a:t>to</a:t>
+            </a:r>
+            <a:r>
+              <a:rPr lang="de-DE" sz="2000" dirty="0"/>
+              <a:t> </a:t>
+            </a:r>
+            <a:r>
+              <a:rPr lang="de-DE" sz="2000" dirty="0" err="1"/>
+              <a:t>say</a:t>
+            </a:r>
+            <a:r>
+              <a:rPr lang="de-DE" sz="2000" dirty="0"/>
+              <a:t> “I </a:t>
+            </a:r>
+            <a:r>
+              <a:rPr lang="de-DE" sz="2000" dirty="0" err="1"/>
+              <a:t>don’t</a:t>
+            </a:r>
+            <a:r>
+              <a:rPr lang="de-DE" sz="2000" dirty="0"/>
+              <a:t> </a:t>
+            </a:r>
+            <a:r>
+              <a:rPr lang="de-DE" sz="2000" dirty="0" err="1"/>
+              <a:t>know</a:t>
+            </a:r>
+            <a:r>
+              <a:rPr lang="de-DE" sz="2000" dirty="0"/>
+              <a:t> / </a:t>
+            </a:r>
+            <a:r>
+              <a:rPr lang="de-DE" sz="2000" dirty="0" err="1"/>
+              <a:t>abstain</a:t>
+            </a:r>
+            <a:r>
+              <a:rPr lang="de-DE" sz="2000" dirty="0"/>
+              <a:t>” </a:t>
+            </a:r>
+            <a:r>
+              <a:rPr lang="de-DE" sz="2000" dirty="0" err="1"/>
+              <a:t>than</a:t>
+            </a:r>
+            <a:r>
+              <a:rPr lang="de-DE" sz="2000" dirty="0"/>
+              <a:t> </a:t>
+            </a:r>
+            <a:r>
+              <a:rPr lang="de-DE" sz="2000" dirty="0" err="1"/>
+              <a:t>to</a:t>
+            </a:r>
+            <a:r>
+              <a:rPr lang="de-DE" sz="2000" dirty="0"/>
+              <a:t> </a:t>
+            </a:r>
+            <a:r>
+              <a:rPr lang="de-DE" sz="2000" dirty="0" err="1"/>
+              <a:t>confidently</a:t>
+            </a:r>
+            <a:r>
+              <a:rPr lang="de-DE" sz="2000" dirty="0"/>
+              <a:t> </a:t>
+            </a:r>
+            <a:r>
+              <a:rPr lang="de-DE" sz="2000" dirty="0" err="1"/>
+              <a:t>output</a:t>
+            </a:r>
+            <a:r>
+              <a:rPr lang="de-DE" sz="2000" dirty="0"/>
+              <a:t> a </a:t>
+            </a:r>
+            <a:r>
+              <a:rPr lang="de-DE" sz="2000" dirty="0" err="1"/>
+              <a:t>wrong</a:t>
+            </a:r>
+            <a:r>
+              <a:rPr lang="de-DE" sz="2000" dirty="0"/>
+              <a:t> </a:t>
+            </a:r>
+            <a:r>
+              <a:rPr lang="de-DE" sz="2000" dirty="0" err="1"/>
+              <a:t>classification</a:t>
+            </a:r>
+            <a:r>
+              <a:rPr lang="de-DE" sz="2000" dirty="0"/>
+              <a:t>.</a:t>
+            </a:r>
+          </a:p>
+        </p:txBody>
+      </p:sp>
+      <p:sp>
+        <p:nvSpPr>
+          <p:cNvPr id="5" name="Fußzeilenplatzhalter 4">
+            <a:extLst>
+              <a:ext uri="{FF2B5EF4-FFF2-40B4-BE49-F238E27FC236}">
+                <a16:creationId xmlns:a16="http://schemas.microsoft.com/office/drawing/2014/main" id="{C6658FE0-BB43-07CE-40CF-431773B16DEF}"/>
+              </a:ext>
+            </a:extLst>
+          </p:cNvPr>
+          <p:cNvSpPr>
+            <a:spLocks noGrp="1"/>
+          </p:cNvSpPr>
+          <p:nvPr>
+            <p:ph type="ftr" sz="quarter" idx="11"/>
+          </p:nvPr>
+        </p:nvSpPr>
+        <p:spPr>
+          <a:xfrm>
+            <a:off x="498834" y="6172200"/>
+            <a:ext cx="11223774" cy="549275"/>
+          </a:xfrm>
+        </p:spPr>
         <p:txBody>
           <a:bodyPr>
-            <a:normAutofit fontScale="92500" lnSpcReduction="10000"/>
+            <a:noAutofit/>
           </a:bodyPr>
           <a:lstStyle/>
           <a:p>
-            <a:pPr fontAlgn="ctr"/>
-            <a:r>
-              <a:rPr lang="de-DE" dirty="0"/>
-              <a:t>Key </a:t>
-            </a:r>
-            <a:r>
-              <a:rPr lang="de-DE" dirty="0" err="1"/>
-              <a:t>result</a:t>
-            </a:r>
-            <a:r>
-              <a:rPr lang="de-DE" dirty="0"/>
-              <a:t>: </a:t>
-            </a:r>
-            <a:br>
-              <a:rPr lang="de-DE" dirty="0"/>
-            </a:br>
-            <a:r>
-              <a:rPr lang="de-DE" dirty="0"/>
-              <a:t>System </a:t>
-            </a:r>
-            <a:r>
-              <a:rPr lang="de-DE" dirty="0" err="1"/>
-              <a:t>answers</a:t>
-            </a:r>
-            <a:r>
-              <a:rPr lang="de-DE" dirty="0"/>
-              <a:t> 56% </a:t>
-            </a:r>
-            <a:r>
-              <a:rPr lang="de-DE" dirty="0" err="1"/>
-              <a:t>while</a:t>
-            </a:r>
-            <a:r>
-              <a:rPr lang="de-DE" dirty="0"/>
-              <a:t> </a:t>
-            </a:r>
-            <a:r>
-              <a:rPr lang="de-DE" dirty="0" err="1"/>
-              <a:t>keeping</a:t>
-            </a:r>
-            <a:r>
-              <a:rPr lang="de-DE" dirty="0"/>
-              <a:t> 80% </a:t>
-            </a:r>
-            <a:r>
-              <a:rPr lang="de-DE" dirty="0" err="1"/>
-              <a:t>accuracy</a:t>
-            </a:r>
-            <a:r>
-              <a:rPr lang="de-DE" dirty="0"/>
-              <a:t>, </a:t>
-            </a:r>
-            <a:r>
-              <a:rPr lang="de-DE" dirty="0" err="1"/>
-              <a:t>vs</a:t>
-            </a:r>
-            <a:r>
-              <a:rPr lang="de-DE" dirty="0"/>
-              <a:t> </a:t>
-            </a:r>
-            <a:r>
-              <a:rPr lang="de-DE" dirty="0" err="1"/>
-              <a:t>baseline</a:t>
-            </a:r>
-            <a:r>
-              <a:rPr lang="de-DE" dirty="0"/>
-              <a:t> ~48% at same </a:t>
-            </a:r>
-            <a:r>
-              <a:rPr lang="de-DE" dirty="0" err="1"/>
-              <a:t>accuracy</a:t>
-            </a:r>
-            <a:r>
-              <a:rPr lang="de-DE" dirty="0"/>
-              <a:t>.</a:t>
-            </a:r>
-          </a:p>
-          <a:p>
-            <a:pPr fontAlgn="ctr"/>
-            <a:r>
-              <a:rPr lang="de-DE" dirty="0" err="1"/>
-              <a:t>Practical</a:t>
-            </a:r>
-            <a:r>
-              <a:rPr lang="de-DE" dirty="0"/>
-              <a:t> </a:t>
-            </a:r>
-            <a:r>
-              <a:rPr lang="de-DE" dirty="0" err="1"/>
-              <a:t>implication</a:t>
-            </a:r>
-            <a:r>
-              <a:rPr lang="de-DE" dirty="0"/>
-              <a:t> </a:t>
-            </a:r>
-            <a:r>
-              <a:rPr lang="de-DE" dirty="0" err="1"/>
-              <a:t>for</a:t>
-            </a:r>
-            <a:r>
-              <a:rPr lang="de-DE" dirty="0"/>
-              <a:t> </a:t>
-            </a:r>
-            <a:r>
-              <a:rPr lang="de-DE" dirty="0" err="1"/>
-              <a:t>our</a:t>
-            </a:r>
-            <a:r>
-              <a:rPr lang="de-DE" dirty="0"/>
-              <a:t> </a:t>
-            </a:r>
-            <a:r>
-              <a:rPr lang="de-DE" dirty="0" err="1"/>
-              <a:t>challenge</a:t>
-            </a:r>
-            <a:r>
-              <a:rPr lang="de-DE" dirty="0"/>
-              <a:t>: </a:t>
-            </a:r>
-            <a:br>
-              <a:rPr lang="de-DE" dirty="0"/>
-            </a:br>
-            <a:r>
-              <a:rPr lang="de-DE" dirty="0" err="1"/>
-              <a:t>We</a:t>
-            </a:r>
-            <a:r>
-              <a:rPr lang="de-DE" dirty="0"/>
-              <a:t> </a:t>
-            </a:r>
-            <a:r>
-              <a:rPr lang="de-DE" dirty="0" err="1"/>
-              <a:t>can</a:t>
-            </a:r>
-            <a:r>
-              <a:rPr lang="de-DE" dirty="0"/>
-              <a:t> </a:t>
-            </a:r>
-            <a:r>
-              <a:rPr lang="de-DE" dirty="0" err="1"/>
-              <a:t>build</a:t>
-            </a:r>
-            <a:r>
-              <a:rPr lang="de-DE" dirty="0"/>
-              <a:t> a “</a:t>
-            </a:r>
-            <a:r>
-              <a:rPr lang="de-DE" dirty="0" err="1"/>
-              <a:t>confidence</a:t>
-            </a:r>
-            <a:r>
-              <a:rPr lang="de-DE" dirty="0"/>
-              <a:t>/</a:t>
-            </a:r>
-            <a:r>
-              <a:rPr lang="de-DE" dirty="0" err="1"/>
-              <a:t>abstention</a:t>
-            </a:r>
-            <a:r>
-              <a:rPr lang="de-DE" dirty="0"/>
-              <a:t>” </a:t>
-            </a:r>
-            <a:r>
-              <a:rPr lang="de-DE" dirty="0" err="1"/>
-              <a:t>mechanism</a:t>
-            </a:r>
-            <a:r>
-              <a:rPr lang="de-DE" dirty="0"/>
-              <a:t> </a:t>
-            </a:r>
-            <a:r>
-              <a:rPr lang="de-DE" dirty="0" err="1"/>
-              <a:t>to</a:t>
-            </a:r>
-            <a:r>
-              <a:rPr lang="de-DE" dirty="0"/>
-              <a:t> </a:t>
-            </a:r>
-            <a:r>
-              <a:rPr lang="de-DE" dirty="0" err="1"/>
-              <a:t>recognise</a:t>
-            </a:r>
-            <a:r>
-              <a:rPr lang="de-DE" dirty="0"/>
-              <a:t> evasive </a:t>
-            </a:r>
-            <a:r>
-              <a:rPr lang="de-DE" dirty="0" err="1"/>
-              <a:t>or</a:t>
-            </a:r>
-            <a:r>
-              <a:rPr lang="de-DE" dirty="0"/>
-              <a:t> out‐</a:t>
-            </a:r>
-            <a:r>
-              <a:rPr lang="de-DE" dirty="0" err="1"/>
-              <a:t>of</a:t>
-            </a:r>
-            <a:r>
-              <a:rPr lang="de-DE" dirty="0"/>
-              <a:t>‐</a:t>
-            </a:r>
-            <a:r>
-              <a:rPr lang="de-DE" dirty="0" err="1"/>
-              <a:t>domain</a:t>
-            </a:r>
-            <a:r>
-              <a:rPr lang="de-DE" dirty="0"/>
-              <a:t> </a:t>
-            </a:r>
-            <a:r>
-              <a:rPr lang="de-DE" dirty="0" err="1"/>
-              <a:t>answers</a:t>
-            </a:r>
-            <a:r>
-              <a:rPr lang="de-DE" dirty="0"/>
-              <a:t> → </a:t>
-            </a:r>
-            <a:r>
-              <a:rPr lang="de-DE" dirty="0" err="1"/>
-              <a:t>improves</a:t>
-            </a:r>
-            <a:r>
-              <a:rPr lang="de-DE" dirty="0"/>
-              <a:t> </a:t>
-            </a:r>
-            <a:r>
-              <a:rPr lang="de-DE" dirty="0" err="1"/>
-              <a:t>reliability</a:t>
-            </a:r>
-            <a:r>
-              <a:rPr lang="de-DE" dirty="0"/>
-              <a:t> </a:t>
-            </a:r>
-            <a:r>
-              <a:rPr lang="de-DE" dirty="0" err="1"/>
-              <a:t>of</a:t>
-            </a:r>
-            <a:r>
-              <a:rPr lang="de-DE" dirty="0"/>
-              <a:t> </a:t>
-            </a:r>
-            <a:r>
-              <a:rPr lang="de-DE" dirty="0" err="1"/>
-              <a:t>labels</a:t>
-            </a:r>
-            <a:r>
-              <a:rPr lang="de-DE" dirty="0"/>
-              <a:t>.</a:t>
-            </a:r>
-          </a:p>
-          <a:p>
-            <a:pPr fontAlgn="ctr"/>
-            <a:r>
-              <a:rPr lang="de-DE" dirty="0"/>
-              <a:t>Bonus: </a:t>
-            </a:r>
-            <a:br>
-              <a:rPr lang="de-DE" dirty="0"/>
-            </a:br>
-            <a:r>
-              <a:rPr lang="de-DE" dirty="0" err="1"/>
-              <a:t>Using</a:t>
-            </a:r>
-            <a:r>
-              <a:rPr lang="de-DE" dirty="0"/>
-              <a:t> a </a:t>
-            </a:r>
-            <a:r>
-              <a:rPr lang="de-DE" dirty="0" err="1"/>
-              <a:t>small</a:t>
-            </a:r>
-            <a:r>
-              <a:rPr lang="de-DE" dirty="0"/>
-              <a:t> </a:t>
-            </a:r>
-            <a:r>
-              <a:rPr lang="de-DE" dirty="0" err="1"/>
-              <a:t>bit</a:t>
-            </a:r>
-            <a:r>
-              <a:rPr lang="de-DE" dirty="0"/>
-              <a:t> </a:t>
-            </a:r>
-            <a:r>
-              <a:rPr lang="de-DE" dirty="0" err="1"/>
-              <a:t>of</a:t>
-            </a:r>
-            <a:r>
-              <a:rPr lang="de-DE" dirty="0"/>
-              <a:t> “out‐</a:t>
-            </a:r>
-            <a:r>
-              <a:rPr lang="de-DE" dirty="0" err="1"/>
-              <a:t>of</a:t>
-            </a:r>
-            <a:r>
-              <a:rPr lang="de-DE" dirty="0"/>
-              <a:t>‐</a:t>
-            </a:r>
-            <a:r>
-              <a:rPr lang="de-DE" dirty="0" err="1"/>
-              <a:t>domain</a:t>
-            </a:r>
-            <a:r>
-              <a:rPr lang="de-DE" dirty="0"/>
-              <a:t>” </a:t>
-            </a:r>
-            <a:r>
-              <a:rPr lang="de-DE" dirty="0" err="1"/>
-              <a:t>data</a:t>
-            </a:r>
-            <a:r>
-              <a:rPr lang="de-DE" dirty="0"/>
-              <a:t> </a:t>
-            </a:r>
-            <a:r>
-              <a:rPr lang="de-DE" dirty="0" err="1"/>
-              <a:t>to</a:t>
-            </a:r>
-            <a:r>
-              <a:rPr lang="de-DE" dirty="0"/>
-              <a:t> </a:t>
-            </a:r>
-            <a:r>
-              <a:rPr lang="de-DE" dirty="0" err="1"/>
-              <a:t>train</a:t>
-            </a:r>
-            <a:r>
-              <a:rPr lang="de-DE" dirty="0"/>
-              <a:t> </a:t>
-            </a:r>
-            <a:r>
-              <a:rPr lang="de-DE" dirty="0" err="1"/>
-              <a:t>the</a:t>
-            </a:r>
-            <a:r>
-              <a:rPr lang="de-DE" dirty="0"/>
-              <a:t> </a:t>
-            </a:r>
-            <a:r>
-              <a:rPr lang="de-DE" dirty="0" err="1"/>
-              <a:t>calibrator</a:t>
-            </a:r>
-            <a:r>
-              <a:rPr lang="de-DE" dirty="0"/>
-              <a:t> </a:t>
-            </a:r>
-            <a:r>
-              <a:rPr lang="de-DE" dirty="0" err="1"/>
-              <a:t>helps</a:t>
-            </a:r>
-            <a:r>
-              <a:rPr lang="de-DE" dirty="0"/>
-              <a:t>—</a:t>
-            </a:r>
-            <a:r>
-              <a:rPr lang="de-DE" dirty="0" err="1"/>
-              <a:t>even</a:t>
-            </a:r>
-            <a:r>
-              <a:rPr lang="de-DE" dirty="0"/>
-              <a:t> </a:t>
-            </a:r>
-            <a:r>
-              <a:rPr lang="de-DE" dirty="0" err="1"/>
-              <a:t>if</a:t>
-            </a:r>
-            <a:r>
-              <a:rPr lang="de-DE" dirty="0"/>
-              <a:t> </a:t>
-            </a:r>
-            <a:r>
-              <a:rPr lang="de-DE" dirty="0" err="1"/>
-              <a:t>we</a:t>
-            </a:r>
-            <a:r>
-              <a:rPr lang="de-DE" dirty="0"/>
-              <a:t> </a:t>
-            </a:r>
-            <a:r>
-              <a:rPr lang="de-DE" dirty="0" err="1"/>
-              <a:t>don’t</a:t>
-            </a:r>
-            <a:r>
-              <a:rPr lang="de-DE" dirty="0"/>
-              <a:t> </a:t>
-            </a:r>
-            <a:r>
-              <a:rPr lang="de-DE" dirty="0" err="1"/>
-              <a:t>know</a:t>
-            </a:r>
-            <a:r>
-              <a:rPr lang="de-DE" dirty="0"/>
-              <a:t> </a:t>
-            </a:r>
-            <a:r>
-              <a:rPr lang="de-DE" dirty="0" err="1"/>
-              <a:t>the</a:t>
-            </a:r>
-            <a:r>
-              <a:rPr lang="de-DE" dirty="0"/>
-              <a:t> </a:t>
-            </a:r>
-            <a:r>
-              <a:rPr lang="de-DE" dirty="0" err="1"/>
-              <a:t>exact</a:t>
-            </a:r>
-            <a:r>
-              <a:rPr lang="de-DE" dirty="0"/>
-              <a:t> </a:t>
-            </a:r>
-            <a:r>
-              <a:rPr lang="de-DE" dirty="0" err="1"/>
-              <a:t>future</a:t>
-            </a:r>
-            <a:r>
-              <a:rPr lang="de-DE" dirty="0"/>
-              <a:t> </a:t>
-            </a:r>
-            <a:r>
-              <a:rPr lang="de-DE" dirty="0" err="1"/>
-              <a:t>domain</a:t>
-            </a:r>
-            <a:r>
-              <a:rPr lang="de-DE" dirty="0"/>
-              <a:t>.</a:t>
-            </a:r>
-          </a:p>
-          <a:p>
-            <a:pPr fontAlgn="ctr"/>
-            <a:r>
-              <a:rPr lang="de-DE" dirty="0"/>
-              <a:t>Takeaway: </a:t>
-            </a:r>
-            <a:br>
-              <a:rPr lang="de-DE" dirty="0"/>
-            </a:br>
-            <a:r>
-              <a:rPr lang="de-DE" dirty="0" err="1"/>
-              <a:t>It’s</a:t>
-            </a:r>
-            <a:r>
-              <a:rPr lang="de-DE" dirty="0"/>
-              <a:t> </a:t>
-            </a:r>
-            <a:r>
-              <a:rPr lang="de-DE" dirty="0" err="1"/>
-              <a:t>better</a:t>
-            </a:r>
-            <a:r>
-              <a:rPr lang="de-DE" dirty="0"/>
-              <a:t> </a:t>
-            </a:r>
-            <a:r>
-              <a:rPr lang="de-DE" dirty="0" err="1"/>
-              <a:t>to</a:t>
-            </a:r>
-            <a:r>
-              <a:rPr lang="de-DE" dirty="0"/>
-              <a:t> </a:t>
-            </a:r>
-            <a:r>
-              <a:rPr lang="de-DE" dirty="0" err="1"/>
-              <a:t>say</a:t>
-            </a:r>
-            <a:r>
-              <a:rPr lang="de-DE" dirty="0"/>
-              <a:t> “I </a:t>
-            </a:r>
-            <a:r>
-              <a:rPr lang="de-DE" dirty="0" err="1"/>
-              <a:t>don’t</a:t>
-            </a:r>
-            <a:r>
-              <a:rPr lang="de-DE" dirty="0"/>
-              <a:t> </a:t>
-            </a:r>
-            <a:r>
-              <a:rPr lang="de-DE" dirty="0" err="1"/>
-              <a:t>know</a:t>
-            </a:r>
-            <a:r>
-              <a:rPr lang="de-DE" dirty="0"/>
-              <a:t> / </a:t>
-            </a:r>
-            <a:r>
-              <a:rPr lang="de-DE" dirty="0" err="1"/>
-              <a:t>abstain</a:t>
-            </a:r>
-            <a:r>
-              <a:rPr lang="de-DE" dirty="0"/>
-              <a:t>” </a:t>
-            </a:r>
-            <a:r>
-              <a:rPr lang="de-DE" dirty="0" err="1"/>
-              <a:t>than</a:t>
-            </a:r>
-            <a:r>
-              <a:rPr lang="de-DE" dirty="0"/>
-              <a:t> </a:t>
-            </a:r>
-            <a:r>
-              <a:rPr lang="de-DE" dirty="0" err="1"/>
-              <a:t>to</a:t>
-            </a:r>
-            <a:r>
-              <a:rPr lang="de-DE" dirty="0"/>
-              <a:t> </a:t>
-            </a:r>
-            <a:r>
-              <a:rPr lang="de-DE" dirty="0" err="1"/>
-              <a:t>confidently</a:t>
-            </a:r>
-            <a:r>
-              <a:rPr lang="de-DE" dirty="0"/>
-              <a:t> </a:t>
-            </a:r>
-            <a:r>
-              <a:rPr lang="de-DE" dirty="0" err="1"/>
-              <a:t>output</a:t>
-            </a:r>
-            <a:r>
-              <a:rPr lang="de-DE" dirty="0"/>
-              <a:t> a </a:t>
-            </a:r>
-            <a:r>
-              <a:rPr lang="de-DE" dirty="0" err="1"/>
-              <a:t>wrong</a:t>
-            </a:r>
-            <a:r>
-              <a:rPr lang="de-DE" dirty="0"/>
-              <a:t> </a:t>
-            </a:r>
-            <a:r>
-              <a:rPr lang="de-DE" dirty="0" err="1"/>
-              <a:t>classification</a:t>
-            </a:r>
-            <a:r>
-              <a:rPr lang="de-DE" dirty="0"/>
-              <a:t>.</a:t>
-            </a:r>
-          </a:p>
+            <a:endParaRPr lang="de-DE" sz="1000" dirty="0"/>
+          </a:p>
+        </p:txBody>
+      </p:sp>
+      <p:sp>
+        <p:nvSpPr>
+          <p:cNvPr id="6" name="Textfeld 5">
+            <a:extLst>
+              <a:ext uri="{FF2B5EF4-FFF2-40B4-BE49-F238E27FC236}">
+                <a16:creationId xmlns:a16="http://schemas.microsoft.com/office/drawing/2014/main" id="{E2DB1D52-6E0D-EBF3-F4E7-1B00A3C0BC05}"/>
+              </a:ext>
+            </a:extLst>
+          </p:cNvPr>
+          <p:cNvSpPr txBox="1"/>
+          <p:nvPr/>
+        </p:nvSpPr>
+        <p:spPr>
+          <a:xfrm>
+            <a:off x="2206752" y="6486144"/>
+            <a:ext cx="184731" cy="369332"/>
+          </a:xfrm>
+          <a:prstGeom prst="rect">
+            <a:avLst/>
+          </a:prstGeom>
+          <a:noFill/>
+        </p:spPr>
+        <p:txBody>
+          <a:bodyPr wrap="none" rtlCol="0">
+            <a:spAutoFit/>
+          </a:bodyPr>
+          <a:lstStyle/>
           <a:p>
             <a:endParaRPr lang="de-DE" dirty="0"/>
           </a:p>
@@ -10295,7 +11153,7 @@
     </p:spTree>
     <p:extLst>
       <p:ext uri="{BB962C8B-B14F-4D97-AF65-F5344CB8AC3E}">
-        <p14:creationId xmlns:p14="http://schemas.microsoft.com/office/powerpoint/2010/main" val="1757445478"/>
+        <p14:creationId xmlns:p14="http://schemas.microsoft.com/office/powerpoint/2010/main" val="51039766"/>
       </p:ext>
     </p:extLst>
   </p:cSld>
@@ -10310,7 +11168,13 @@
   <p:cSld>
     <p:spTree>
       <p:nvGrpSpPr>
-        <p:cNvPr id="1" name=""/>
+        <p:cNvPr id="1" name="">
+          <a:extLst>
+            <a:ext uri="{FF2B5EF4-FFF2-40B4-BE49-F238E27FC236}">
+              <a16:creationId xmlns:a16="http://schemas.microsoft.com/office/drawing/2014/main" id="{F74BA22E-9FD2-276A-A6DB-9A4EFD9AC65A}"/>
+            </a:ext>
+          </a:extLst>
+        </p:cNvPr>
         <p:cNvGrpSpPr/>
         <p:nvPr/>
       </p:nvGrpSpPr>
@@ -10322,12 +11186,261 @@
           <a:chExt cx="0" cy="0"/>
         </a:xfrm>
       </p:grpSpPr>
+      <p:sp useBgFill="1">
+        <p:nvSpPr>
+          <p:cNvPr id="4103" name="Rectangle 4102">
+            <a:extLst>
+              <a:ext uri="{FF2B5EF4-FFF2-40B4-BE49-F238E27FC236}">
+                <a16:creationId xmlns:a16="http://schemas.microsoft.com/office/drawing/2014/main" id="{10AF005C-C630-3EAB-3F2D-EA311839A298}"/>
+              </a:ext>
+              <a:ext uri="{C183D7F6-B498-43B3-948B-1728B52AA6E4}">
+                <adec:decorative xmlns:adec="http://schemas.microsoft.com/office/drawing/2017/decorative" val="1"/>
+              </a:ext>
+            </a:extLst>
+          </p:cNvPr>
+          <p:cNvSpPr>
+            <a:spLocks noGrp="1" noRot="1" noChangeAspect="1" noMove="1" noResize="1" noEditPoints="1" noAdjustHandles="1" noChangeArrowheads="1" noChangeShapeType="1" noTextEdit="1"/>
+          </p:cNvSpPr>
+          <p:nvPr>
+            <p:extLst>
+              <p:ext uri="{386F3935-93C4-4BCD-93E2-E3B085C9AB24}">
+                <p16:designElem xmlns:p16="http://schemas.microsoft.com/office/powerpoint/2015/main" val="1"/>
+              </p:ext>
+            </p:extLst>
+          </p:nvPr>
+        </p:nvSpPr>
+        <p:spPr>
+          <a:xfrm>
+            <a:off x="0" y="0"/>
+            <a:ext cx="12192000" cy="6858000"/>
+          </a:xfrm>
+          <a:prstGeom prst="rect">
+            <a:avLst/>
+          </a:prstGeom>
+          <a:ln>
+            <a:noFill/>
+          </a:ln>
+        </p:spPr>
+        <p:style>
+          <a:lnRef idx="2">
+            <a:schemeClr val="accent1">
+              <a:shade val="50000"/>
+            </a:schemeClr>
+          </a:lnRef>
+          <a:fillRef idx="1">
+            <a:schemeClr val="accent1"/>
+          </a:fillRef>
+          <a:effectRef idx="0">
+            <a:schemeClr val="accent1"/>
+          </a:effectRef>
+          <a:fontRef idx="minor">
+            <a:schemeClr val="lt1"/>
+          </a:fontRef>
+        </p:style>
+        <p:txBody>
+          <a:bodyPr rtlCol="0" anchor="ctr"/>
+          <a:lstStyle/>
+          <a:p>
+            <a:pPr algn="ctr"/>
+            <a:endParaRPr lang="en-US"/>
+          </a:p>
+        </p:txBody>
+      </p:sp>
+      <p:sp useBgFill="1">
+        <p:nvSpPr>
+          <p:cNvPr id="4105" name="Rectangle 4104">
+            <a:extLst>
+              <a:ext uri="{FF2B5EF4-FFF2-40B4-BE49-F238E27FC236}">
+                <a16:creationId xmlns:a16="http://schemas.microsoft.com/office/drawing/2014/main" id="{61D00038-06D9-427F-6333-9E9016CB8896}"/>
+              </a:ext>
+              <a:ext uri="{C183D7F6-B498-43B3-948B-1728B52AA6E4}">
+                <adec:decorative xmlns:adec="http://schemas.microsoft.com/office/drawing/2017/decorative" val="1"/>
+              </a:ext>
+            </a:extLst>
+          </p:cNvPr>
+          <p:cNvSpPr>
+            <a:spLocks noGrp="1" noRot="1" noChangeAspect="1" noMove="1" noResize="1" noEditPoints="1" noAdjustHandles="1" noChangeArrowheads="1" noChangeShapeType="1" noTextEdit="1"/>
+          </p:cNvSpPr>
+          <p:nvPr>
+            <p:extLst>
+              <p:ext uri="{386F3935-93C4-4BCD-93E2-E3B085C9AB24}">
+                <p16:designElem xmlns:p16="http://schemas.microsoft.com/office/powerpoint/2015/main" val="1"/>
+              </p:ext>
+            </p:extLst>
+          </p:nvPr>
+        </p:nvSpPr>
+        <p:spPr>
+          <a:xfrm>
+            <a:off x="558209" y="0"/>
+            <a:ext cx="11167447" cy="2018806"/>
+          </a:xfrm>
+          <a:prstGeom prst="rect">
+            <a:avLst/>
+          </a:prstGeom>
+          <a:ln w="12700">
+            <a:solidFill>
+              <a:srgbClr val="E1E1E1"/>
+            </a:solidFill>
+          </a:ln>
+          <a:effectLst>
+            <a:outerShdw blurRad="50800" dist="38100" dir="2700000" algn="tl" rotWithShape="0">
+              <a:schemeClr val="bg1">
+                <a:lumMod val="85000"/>
+                <a:alpha val="50000"/>
+              </a:schemeClr>
+            </a:outerShdw>
+          </a:effectLst>
+        </p:spPr>
+        <p:style>
+          <a:lnRef idx="2">
+            <a:schemeClr val="accent1">
+              <a:shade val="50000"/>
+            </a:schemeClr>
+          </a:lnRef>
+          <a:fillRef idx="1">
+            <a:schemeClr val="accent1"/>
+          </a:fillRef>
+          <a:effectRef idx="0">
+            <a:schemeClr val="accent1"/>
+          </a:effectRef>
+          <a:fontRef idx="minor">
+            <a:schemeClr val="lt1"/>
+          </a:fontRef>
+        </p:style>
+        <p:txBody>
+          <a:bodyPr rtlCol="0" anchor="ctr"/>
+          <a:lstStyle/>
+          <a:p>
+            <a:pPr marL="0" marR="0" lvl="0" indent="0" algn="ctr" defTabSz="914400" rtl="0" eaLnBrk="1" fontAlgn="auto" latinLnBrk="0" hangingPunct="1">
+              <a:lnSpc>
+                <a:spcPct val="100000"/>
+              </a:lnSpc>
+              <a:spcBef>
+                <a:spcPts val="0"/>
+              </a:spcBef>
+              <a:spcAft>
+                <a:spcPts val="0"/>
+              </a:spcAft>
+              <a:buClrTx/>
+              <a:buSzTx/>
+              <a:buFontTx/>
+              <a:buNone/>
+              <a:tabLst/>
+              <a:defRPr/>
+            </a:pPr>
+            <a:endParaRPr kumimoji="0" lang="en-US" sz="1800" b="0" i="0" u="none" strike="noStrike" kern="1200" cap="none" spc="0" normalizeH="0" baseline="0" noProof="0">
+              <a:ln>
+                <a:noFill/>
+              </a:ln>
+              <a:solidFill>
+                <a:prstClr val="white"/>
+              </a:solidFill>
+              <a:effectLst/>
+              <a:uLnTx/>
+              <a:uFillTx/>
+              <a:latin typeface="Calibri" panose="020F0502020204030204"/>
+              <a:ea typeface="+mn-ea"/>
+              <a:cs typeface="+mn-cs"/>
+            </a:endParaRPr>
+          </a:p>
+        </p:txBody>
+      </p:sp>
+      <p:sp useBgFill="1">
+        <p:nvSpPr>
+          <p:cNvPr id="4107" name="Rectangle 4106">
+            <a:extLst>
+              <a:ext uri="{FF2B5EF4-FFF2-40B4-BE49-F238E27FC236}">
+                <a16:creationId xmlns:a16="http://schemas.microsoft.com/office/drawing/2014/main" id="{C9881D1E-AB02-A98A-550D-89CC7ECB758A}"/>
+              </a:ext>
+              <a:ext uri="{C183D7F6-B498-43B3-948B-1728B52AA6E4}">
+                <adec:decorative xmlns:adec="http://schemas.microsoft.com/office/drawing/2017/decorative" val="1"/>
+              </a:ext>
+            </a:extLst>
+          </p:cNvPr>
+          <p:cNvSpPr>
+            <a:spLocks noGrp="1" noRot="1" noChangeAspect="1" noMove="1" noResize="1" noEditPoints="1" noAdjustHandles="1" noChangeArrowheads="1" noChangeShapeType="1" noTextEdit="1"/>
+          </p:cNvSpPr>
+          <p:nvPr>
+            <p:extLst>
+              <p:ext uri="{386F3935-93C4-4BCD-93E2-E3B085C9AB24}">
+                <p16:designElem xmlns:p16="http://schemas.microsoft.com/office/powerpoint/2015/main" val="1"/>
+              </p:ext>
+            </p:extLst>
+          </p:nvPr>
+        </p:nvSpPr>
+        <p:spPr>
+          <a:xfrm>
+            <a:off x="566928" y="0"/>
+            <a:ext cx="11155680" cy="2011680"/>
+          </a:xfrm>
+          <a:prstGeom prst="rect">
+            <a:avLst/>
+          </a:prstGeom>
+          <a:ln w="12700">
+            <a:noFill/>
+          </a:ln>
+          <a:effectLst/>
+        </p:spPr>
+        <p:style>
+          <a:lnRef idx="2">
+            <a:schemeClr val="accent1">
+              <a:shade val="50000"/>
+            </a:schemeClr>
+          </a:lnRef>
+          <a:fillRef idx="1">
+            <a:schemeClr val="accent1"/>
+          </a:fillRef>
+          <a:effectRef idx="0">
+            <a:schemeClr val="accent1"/>
+          </a:effectRef>
+          <a:fontRef idx="minor">
+            <a:schemeClr val="lt1"/>
+          </a:fontRef>
+        </p:style>
+        <p:txBody>
+          <a:bodyPr rtlCol="0" anchor="ctr"/>
+          <a:lstStyle/>
+          <a:p>
+            <a:pPr marL="0" marR="0" lvl="0" indent="0" algn="ctr" defTabSz="914400" rtl="0" eaLnBrk="1" fontAlgn="auto" latinLnBrk="0" hangingPunct="1">
+              <a:lnSpc>
+                <a:spcPct val="100000"/>
+              </a:lnSpc>
+              <a:spcBef>
+                <a:spcPts val="0"/>
+              </a:spcBef>
+              <a:spcAft>
+                <a:spcPts val="0"/>
+              </a:spcAft>
+              <a:buClrTx/>
+              <a:buSzTx/>
+              <a:buFontTx/>
+              <a:buNone/>
+              <a:tabLst/>
+              <a:defRPr/>
+            </a:pPr>
+            <a:endParaRPr kumimoji="0" lang="en-US" sz="1800" b="0" i="0" u="none" strike="noStrike" kern="1200" cap="none" spc="0" normalizeH="0" baseline="0" noProof="0">
+              <a:ln>
+                <a:noFill/>
+              </a:ln>
+              <a:solidFill>
+                <a:prstClr val="white"/>
+              </a:solidFill>
+              <a:effectLst/>
+              <a:uLnTx/>
+              <a:uFillTx/>
+              <a:latin typeface="Calibri" panose="020F0502020204030204"/>
+              <a:ea typeface="+mn-ea"/>
+              <a:cs typeface="+mn-cs"/>
+            </a:endParaRPr>
+          </a:p>
+        </p:txBody>
+      </p:sp>
       <p:sp>
         <p:nvSpPr>
           <p:cNvPr id="2" name="Titel 1">
             <a:extLst>
               <a:ext uri="{FF2B5EF4-FFF2-40B4-BE49-F238E27FC236}">
-                <a16:creationId xmlns:a16="http://schemas.microsoft.com/office/drawing/2014/main" id="{7AD8126D-D344-4A5E-FC7C-786C9B7C1441}"/>
+                <a16:creationId xmlns:a16="http://schemas.microsoft.com/office/drawing/2014/main" id="{B1128B80-55D6-F89D-A441-64725CED56A7}"/>
               </a:ext>
             </a:extLst>
           </p:cNvPr>
@@ -10338,28 +11451,126 @@
             <p:ph type="title"/>
           </p:nvPr>
         </p:nvSpPr>
-        <p:spPr/>
+        <p:spPr>
+          <a:xfrm>
+            <a:off x="1115568" y="548640"/>
+            <a:ext cx="10168128" cy="1179576"/>
+          </a:xfrm>
+        </p:spPr>
         <p:txBody>
-          <a:bodyPr/>
+          <a:bodyPr>
+            <a:normAutofit fontScale="90000"/>
+          </a:bodyPr>
           <a:lstStyle/>
           <a:p>
             <a:r>
-              <a:rPr lang="de-DE" b="1" dirty="0" err="1"/>
+              <a:rPr lang="de-DE" sz="4000" dirty="0" err="1"/>
               <a:t>Deceiving</a:t>
             </a:r>
             <a:r>
-              <a:rPr lang="de-DE" b="1" dirty="0"/>
+              <a:rPr lang="de-DE" sz="4000" dirty="0"/>
               <a:t> QA Models: Hybrid Word-Level </a:t>
             </a:r>
             <a:r>
-              <a:rPr lang="de-DE" b="1" dirty="0" err="1"/>
+              <a:rPr lang="de-DE" sz="4000" dirty="0" err="1"/>
               <a:t>Attacks</a:t>
             </a:r>
             <a:r>
-              <a:rPr lang="de-DE" b="1" dirty="0"/>
+              <a:rPr lang="de-DE" sz="4000" dirty="0"/>
               <a:t> (Li et al., 2024)</a:t>
             </a:r>
-            <a:endParaRPr lang="de-DE" dirty="0"/>
+          </a:p>
+        </p:txBody>
+      </p:sp>
+      <p:sp>
+        <p:nvSpPr>
+          <p:cNvPr id="4100" name="Rectangle 4108">
+            <a:extLst>
+              <a:ext uri="{FF2B5EF4-FFF2-40B4-BE49-F238E27FC236}">
+                <a16:creationId xmlns:a16="http://schemas.microsoft.com/office/drawing/2014/main" id="{3625FD79-1F4E-B19D-C6C4-B4A6D93191FE}"/>
+              </a:ext>
+              <a:ext uri="{C183D7F6-B498-43B3-948B-1728B52AA6E4}">
+                <adec:decorative xmlns:adec="http://schemas.microsoft.com/office/drawing/2017/decorative" val="1"/>
+              </a:ext>
+            </a:extLst>
+          </p:cNvPr>
+          <p:cNvSpPr>
+            <a:spLocks noGrp="1" noRot="1" noChangeAspect="1" noMove="1" noResize="1" noEditPoints="1" noAdjustHandles="1" noChangeArrowheads="1" noChangeShapeType="1" noTextEdit="1"/>
+          </p:cNvSpPr>
+          <p:nvPr>
+            <p:extLst>
+              <p:ext uri="{386F3935-93C4-4BCD-93E2-E3B085C9AB24}">
+                <p16:designElem xmlns:p16="http://schemas.microsoft.com/office/powerpoint/2015/main" val="1"/>
+              </p:ext>
+            </p:extLst>
+          </p:nvPr>
+        </p:nvSpPr>
+        <p:spPr>
+          <a:xfrm>
+            <a:off x="498834" y="770799"/>
+            <a:ext cx="128016" cy="704088"/>
+          </a:xfrm>
+          <a:prstGeom prst="rect">
+            <a:avLst/>
+          </a:prstGeom>
+          <a:solidFill>
+            <a:schemeClr val="accent2"/>
+          </a:solidFill>
+          <a:ln>
+            <a:noFill/>
+          </a:ln>
+        </p:spPr>
+        <p:style>
+          <a:lnRef idx="2">
+            <a:schemeClr val="accent1">
+              <a:shade val="50000"/>
+            </a:schemeClr>
+          </a:lnRef>
+          <a:fillRef idx="1">
+            <a:schemeClr val="accent1"/>
+          </a:fillRef>
+          <a:effectRef idx="0">
+            <a:schemeClr val="accent1"/>
+          </a:effectRef>
+          <a:fontRef idx="minor">
+            <a:schemeClr val="lt1"/>
+          </a:fontRef>
+        </p:style>
+        <p:txBody>
+          <a:bodyPr rtlCol="0" anchor="ctr"/>
+          <a:lstStyle/>
+          <a:p>
+            <a:pPr marL="0" marR="0" lvl="0" indent="0" algn="ctr" defTabSz="914400" rtl="0" eaLnBrk="1" fontAlgn="auto" latinLnBrk="0" hangingPunct="1">
+              <a:lnSpc>
+                <a:spcPct val="100000"/>
+              </a:lnSpc>
+              <a:spcBef>
+                <a:spcPts val="0"/>
+              </a:spcBef>
+              <a:spcAft>
+                <a:spcPts val="0"/>
+              </a:spcAft>
+              <a:buClrTx/>
+              <a:buSzTx/>
+              <a:buFontTx/>
+              <a:buNone/>
+              <a:tabLst/>
+              <a:defRPr/>
+            </a:pPr>
+            <a:endParaRPr kumimoji="0" lang="en-US" sz="1800" b="0" i="0" u="none" strike="noStrike" kern="1200" cap="none" spc="0" normalizeH="0" baseline="0" noProof="0">
+              <a:ln>
+                <a:noFill/>
+              </a:ln>
+              <a:solidFill>
+                <a:prstClr val="white"/>
+              </a:solidFill>
+              <a:effectLst/>
+              <a:uLnTx/>
+              <a:uFillTx/>
+              <a:latin typeface="Calibri" panose="020F0502020204030204"/>
+              <a:ea typeface="+mn-ea"/>
+              <a:cs typeface="+mn-cs"/>
+            </a:endParaRPr>
           </a:p>
         </p:txBody>
       </p:sp>
@@ -10368,7 +11579,7 @@
           <p:cNvPr id="3" name="Inhaltsplatzhalter 2">
             <a:extLst>
               <a:ext uri="{FF2B5EF4-FFF2-40B4-BE49-F238E27FC236}">
-                <a16:creationId xmlns:a16="http://schemas.microsoft.com/office/drawing/2014/main" id="{54A064DA-844A-6857-90B4-BDC0D0C86FE7}"/>
+                <a16:creationId xmlns:a16="http://schemas.microsoft.com/office/drawing/2014/main" id="{8AB867DA-3708-E5C9-1B6E-754673F34539}"/>
               </a:ext>
             </a:extLst>
           </p:cNvPr>
@@ -10379,483 +11590,552 @@
             <p:ph idx="1"/>
           </p:nvPr>
         </p:nvSpPr>
-        <p:spPr/>
+        <p:spPr>
+          <a:xfrm>
+            <a:off x="626851" y="2478024"/>
+            <a:ext cx="10656846" cy="3557651"/>
+          </a:xfrm>
+        </p:spPr>
         <p:txBody>
-          <a:bodyPr>
+          <a:bodyPr anchor="ctr">
             <a:normAutofit/>
           </a:bodyPr>
           <a:lstStyle/>
           <a:p>
             <a:pPr fontAlgn="ctr"/>
             <a:r>
-              <a:rPr lang="de-DE" dirty="0"/>
+              <a:rPr lang="de-DE" sz="2000" dirty="0"/>
               <a:t>Modern QA </a:t>
             </a:r>
             <a:r>
-              <a:rPr lang="de-DE" dirty="0" err="1"/>
+              <a:rPr lang="de-DE" sz="2000" dirty="0" err="1"/>
               <a:t>systems</a:t>
             </a:r>
             <a:r>
-              <a:rPr lang="de-DE" dirty="0"/>
-              <a:t> </a:t>
-            </a:r>
-            <a:r>
-              <a:rPr lang="de-DE" dirty="0" err="1"/>
+              <a:rPr lang="de-DE" sz="2000" dirty="0"/>
+              <a:t> </a:t>
+            </a:r>
+            <a:r>
+              <a:rPr lang="de-DE" sz="2000" dirty="0" err="1"/>
               <a:t>are</a:t>
             </a:r>
             <a:r>
-              <a:rPr lang="de-DE" dirty="0"/>
-              <a:t> </a:t>
-            </a:r>
-            <a:r>
-              <a:rPr lang="de-DE" dirty="0" err="1"/>
+              <a:rPr lang="de-DE" sz="2000" dirty="0"/>
+              <a:t> </a:t>
+            </a:r>
+            <a:r>
+              <a:rPr lang="de-DE" sz="2000" dirty="0" err="1"/>
               <a:t>good</a:t>
             </a:r>
             <a:r>
-              <a:rPr lang="de-DE" dirty="0"/>
+              <a:rPr lang="de-DE" sz="2000" dirty="0"/>
               <a:t> but fragile: </a:t>
             </a:r>
             <a:r>
-              <a:rPr lang="de-DE" dirty="0" err="1"/>
+              <a:rPr lang="de-DE" sz="2000" dirty="0" err="1"/>
               <a:t>small</a:t>
             </a:r>
             <a:r>
-              <a:rPr lang="de-DE" dirty="0"/>
-              <a:t> </a:t>
-            </a:r>
-            <a:r>
-              <a:rPr lang="de-DE" dirty="0" err="1"/>
+              <a:rPr lang="de-DE" sz="2000" dirty="0"/>
+              <a:t> </a:t>
+            </a:r>
+            <a:r>
+              <a:rPr lang="de-DE" sz="2000" dirty="0" err="1"/>
               <a:t>word</a:t>
             </a:r>
             <a:r>
-              <a:rPr lang="de-DE" dirty="0"/>
+              <a:rPr lang="de-DE" sz="2000" dirty="0"/>
               <a:t>-level </a:t>
             </a:r>
             <a:r>
-              <a:rPr lang="de-DE" dirty="0" err="1"/>
+              <a:rPr lang="de-DE" sz="2000" dirty="0" err="1"/>
               <a:t>changes</a:t>
             </a:r>
             <a:r>
-              <a:rPr lang="de-DE" dirty="0"/>
-              <a:t> </a:t>
-            </a:r>
-            <a:r>
-              <a:rPr lang="de-DE" dirty="0" err="1"/>
+              <a:rPr lang="de-DE" sz="2000" dirty="0"/>
+              <a:t> </a:t>
+            </a:r>
+            <a:r>
+              <a:rPr lang="de-DE" sz="2000" dirty="0" err="1"/>
               <a:t>can</a:t>
             </a:r>
             <a:r>
-              <a:rPr lang="de-DE" dirty="0"/>
-              <a:t> </a:t>
-            </a:r>
-            <a:r>
-              <a:rPr lang="de-DE" dirty="0" err="1"/>
+              <a:rPr lang="de-DE" sz="2000" dirty="0"/>
+              <a:t> </a:t>
+            </a:r>
+            <a:r>
+              <a:rPr lang="de-DE" sz="2000" dirty="0" err="1"/>
               <a:t>derail</a:t>
             </a:r>
             <a:r>
-              <a:rPr lang="de-DE" dirty="0"/>
-              <a:t> </a:t>
-            </a:r>
-            <a:r>
-              <a:rPr lang="de-DE" dirty="0" err="1"/>
+              <a:rPr lang="de-DE" sz="2000" dirty="0"/>
+              <a:t> </a:t>
+            </a:r>
+            <a:r>
+              <a:rPr lang="de-DE" sz="2000" dirty="0" err="1"/>
               <a:t>them</a:t>
             </a:r>
             <a:r>
-              <a:rPr lang="de-DE" dirty="0"/>
+              <a:rPr lang="de-DE" sz="2000" dirty="0"/>
               <a:t>.</a:t>
             </a:r>
           </a:p>
           <a:p>
             <a:pPr fontAlgn="ctr"/>
             <a:r>
-              <a:rPr lang="de-DE" dirty="0" err="1"/>
+              <a:rPr lang="de-DE" sz="2000" dirty="0" err="1"/>
               <a:t>Focuses</a:t>
             </a:r>
             <a:r>
-              <a:rPr lang="de-DE" dirty="0"/>
+              <a:rPr lang="de-DE" sz="2000" dirty="0"/>
               <a:t> on </a:t>
             </a:r>
             <a:r>
-              <a:rPr lang="de-DE" dirty="0" err="1"/>
+              <a:rPr lang="de-DE" sz="2000" dirty="0" err="1"/>
               <a:t>adversarial</a:t>
             </a:r>
             <a:r>
-              <a:rPr lang="de-DE" dirty="0"/>
-              <a:t> </a:t>
-            </a:r>
-            <a:r>
-              <a:rPr lang="de-DE" dirty="0" err="1"/>
+              <a:rPr lang="de-DE" sz="2000" dirty="0"/>
+              <a:t> </a:t>
+            </a:r>
+            <a:r>
+              <a:rPr lang="de-DE" sz="2000" dirty="0" err="1"/>
               <a:t>attacks</a:t>
             </a:r>
             <a:r>
-              <a:rPr lang="de-DE" dirty="0"/>
+              <a:rPr lang="de-DE" sz="2000" dirty="0"/>
               <a:t> (= </a:t>
             </a:r>
             <a:r>
-              <a:rPr lang="de-DE" dirty="0" err="1"/>
+              <a:rPr lang="de-DE" sz="2000" dirty="0" err="1"/>
               <a:t>how</a:t>
             </a:r>
             <a:r>
-              <a:rPr lang="de-DE" dirty="0"/>
-              <a:t> </a:t>
-            </a:r>
-            <a:r>
-              <a:rPr lang="de-DE" dirty="0" err="1"/>
+              <a:rPr lang="de-DE" sz="2000" dirty="0"/>
+              <a:t> </a:t>
+            </a:r>
+            <a:r>
+              <a:rPr lang="de-DE" sz="2000" dirty="0" err="1"/>
               <a:t>can</a:t>
             </a:r>
             <a:r>
-              <a:rPr lang="de-DE" dirty="0"/>
-              <a:t> </a:t>
-            </a:r>
-            <a:r>
-              <a:rPr lang="de-DE" dirty="0" err="1"/>
+              <a:rPr lang="de-DE" sz="2000" dirty="0"/>
+              <a:t> </a:t>
+            </a:r>
+            <a:r>
+              <a:rPr lang="de-DE" sz="2000" dirty="0" err="1"/>
               <a:t>one</a:t>
             </a:r>
             <a:r>
-              <a:rPr lang="de-DE" dirty="0"/>
-              <a:t> </a:t>
-            </a:r>
-            <a:r>
-              <a:rPr lang="de-DE" dirty="0" err="1"/>
+              <a:rPr lang="de-DE" sz="2000" dirty="0"/>
+              <a:t> </a:t>
+            </a:r>
+            <a:r>
+              <a:rPr lang="de-DE" sz="2000" dirty="0" err="1"/>
               <a:t>trick</a:t>
             </a:r>
             <a:r>
-              <a:rPr lang="de-DE" dirty="0"/>
+              <a:rPr lang="de-DE" sz="2000" dirty="0"/>
               <a:t> QA Models at </a:t>
             </a:r>
             <a:r>
-              <a:rPr lang="de-DE" dirty="0" err="1"/>
+              <a:rPr lang="de-DE" sz="2000" dirty="0" err="1"/>
               <a:t>the</a:t>
             </a:r>
             <a:r>
-              <a:rPr lang="de-DE" dirty="0"/>
-              <a:t> </a:t>
-            </a:r>
-            <a:r>
-              <a:rPr lang="de-DE" dirty="0" err="1"/>
+              <a:rPr lang="de-DE" sz="2000" dirty="0"/>
+              <a:t> </a:t>
+            </a:r>
+            <a:r>
+              <a:rPr lang="de-DE" sz="2000" dirty="0" err="1"/>
               <a:t>world</a:t>
             </a:r>
             <a:r>
-              <a:rPr lang="de-DE" dirty="0"/>
+              <a:rPr lang="de-DE" sz="2000" dirty="0"/>
               <a:t>-level, so </a:t>
             </a:r>
             <a:r>
-              <a:rPr lang="de-DE" dirty="0" err="1"/>
+              <a:rPr lang="de-DE" sz="2000" dirty="0" err="1"/>
               <a:t>that</a:t>
             </a:r>
             <a:r>
-              <a:rPr lang="de-DE" dirty="0"/>
-              <a:t> </a:t>
-            </a:r>
-            <a:r>
-              <a:rPr lang="de-DE" dirty="0" err="1"/>
+              <a:rPr lang="de-DE" sz="2000" dirty="0"/>
+              <a:t> </a:t>
+            </a:r>
+            <a:r>
+              <a:rPr lang="de-DE" sz="2000" dirty="0" err="1"/>
               <a:t>the</a:t>
             </a:r>
             <a:r>
-              <a:rPr lang="de-DE" dirty="0"/>
-              <a:t> </a:t>
-            </a:r>
-            <a:r>
-              <a:rPr lang="de-DE" dirty="0" err="1"/>
+              <a:rPr lang="de-DE" sz="2000" dirty="0"/>
+              <a:t> </a:t>
+            </a:r>
+            <a:r>
+              <a:rPr lang="de-DE" sz="2000" dirty="0" err="1"/>
               <a:t>answer</a:t>
             </a:r>
             <a:r>
-              <a:rPr lang="de-DE" dirty="0"/>
-              <a:t> </a:t>
-            </a:r>
-            <a:r>
-              <a:rPr lang="de-DE" dirty="0" err="1"/>
+              <a:rPr lang="de-DE" sz="2000" dirty="0"/>
+              <a:t> </a:t>
+            </a:r>
+            <a:r>
+              <a:rPr lang="de-DE" sz="2000" dirty="0" err="1"/>
               <a:t>becomes</a:t>
             </a:r>
             <a:r>
-              <a:rPr lang="de-DE" dirty="0"/>
-              <a:t> </a:t>
-            </a:r>
-            <a:r>
-              <a:rPr lang="de-DE" dirty="0" err="1"/>
+              <a:rPr lang="de-DE" sz="2000" dirty="0"/>
+              <a:t> </a:t>
+            </a:r>
+            <a:r>
+              <a:rPr lang="de-DE" sz="2000" dirty="0" err="1"/>
               <a:t>wrong</a:t>
             </a:r>
             <a:r>
-              <a:rPr lang="de-DE" dirty="0"/>
-              <a:t> </a:t>
-            </a:r>
-            <a:r>
-              <a:rPr lang="de-DE" dirty="0" err="1"/>
+              <a:rPr lang="de-DE" sz="2000" dirty="0"/>
+              <a:t> </a:t>
+            </a:r>
+            <a:r>
+              <a:rPr lang="de-DE" sz="2000" dirty="0" err="1"/>
               <a:t>or</a:t>
             </a:r>
             <a:r>
-              <a:rPr lang="de-DE" dirty="0"/>
+              <a:rPr lang="de-DE" sz="2000" dirty="0"/>
               <a:t> irrelevant)</a:t>
             </a:r>
           </a:p>
           <a:p>
             <a:pPr fontAlgn="ctr"/>
             <a:r>
-              <a:rPr lang="de-DE" dirty="0" err="1"/>
+              <a:rPr lang="de-DE" sz="2000" dirty="0" err="1"/>
               <a:t>introduce</a:t>
             </a:r>
             <a:r>
-              <a:rPr lang="de-DE" dirty="0"/>
+              <a:rPr lang="de-DE" sz="2000" dirty="0"/>
               <a:t> „</a:t>
             </a:r>
             <a:r>
-              <a:rPr lang="de-DE" b="1" dirty="0"/>
+              <a:rPr lang="de-DE" sz="2000" b="1" dirty="0"/>
               <a:t>QA-</a:t>
             </a:r>
             <a:r>
-              <a:rPr lang="de-DE" b="1" dirty="0" err="1"/>
+              <a:rPr lang="de-DE" sz="2000" b="1" dirty="0" err="1"/>
               <a:t>Attack</a:t>
             </a:r>
             <a:r>
-              <a:rPr lang="de-DE" b="1" dirty="0"/>
+              <a:rPr lang="de-DE" sz="2000" b="1" dirty="0"/>
               <a:t>“</a:t>
             </a:r>
             <a:r>
-              <a:rPr lang="de-DE" dirty="0"/>
+              <a:rPr lang="de-DE" sz="2000" dirty="0"/>
               <a:t>, </a:t>
             </a:r>
             <a:r>
-              <a:rPr lang="de-DE" dirty="0" err="1"/>
+              <a:rPr lang="de-DE" sz="2000" dirty="0" err="1"/>
               <a:t>which</a:t>
             </a:r>
             <a:r>
-              <a:rPr lang="de-DE" dirty="0"/>
+              <a:rPr lang="de-DE" sz="2000" dirty="0"/>
               <a:t> alters </a:t>
             </a:r>
             <a:r>
-              <a:rPr lang="de-DE" dirty="0" err="1"/>
+              <a:rPr lang="de-DE" sz="2000" dirty="0" err="1"/>
               <a:t>questions</a:t>
             </a:r>
             <a:r>
-              <a:rPr lang="de-DE" dirty="0"/>
+              <a:rPr lang="de-DE" sz="2000" dirty="0"/>
               <a:t>/</a:t>
             </a:r>
             <a:r>
-              <a:rPr lang="de-DE" dirty="0" err="1"/>
+              <a:rPr lang="de-DE" sz="2000" dirty="0" err="1"/>
               <a:t>context</a:t>
             </a:r>
             <a:r>
-              <a:rPr lang="de-DE" dirty="0"/>
+              <a:rPr lang="de-DE" sz="2000" dirty="0"/>
               <a:t> at </a:t>
             </a:r>
             <a:r>
-              <a:rPr lang="de-DE" dirty="0" err="1"/>
+              <a:rPr lang="de-DE" sz="2000" dirty="0" err="1"/>
               <a:t>word</a:t>
             </a:r>
             <a:r>
-              <a:rPr lang="de-DE" dirty="0"/>
-              <a:t> </a:t>
-            </a:r>
-            <a:r>
-              <a:rPr lang="de-DE" dirty="0" err="1"/>
+              <a:rPr lang="de-DE" sz="2000" dirty="0"/>
+              <a:t> </a:t>
+            </a:r>
+            <a:r>
+              <a:rPr lang="de-DE" sz="2000" dirty="0" err="1"/>
               <a:t>level</a:t>
             </a:r>
             <a:r>
-              <a:rPr lang="de-DE" dirty="0"/>
+              <a:rPr lang="de-DE" sz="2000" dirty="0"/>
               <a:t> (</a:t>
             </a:r>
             <a:r>
-              <a:rPr lang="de-DE" dirty="0" err="1"/>
+              <a:rPr lang="de-DE" sz="2000" dirty="0" err="1"/>
               <a:t>synonyms</a:t>
             </a:r>
             <a:r>
-              <a:rPr lang="de-DE" dirty="0"/>
+              <a:rPr lang="de-DE" sz="2000" dirty="0"/>
               <a:t>, </a:t>
             </a:r>
             <a:r>
-              <a:rPr lang="de-DE" dirty="0" err="1"/>
+              <a:rPr lang="de-DE" sz="2000" dirty="0" err="1"/>
               <a:t>insertions</a:t>
             </a:r>
             <a:r>
-              <a:rPr lang="de-DE" dirty="0"/>
+              <a:rPr lang="de-DE" sz="2000" dirty="0"/>
               <a:t>, </a:t>
             </a:r>
             <a:r>
-              <a:rPr lang="de-DE" dirty="0" err="1"/>
+              <a:rPr lang="de-DE" sz="2000" dirty="0" err="1"/>
               <a:t>deletions</a:t>
             </a:r>
             <a:r>
-              <a:rPr lang="de-DE" dirty="0"/>
+              <a:rPr lang="de-DE" sz="2000" dirty="0"/>
               <a:t>) </a:t>
             </a:r>
             <a:r>
-              <a:rPr lang="de-DE" dirty="0" err="1"/>
+              <a:rPr lang="de-DE" sz="2000" dirty="0" err="1"/>
               <a:t>to</a:t>
             </a:r>
             <a:r>
-              <a:rPr lang="de-DE" dirty="0"/>
-              <a:t> </a:t>
-            </a:r>
-            <a:r>
-              <a:rPr lang="de-DE" dirty="0" err="1"/>
+              <a:rPr lang="de-DE" sz="2000" dirty="0"/>
+              <a:t> </a:t>
+            </a:r>
+            <a:r>
+              <a:rPr lang="de-DE" sz="2000" dirty="0" err="1"/>
               <a:t>fool</a:t>
             </a:r>
             <a:r>
-              <a:rPr lang="de-DE" dirty="0"/>
-              <a:t> </a:t>
-            </a:r>
-            <a:r>
-              <a:rPr lang="de-DE" dirty="0" err="1"/>
+              <a:rPr lang="de-DE" sz="2000" dirty="0"/>
+              <a:t> </a:t>
+            </a:r>
+            <a:r>
+              <a:rPr lang="de-DE" sz="2000" dirty="0" err="1"/>
               <a:t>models</a:t>
             </a:r>
             <a:r>
-              <a:rPr lang="de-DE" dirty="0"/>
+              <a:rPr lang="de-DE" sz="2000" dirty="0"/>
               <a:t>.</a:t>
             </a:r>
           </a:p>
           <a:p>
             <a:pPr fontAlgn="ctr"/>
             <a:r>
-              <a:rPr lang="de-DE" dirty="0"/>
+              <a:rPr lang="de-DE" sz="2000" dirty="0"/>
               <a:t>Key </a:t>
             </a:r>
             <a:r>
-              <a:rPr lang="de-DE" dirty="0" err="1"/>
+              <a:rPr lang="de-DE" sz="2000" dirty="0" err="1"/>
               <a:t>finding</a:t>
             </a:r>
             <a:r>
-              <a:rPr lang="de-DE" dirty="0"/>
+              <a:rPr lang="de-DE" sz="2000" dirty="0"/>
               <a:t>: </a:t>
             </a:r>
             <a:r>
-              <a:rPr lang="de-DE" dirty="0" err="1"/>
+              <a:rPr lang="de-DE" sz="2000" dirty="0" err="1"/>
               <a:t>many</a:t>
             </a:r>
             <a:r>
-              <a:rPr lang="de-DE" dirty="0"/>
-              <a:t> </a:t>
-            </a:r>
-            <a:r>
-              <a:rPr lang="de-DE" dirty="0" err="1"/>
+              <a:rPr lang="de-DE" sz="2000" dirty="0"/>
+              <a:t> </a:t>
+            </a:r>
+            <a:r>
+              <a:rPr lang="de-DE" sz="2000" dirty="0" err="1"/>
               <a:t>models</a:t>
             </a:r>
             <a:r>
-              <a:rPr lang="de-DE" dirty="0"/>
-              <a:t> </a:t>
-            </a:r>
-            <a:r>
-              <a:rPr lang="de-DE" dirty="0" err="1"/>
+              <a:rPr lang="de-DE" sz="2000" dirty="0"/>
+              <a:t> </a:t>
+            </a:r>
+            <a:r>
+              <a:rPr lang="de-DE" sz="2000" dirty="0" err="1"/>
               <a:t>are</a:t>
             </a:r>
             <a:r>
-              <a:rPr lang="de-DE" dirty="0"/>
+              <a:rPr lang="de-DE" sz="2000" dirty="0"/>
               <a:t> not robust </a:t>
             </a:r>
             <a:r>
-              <a:rPr lang="de-DE" dirty="0" err="1"/>
+              <a:rPr lang="de-DE" sz="2000" dirty="0" err="1"/>
               <a:t>to</a:t>
             </a:r>
             <a:r>
-              <a:rPr lang="de-DE" dirty="0"/>
-              <a:t> </a:t>
-            </a:r>
-            <a:r>
-              <a:rPr lang="de-DE" dirty="0" err="1"/>
+              <a:rPr lang="de-DE" sz="2000" dirty="0"/>
+              <a:t> </a:t>
+            </a:r>
+            <a:r>
+              <a:rPr lang="de-DE" sz="2000" dirty="0" err="1"/>
               <a:t>these</a:t>
             </a:r>
             <a:r>
-              <a:rPr lang="de-DE" dirty="0"/>
-              <a:t> </a:t>
-            </a:r>
-            <a:r>
-              <a:rPr lang="de-DE" dirty="0" err="1"/>
+              <a:rPr lang="de-DE" sz="2000" dirty="0"/>
+              <a:t> </a:t>
+            </a:r>
+            <a:r>
+              <a:rPr lang="de-DE" sz="2000" dirty="0" err="1"/>
               <a:t>word</a:t>
             </a:r>
             <a:r>
-              <a:rPr lang="de-DE" dirty="0"/>
+              <a:rPr lang="de-DE" sz="2000" dirty="0"/>
               <a:t>-level </a:t>
             </a:r>
             <a:r>
-              <a:rPr lang="de-DE" dirty="0" err="1"/>
+              <a:rPr lang="de-DE" sz="2000" dirty="0" err="1"/>
               <a:t>attacks</a:t>
             </a:r>
             <a:r>
-              <a:rPr lang="de-DE" dirty="0"/>
+              <a:rPr lang="de-DE" sz="2000" dirty="0"/>
               <a:t> -</a:t>
             </a:r>
             <a:r>
-              <a:rPr lang="de-DE" dirty="0" err="1"/>
+              <a:rPr lang="de-DE" sz="2000" dirty="0" err="1"/>
               <a:t>meaning</a:t>
             </a:r>
             <a:r>
-              <a:rPr lang="de-DE" dirty="0"/>
+              <a:rPr lang="de-DE" sz="2000" dirty="0"/>
               <a:t>, </a:t>
             </a:r>
             <a:r>
-              <a:rPr lang="de-DE" dirty="0" err="1"/>
+              <a:rPr lang="de-DE" sz="2000" dirty="0" err="1"/>
               <a:t>when</a:t>
             </a:r>
             <a:r>
-              <a:rPr lang="de-DE" dirty="0"/>
+              <a:rPr lang="de-DE" sz="2000" dirty="0"/>
               <a:t> an </a:t>
             </a:r>
             <a:r>
-              <a:rPr lang="de-DE" dirty="0" err="1"/>
+              <a:rPr lang="de-DE" sz="2000" dirty="0" err="1"/>
               <a:t>answer</a:t>
             </a:r>
             <a:r>
-              <a:rPr lang="de-DE" dirty="0"/>
-              <a:t> </a:t>
-            </a:r>
-            <a:r>
-              <a:rPr lang="de-DE" dirty="0" err="1"/>
+              <a:rPr lang="de-DE" sz="2000" dirty="0"/>
+              <a:t> </a:t>
+            </a:r>
+            <a:r>
+              <a:rPr lang="de-DE" sz="2000" dirty="0" err="1"/>
               <a:t>is</a:t>
             </a:r>
             <a:r>
-              <a:rPr lang="de-DE" dirty="0"/>
-              <a:t> </a:t>
-            </a:r>
-            <a:r>
-              <a:rPr lang="de-DE" dirty="0" err="1"/>
+              <a:rPr lang="de-DE" sz="2000" dirty="0"/>
+              <a:t> </a:t>
+            </a:r>
+            <a:r>
+              <a:rPr lang="de-DE" sz="2000" dirty="0" err="1"/>
               <a:t>slightly</a:t>
             </a:r>
             <a:r>
-              <a:rPr lang="de-DE" dirty="0"/>
-              <a:t> </a:t>
-            </a:r>
-            <a:r>
-              <a:rPr lang="de-DE" dirty="0" err="1"/>
+              <a:rPr lang="de-DE" sz="2000" dirty="0"/>
+              <a:t> </a:t>
+            </a:r>
+            <a:r>
+              <a:rPr lang="de-DE" sz="2000" dirty="0" err="1"/>
               <a:t>manipulated</a:t>
             </a:r>
             <a:r>
-              <a:rPr lang="de-DE" dirty="0"/>
+              <a:rPr lang="de-DE" sz="2000" dirty="0"/>
               <a:t>, </a:t>
             </a:r>
             <a:r>
-              <a:rPr lang="de-DE" dirty="0" err="1"/>
+              <a:rPr lang="de-DE" sz="2000" dirty="0" err="1"/>
               <a:t>the</a:t>
             </a:r>
             <a:r>
-              <a:rPr lang="de-DE" dirty="0"/>
-              <a:t> </a:t>
-            </a:r>
-            <a:r>
-              <a:rPr lang="de-DE" dirty="0" err="1"/>
+              <a:rPr lang="de-DE" sz="2000" dirty="0"/>
+              <a:t> </a:t>
+            </a:r>
+            <a:r>
+              <a:rPr lang="de-DE" sz="2000" dirty="0" err="1"/>
               <a:t>system’s</a:t>
             </a:r>
             <a:r>
-              <a:rPr lang="de-DE" dirty="0"/>
-              <a:t> </a:t>
-            </a:r>
-            <a:r>
-              <a:rPr lang="de-DE" dirty="0" err="1"/>
+              <a:rPr lang="de-DE" sz="2000" dirty="0"/>
+              <a:t> </a:t>
+            </a:r>
+            <a:r>
+              <a:rPr lang="de-DE" sz="2000" dirty="0" err="1"/>
               <a:t>performance</a:t>
             </a:r>
             <a:r>
-              <a:rPr lang="de-DE" dirty="0"/>
-              <a:t> </a:t>
-            </a:r>
-            <a:r>
-              <a:rPr lang="de-DE" dirty="0" err="1"/>
+              <a:rPr lang="de-DE" sz="2000" dirty="0"/>
+              <a:t> </a:t>
+            </a:r>
+            <a:r>
+              <a:rPr lang="de-DE" sz="2000" dirty="0" err="1"/>
               <a:t>drops</a:t>
             </a:r>
             <a:r>
-              <a:rPr lang="de-DE" dirty="0"/>
-              <a:t> </a:t>
-            </a:r>
-            <a:r>
-              <a:rPr lang="de-DE" dirty="0" err="1"/>
+              <a:rPr lang="de-DE" sz="2000" dirty="0"/>
+              <a:t> </a:t>
+            </a:r>
+            <a:r>
+              <a:rPr lang="de-DE" sz="2000" dirty="0" err="1"/>
               <a:t>significantly</a:t>
             </a:r>
+            <a:endParaRPr lang="de-DE" sz="2000" dirty="0"/>
+          </a:p>
+        </p:txBody>
+      </p:sp>
+      <p:sp>
+        <p:nvSpPr>
+          <p:cNvPr id="5" name="Fußzeilenplatzhalter 4">
+            <a:extLst>
+              <a:ext uri="{FF2B5EF4-FFF2-40B4-BE49-F238E27FC236}">
+                <a16:creationId xmlns:a16="http://schemas.microsoft.com/office/drawing/2014/main" id="{EC86A779-4C69-6213-5999-0A92E85B3A35}"/>
+              </a:ext>
+            </a:extLst>
+          </p:cNvPr>
+          <p:cNvSpPr>
+            <a:spLocks noGrp="1"/>
+          </p:cNvSpPr>
+          <p:nvPr>
+            <p:ph type="ftr" sz="quarter" idx="11"/>
+          </p:nvPr>
+        </p:nvSpPr>
+        <p:spPr>
+          <a:xfrm>
+            <a:off x="498834" y="6172200"/>
+            <a:ext cx="11223774" cy="549275"/>
+          </a:xfrm>
+        </p:spPr>
+        <p:txBody>
+          <a:bodyPr>
+            <a:noAutofit/>
+          </a:bodyPr>
+          <a:lstStyle/>
+          <a:p>
+            <a:endParaRPr lang="de-DE" sz="1000" dirty="0"/>
+          </a:p>
+        </p:txBody>
+      </p:sp>
+      <p:sp>
+        <p:nvSpPr>
+          <p:cNvPr id="6" name="Textfeld 5">
+            <a:extLst>
+              <a:ext uri="{FF2B5EF4-FFF2-40B4-BE49-F238E27FC236}">
+                <a16:creationId xmlns:a16="http://schemas.microsoft.com/office/drawing/2014/main" id="{BBAE7654-2343-BC31-4740-D204CC7BB8D4}"/>
+              </a:ext>
+            </a:extLst>
+          </p:cNvPr>
+          <p:cNvSpPr txBox="1"/>
+          <p:nvPr/>
+        </p:nvSpPr>
+        <p:spPr>
+          <a:xfrm>
+            <a:off x="2206752" y="6486144"/>
+            <a:ext cx="184731" cy="369332"/>
+          </a:xfrm>
+          <a:prstGeom prst="rect">
+            <a:avLst/>
+          </a:prstGeom>
+          <a:noFill/>
+        </p:spPr>
+        <p:txBody>
+          <a:bodyPr wrap="none" rtlCol="0">
+            <a:spAutoFit/>
+          </a:bodyPr>
+          <a:lstStyle/>
+          <a:p>
             <a:endParaRPr lang="de-DE" dirty="0"/>
           </a:p>
         </p:txBody>
@@ -10863,7 +12143,7 @@
     </p:spTree>
     <p:extLst>
       <p:ext uri="{BB962C8B-B14F-4D97-AF65-F5344CB8AC3E}">
-        <p14:creationId xmlns:p14="http://schemas.microsoft.com/office/powerpoint/2010/main" val="1238857181"/>
+        <p14:creationId xmlns:p14="http://schemas.microsoft.com/office/powerpoint/2010/main" val="633023967"/>
       </p:ext>
     </p:extLst>
   </p:cSld>
@@ -10878,7 +12158,13 @@
   <p:cSld>
     <p:spTree>
       <p:nvGrpSpPr>
-        <p:cNvPr id="1" name=""/>
+        <p:cNvPr id="1" name="">
+          <a:extLst>
+            <a:ext uri="{FF2B5EF4-FFF2-40B4-BE49-F238E27FC236}">
+              <a16:creationId xmlns:a16="http://schemas.microsoft.com/office/drawing/2014/main" id="{09B80DE4-4530-9474-5583-FC262CEAA34F}"/>
+            </a:ext>
+          </a:extLst>
+        </p:cNvPr>
         <p:cNvGrpSpPr/>
         <p:nvPr/>
       </p:nvGrpSpPr>
@@ -10890,12 +12176,261 @@
           <a:chExt cx="0" cy="0"/>
         </a:xfrm>
       </p:grpSpPr>
+      <p:sp useBgFill="1">
+        <p:nvSpPr>
+          <p:cNvPr id="4103" name="Rectangle 4102">
+            <a:extLst>
+              <a:ext uri="{FF2B5EF4-FFF2-40B4-BE49-F238E27FC236}">
+                <a16:creationId xmlns:a16="http://schemas.microsoft.com/office/drawing/2014/main" id="{5BE55B07-72F3-ABF1-0FD7-7B7119C6A36B}"/>
+              </a:ext>
+              <a:ext uri="{C183D7F6-B498-43B3-948B-1728B52AA6E4}">
+                <adec:decorative xmlns:adec="http://schemas.microsoft.com/office/drawing/2017/decorative" val="1"/>
+              </a:ext>
+            </a:extLst>
+          </p:cNvPr>
+          <p:cNvSpPr>
+            <a:spLocks noGrp="1" noRot="1" noChangeAspect="1" noMove="1" noResize="1" noEditPoints="1" noAdjustHandles="1" noChangeArrowheads="1" noChangeShapeType="1" noTextEdit="1"/>
+          </p:cNvSpPr>
+          <p:nvPr>
+            <p:extLst>
+              <p:ext uri="{386F3935-93C4-4BCD-93E2-E3B085C9AB24}">
+                <p16:designElem xmlns:p16="http://schemas.microsoft.com/office/powerpoint/2015/main" val="1"/>
+              </p:ext>
+            </p:extLst>
+          </p:nvPr>
+        </p:nvSpPr>
+        <p:spPr>
+          <a:xfrm>
+            <a:off x="0" y="0"/>
+            <a:ext cx="12192000" cy="6858000"/>
+          </a:xfrm>
+          <a:prstGeom prst="rect">
+            <a:avLst/>
+          </a:prstGeom>
+          <a:ln>
+            <a:noFill/>
+          </a:ln>
+        </p:spPr>
+        <p:style>
+          <a:lnRef idx="2">
+            <a:schemeClr val="accent1">
+              <a:shade val="50000"/>
+            </a:schemeClr>
+          </a:lnRef>
+          <a:fillRef idx="1">
+            <a:schemeClr val="accent1"/>
+          </a:fillRef>
+          <a:effectRef idx="0">
+            <a:schemeClr val="accent1"/>
+          </a:effectRef>
+          <a:fontRef idx="minor">
+            <a:schemeClr val="lt1"/>
+          </a:fontRef>
+        </p:style>
+        <p:txBody>
+          <a:bodyPr rtlCol="0" anchor="ctr"/>
+          <a:lstStyle/>
+          <a:p>
+            <a:pPr algn="ctr"/>
+            <a:endParaRPr lang="en-US"/>
+          </a:p>
+        </p:txBody>
+      </p:sp>
+      <p:sp useBgFill="1">
+        <p:nvSpPr>
+          <p:cNvPr id="4105" name="Rectangle 4104">
+            <a:extLst>
+              <a:ext uri="{FF2B5EF4-FFF2-40B4-BE49-F238E27FC236}">
+                <a16:creationId xmlns:a16="http://schemas.microsoft.com/office/drawing/2014/main" id="{FCB1B112-C6AE-DFAF-61F5-F043C66DC005}"/>
+              </a:ext>
+              <a:ext uri="{C183D7F6-B498-43B3-948B-1728B52AA6E4}">
+                <adec:decorative xmlns:adec="http://schemas.microsoft.com/office/drawing/2017/decorative" val="1"/>
+              </a:ext>
+            </a:extLst>
+          </p:cNvPr>
+          <p:cNvSpPr>
+            <a:spLocks noGrp="1" noRot="1" noChangeAspect="1" noMove="1" noResize="1" noEditPoints="1" noAdjustHandles="1" noChangeArrowheads="1" noChangeShapeType="1" noTextEdit="1"/>
+          </p:cNvSpPr>
+          <p:nvPr>
+            <p:extLst>
+              <p:ext uri="{386F3935-93C4-4BCD-93E2-E3B085C9AB24}">
+                <p16:designElem xmlns:p16="http://schemas.microsoft.com/office/powerpoint/2015/main" val="1"/>
+              </p:ext>
+            </p:extLst>
+          </p:nvPr>
+        </p:nvSpPr>
+        <p:spPr>
+          <a:xfrm>
+            <a:off x="558209" y="0"/>
+            <a:ext cx="11167447" cy="2018806"/>
+          </a:xfrm>
+          <a:prstGeom prst="rect">
+            <a:avLst/>
+          </a:prstGeom>
+          <a:ln w="12700">
+            <a:solidFill>
+              <a:srgbClr val="E1E1E1"/>
+            </a:solidFill>
+          </a:ln>
+          <a:effectLst>
+            <a:outerShdw blurRad="50800" dist="38100" dir="2700000" algn="tl" rotWithShape="0">
+              <a:schemeClr val="bg1">
+                <a:lumMod val="85000"/>
+                <a:alpha val="50000"/>
+              </a:schemeClr>
+            </a:outerShdw>
+          </a:effectLst>
+        </p:spPr>
+        <p:style>
+          <a:lnRef idx="2">
+            <a:schemeClr val="accent1">
+              <a:shade val="50000"/>
+            </a:schemeClr>
+          </a:lnRef>
+          <a:fillRef idx="1">
+            <a:schemeClr val="accent1"/>
+          </a:fillRef>
+          <a:effectRef idx="0">
+            <a:schemeClr val="accent1"/>
+          </a:effectRef>
+          <a:fontRef idx="minor">
+            <a:schemeClr val="lt1"/>
+          </a:fontRef>
+        </p:style>
+        <p:txBody>
+          <a:bodyPr rtlCol="0" anchor="ctr"/>
+          <a:lstStyle/>
+          <a:p>
+            <a:pPr marL="0" marR="0" lvl="0" indent="0" algn="ctr" defTabSz="914400" rtl="0" eaLnBrk="1" fontAlgn="auto" latinLnBrk="0" hangingPunct="1">
+              <a:lnSpc>
+                <a:spcPct val="100000"/>
+              </a:lnSpc>
+              <a:spcBef>
+                <a:spcPts val="0"/>
+              </a:spcBef>
+              <a:spcAft>
+                <a:spcPts val="0"/>
+              </a:spcAft>
+              <a:buClrTx/>
+              <a:buSzTx/>
+              <a:buFontTx/>
+              <a:buNone/>
+              <a:tabLst/>
+              <a:defRPr/>
+            </a:pPr>
+            <a:endParaRPr kumimoji="0" lang="en-US" sz="1800" b="0" i="0" u="none" strike="noStrike" kern="1200" cap="none" spc="0" normalizeH="0" baseline="0" noProof="0">
+              <a:ln>
+                <a:noFill/>
+              </a:ln>
+              <a:solidFill>
+                <a:prstClr val="white"/>
+              </a:solidFill>
+              <a:effectLst/>
+              <a:uLnTx/>
+              <a:uFillTx/>
+              <a:latin typeface="Calibri" panose="020F0502020204030204"/>
+              <a:ea typeface="+mn-ea"/>
+              <a:cs typeface="+mn-cs"/>
+            </a:endParaRPr>
+          </a:p>
+        </p:txBody>
+      </p:sp>
+      <p:sp useBgFill="1">
+        <p:nvSpPr>
+          <p:cNvPr id="4107" name="Rectangle 4106">
+            <a:extLst>
+              <a:ext uri="{FF2B5EF4-FFF2-40B4-BE49-F238E27FC236}">
+                <a16:creationId xmlns:a16="http://schemas.microsoft.com/office/drawing/2014/main" id="{39D05759-52E4-3755-6D02-CFFDDAC8BAF2}"/>
+              </a:ext>
+              <a:ext uri="{C183D7F6-B498-43B3-948B-1728B52AA6E4}">
+                <adec:decorative xmlns:adec="http://schemas.microsoft.com/office/drawing/2017/decorative" val="1"/>
+              </a:ext>
+            </a:extLst>
+          </p:cNvPr>
+          <p:cNvSpPr>
+            <a:spLocks noGrp="1" noRot="1" noChangeAspect="1" noMove="1" noResize="1" noEditPoints="1" noAdjustHandles="1" noChangeArrowheads="1" noChangeShapeType="1" noTextEdit="1"/>
+          </p:cNvSpPr>
+          <p:nvPr>
+            <p:extLst>
+              <p:ext uri="{386F3935-93C4-4BCD-93E2-E3B085C9AB24}">
+                <p16:designElem xmlns:p16="http://schemas.microsoft.com/office/powerpoint/2015/main" val="1"/>
+              </p:ext>
+            </p:extLst>
+          </p:nvPr>
+        </p:nvSpPr>
+        <p:spPr>
+          <a:xfrm>
+            <a:off x="566928" y="0"/>
+            <a:ext cx="11155680" cy="2011680"/>
+          </a:xfrm>
+          <a:prstGeom prst="rect">
+            <a:avLst/>
+          </a:prstGeom>
+          <a:ln w="12700">
+            <a:noFill/>
+          </a:ln>
+          <a:effectLst/>
+        </p:spPr>
+        <p:style>
+          <a:lnRef idx="2">
+            <a:schemeClr val="accent1">
+              <a:shade val="50000"/>
+            </a:schemeClr>
+          </a:lnRef>
+          <a:fillRef idx="1">
+            <a:schemeClr val="accent1"/>
+          </a:fillRef>
+          <a:effectRef idx="0">
+            <a:schemeClr val="accent1"/>
+          </a:effectRef>
+          <a:fontRef idx="minor">
+            <a:schemeClr val="lt1"/>
+          </a:fontRef>
+        </p:style>
+        <p:txBody>
+          <a:bodyPr rtlCol="0" anchor="ctr"/>
+          <a:lstStyle/>
+          <a:p>
+            <a:pPr marL="0" marR="0" lvl="0" indent="0" algn="ctr" defTabSz="914400" rtl="0" eaLnBrk="1" fontAlgn="auto" latinLnBrk="0" hangingPunct="1">
+              <a:lnSpc>
+                <a:spcPct val="100000"/>
+              </a:lnSpc>
+              <a:spcBef>
+                <a:spcPts val="0"/>
+              </a:spcBef>
+              <a:spcAft>
+                <a:spcPts val="0"/>
+              </a:spcAft>
+              <a:buClrTx/>
+              <a:buSzTx/>
+              <a:buFontTx/>
+              <a:buNone/>
+              <a:tabLst/>
+              <a:defRPr/>
+            </a:pPr>
+            <a:endParaRPr kumimoji="0" lang="en-US" sz="1800" b="0" i="0" u="none" strike="noStrike" kern="1200" cap="none" spc="0" normalizeH="0" baseline="0" noProof="0">
+              <a:ln>
+                <a:noFill/>
+              </a:ln>
+              <a:solidFill>
+                <a:prstClr val="white"/>
+              </a:solidFill>
+              <a:effectLst/>
+              <a:uLnTx/>
+              <a:uFillTx/>
+              <a:latin typeface="Calibri" panose="020F0502020204030204"/>
+              <a:ea typeface="+mn-ea"/>
+              <a:cs typeface="+mn-cs"/>
+            </a:endParaRPr>
+          </a:p>
+        </p:txBody>
+      </p:sp>
       <p:sp>
         <p:nvSpPr>
           <p:cNvPr id="2" name="Titel 1">
             <a:extLst>
               <a:ext uri="{FF2B5EF4-FFF2-40B4-BE49-F238E27FC236}">
-                <a16:creationId xmlns:a16="http://schemas.microsoft.com/office/drawing/2014/main" id="{F5B9391D-4131-D2C2-1778-706B78CD5087}"/>
+                <a16:creationId xmlns:a16="http://schemas.microsoft.com/office/drawing/2014/main" id="{5495E1D5-B0EE-4083-956C-0E39F213FA11}"/>
               </a:ext>
             </a:extLst>
           </p:cNvPr>
@@ -10906,12 +12441,126 @@
             <p:ph type="title"/>
           </p:nvPr>
         </p:nvSpPr>
-        <p:spPr/>
+        <p:spPr>
+          <a:xfrm>
+            <a:off x="1115568" y="548640"/>
+            <a:ext cx="10168128" cy="1179576"/>
+          </a:xfrm>
+        </p:spPr>
         <p:txBody>
-          <a:bodyPr/>
+          <a:bodyPr>
+            <a:normAutofit fontScale="90000"/>
+          </a:bodyPr>
           <a:lstStyle/>
           <a:p>
-            <a:endParaRPr lang="de-DE"/>
+            <a:r>
+              <a:rPr lang="de-DE" sz="4000" dirty="0" err="1"/>
+              <a:t>Deceiving</a:t>
+            </a:r>
+            <a:r>
+              <a:rPr lang="de-DE" sz="4000" dirty="0"/>
+              <a:t> QA Models: Hybrid Word-Level </a:t>
+            </a:r>
+            <a:r>
+              <a:rPr lang="de-DE" sz="4000" dirty="0" err="1"/>
+              <a:t>Attacks</a:t>
+            </a:r>
+            <a:r>
+              <a:rPr lang="de-DE" sz="4000" dirty="0"/>
+              <a:t> (Li et al., 2024)</a:t>
+            </a:r>
+          </a:p>
+        </p:txBody>
+      </p:sp>
+      <p:sp>
+        <p:nvSpPr>
+          <p:cNvPr id="4100" name="Rectangle 4108">
+            <a:extLst>
+              <a:ext uri="{FF2B5EF4-FFF2-40B4-BE49-F238E27FC236}">
+                <a16:creationId xmlns:a16="http://schemas.microsoft.com/office/drawing/2014/main" id="{E1C34C13-0A73-DBBD-A9E1-15D332C0A9C4}"/>
+              </a:ext>
+              <a:ext uri="{C183D7F6-B498-43B3-948B-1728B52AA6E4}">
+                <adec:decorative xmlns:adec="http://schemas.microsoft.com/office/drawing/2017/decorative" val="1"/>
+              </a:ext>
+            </a:extLst>
+          </p:cNvPr>
+          <p:cNvSpPr>
+            <a:spLocks noGrp="1" noRot="1" noChangeAspect="1" noMove="1" noResize="1" noEditPoints="1" noAdjustHandles="1" noChangeArrowheads="1" noChangeShapeType="1" noTextEdit="1"/>
+          </p:cNvSpPr>
+          <p:nvPr>
+            <p:extLst>
+              <p:ext uri="{386F3935-93C4-4BCD-93E2-E3B085C9AB24}">
+                <p16:designElem xmlns:p16="http://schemas.microsoft.com/office/powerpoint/2015/main" val="1"/>
+              </p:ext>
+            </p:extLst>
+          </p:nvPr>
+        </p:nvSpPr>
+        <p:spPr>
+          <a:xfrm>
+            <a:off x="498834" y="770799"/>
+            <a:ext cx="128016" cy="704088"/>
+          </a:xfrm>
+          <a:prstGeom prst="rect">
+            <a:avLst/>
+          </a:prstGeom>
+          <a:solidFill>
+            <a:schemeClr val="accent2"/>
+          </a:solidFill>
+          <a:ln>
+            <a:noFill/>
+          </a:ln>
+        </p:spPr>
+        <p:style>
+          <a:lnRef idx="2">
+            <a:schemeClr val="accent1">
+              <a:shade val="50000"/>
+            </a:schemeClr>
+          </a:lnRef>
+          <a:fillRef idx="1">
+            <a:schemeClr val="accent1"/>
+          </a:fillRef>
+          <a:effectRef idx="0">
+            <a:schemeClr val="accent1"/>
+          </a:effectRef>
+          <a:fontRef idx="minor">
+            <a:schemeClr val="lt1"/>
+          </a:fontRef>
+        </p:style>
+        <p:txBody>
+          <a:bodyPr rtlCol="0" anchor="ctr"/>
+          <a:lstStyle/>
+          <a:p>
+            <a:pPr marL="0" marR="0" lvl="0" indent="0" algn="ctr" defTabSz="914400" rtl="0" eaLnBrk="1" fontAlgn="auto" latinLnBrk="0" hangingPunct="1">
+              <a:lnSpc>
+                <a:spcPct val="100000"/>
+              </a:lnSpc>
+              <a:spcBef>
+                <a:spcPts val="0"/>
+              </a:spcBef>
+              <a:spcAft>
+                <a:spcPts val="0"/>
+              </a:spcAft>
+              <a:buClrTx/>
+              <a:buSzTx/>
+              <a:buFontTx/>
+              <a:buNone/>
+              <a:tabLst/>
+              <a:defRPr/>
+            </a:pPr>
+            <a:endParaRPr kumimoji="0" lang="en-US" sz="1800" b="0" i="0" u="none" strike="noStrike" kern="1200" cap="none" spc="0" normalizeH="0" baseline="0" noProof="0">
+              <a:ln>
+                <a:noFill/>
+              </a:ln>
+              <a:solidFill>
+                <a:prstClr val="white"/>
+              </a:solidFill>
+              <a:effectLst/>
+              <a:uLnTx/>
+              <a:uFillTx/>
+              <a:latin typeface="Calibri" panose="020F0502020204030204"/>
+              <a:ea typeface="+mn-ea"/>
+              <a:cs typeface="+mn-cs"/>
+            </a:endParaRPr>
           </a:p>
         </p:txBody>
       </p:sp>
@@ -10920,7 +12569,7 @@
           <p:cNvPr id="3" name="Inhaltsplatzhalter 2">
             <a:extLst>
               <a:ext uri="{FF2B5EF4-FFF2-40B4-BE49-F238E27FC236}">
-                <a16:creationId xmlns:a16="http://schemas.microsoft.com/office/drawing/2014/main" id="{98FE238F-AAB3-5F4E-3CAF-8A5332799FF6}"/>
+                <a16:creationId xmlns:a16="http://schemas.microsoft.com/office/drawing/2014/main" id="{94FBA853-39C5-58C4-E4B7-4136F469C7EF}"/>
               </a:ext>
             </a:extLst>
           </p:cNvPr>
@@ -10931,583 +12580,649 @@
             <p:ph idx="1"/>
           </p:nvPr>
         </p:nvSpPr>
-        <p:spPr/>
+        <p:spPr>
+          <a:xfrm>
+            <a:off x="626851" y="2478024"/>
+            <a:ext cx="10656846" cy="3557651"/>
+          </a:xfrm>
+        </p:spPr>
+        <p:txBody>
+          <a:bodyPr anchor="ctr">
+            <a:normAutofit fontScale="85000" lnSpcReduction="10000"/>
+          </a:bodyPr>
+          <a:lstStyle/>
+          <a:p>
+            <a:pPr fontAlgn="ctr"/>
+            <a:r>
+              <a:rPr lang="de-DE" dirty="0" err="1"/>
+              <a:t>Implication</a:t>
+            </a:r>
+            <a:r>
+              <a:rPr lang="de-DE" dirty="0"/>
+              <a:t> </a:t>
+            </a:r>
+            <a:r>
+              <a:rPr lang="de-DE" dirty="0" err="1"/>
+              <a:t>for</a:t>
+            </a:r>
+            <a:r>
+              <a:rPr lang="de-DE" dirty="0"/>
+              <a:t> </a:t>
+            </a:r>
+            <a:r>
+              <a:rPr lang="de-DE" dirty="0" err="1"/>
+              <a:t>our</a:t>
+            </a:r>
+            <a:r>
+              <a:rPr lang="de-DE" dirty="0"/>
+              <a:t> </a:t>
+            </a:r>
+            <a:r>
+              <a:rPr lang="de-DE" dirty="0" err="1"/>
+              <a:t>challenge</a:t>
+            </a:r>
+            <a:r>
+              <a:rPr lang="de-DE" dirty="0"/>
+              <a:t>: Evasive </a:t>
+            </a:r>
+            <a:r>
+              <a:rPr lang="de-DE" dirty="0" err="1"/>
+              <a:t>answers</a:t>
+            </a:r>
+            <a:r>
+              <a:rPr lang="de-DE" dirty="0"/>
+              <a:t> in </a:t>
+            </a:r>
+            <a:r>
+              <a:rPr lang="de-DE" dirty="0" err="1"/>
+              <a:t>political</a:t>
+            </a:r>
+            <a:r>
+              <a:rPr lang="de-DE" dirty="0"/>
+              <a:t> </a:t>
+            </a:r>
+            <a:r>
+              <a:rPr lang="de-DE" dirty="0" err="1"/>
+              <a:t>contexts</a:t>
+            </a:r>
+            <a:r>
+              <a:rPr lang="de-DE" dirty="0"/>
+              <a:t> </a:t>
+            </a:r>
+            <a:r>
+              <a:rPr lang="de-DE" dirty="0" err="1"/>
+              <a:t>can</a:t>
+            </a:r>
+            <a:r>
+              <a:rPr lang="de-DE" dirty="0"/>
+              <a:t> </a:t>
+            </a:r>
+            <a:r>
+              <a:rPr lang="de-DE" dirty="0" err="1"/>
+              <a:t>act</a:t>
+            </a:r>
+            <a:r>
+              <a:rPr lang="de-DE" dirty="0"/>
+              <a:t> like </a:t>
+            </a:r>
+            <a:r>
+              <a:rPr lang="de-DE" dirty="0" err="1"/>
+              <a:t>adversarial</a:t>
+            </a:r>
+            <a:r>
+              <a:rPr lang="de-DE" dirty="0"/>
+              <a:t> </a:t>
+            </a:r>
+            <a:r>
+              <a:rPr lang="de-DE" dirty="0" err="1"/>
+              <a:t>attacks</a:t>
+            </a:r>
+            <a:r>
+              <a:rPr lang="de-DE" dirty="0"/>
+              <a:t>: </a:t>
+            </a:r>
+            <a:r>
+              <a:rPr lang="de-DE" dirty="0" err="1"/>
+              <a:t>superficially</a:t>
+            </a:r>
+            <a:r>
+              <a:rPr lang="de-DE" dirty="0"/>
+              <a:t> plausible but </a:t>
+            </a:r>
+            <a:r>
+              <a:rPr lang="de-DE" dirty="0" err="1"/>
+              <a:t>semantically</a:t>
+            </a:r>
+            <a:r>
+              <a:rPr lang="de-DE" dirty="0"/>
+              <a:t> different.</a:t>
+            </a:r>
+          </a:p>
+          <a:p>
+            <a:pPr fontAlgn="ctr"/>
+            <a:r>
+              <a:rPr lang="de-DE" dirty="0" err="1"/>
+              <a:t>Therefore</a:t>
+            </a:r>
+            <a:r>
+              <a:rPr lang="de-DE" dirty="0"/>
+              <a:t>: </a:t>
+            </a:r>
+            <a:r>
+              <a:rPr lang="de-DE" dirty="0" err="1"/>
+              <a:t>Our</a:t>
+            </a:r>
+            <a:r>
+              <a:rPr lang="de-DE" dirty="0"/>
+              <a:t> </a:t>
+            </a:r>
+            <a:r>
+              <a:rPr lang="de-DE" dirty="0" err="1"/>
+              <a:t>system</a:t>
+            </a:r>
+            <a:r>
+              <a:rPr lang="de-DE" dirty="0"/>
+              <a:t> </a:t>
+            </a:r>
+            <a:r>
+              <a:rPr lang="de-DE" dirty="0" err="1"/>
+              <a:t>should</a:t>
+            </a:r>
+            <a:r>
+              <a:rPr lang="de-DE" dirty="0"/>
+              <a:t> not </a:t>
+            </a:r>
+            <a:r>
+              <a:rPr lang="de-DE" dirty="0" err="1"/>
+              <a:t>only</a:t>
+            </a:r>
+            <a:r>
+              <a:rPr lang="de-DE" dirty="0"/>
+              <a:t> </a:t>
+            </a:r>
+            <a:r>
+              <a:rPr lang="de-DE" dirty="0" err="1"/>
+              <a:t>detect</a:t>
+            </a:r>
+            <a:r>
+              <a:rPr lang="de-DE" dirty="0"/>
+              <a:t> </a:t>
+            </a:r>
+            <a:r>
+              <a:rPr lang="de-DE" i="1" dirty="0"/>
+              <a:t>explicit</a:t>
+            </a:r>
+            <a:r>
+              <a:rPr lang="de-DE" dirty="0"/>
+              <a:t> </a:t>
+            </a:r>
+            <a:r>
+              <a:rPr lang="de-DE" dirty="0" err="1"/>
+              <a:t>evasion</a:t>
+            </a:r>
+            <a:r>
+              <a:rPr lang="de-DE" dirty="0"/>
+              <a:t>, but also </a:t>
+            </a:r>
+            <a:r>
+              <a:rPr lang="de-DE" dirty="0" err="1"/>
+              <a:t>be</a:t>
+            </a:r>
+            <a:r>
+              <a:rPr lang="de-DE" dirty="0"/>
+              <a:t> sensitive </a:t>
+            </a:r>
+            <a:r>
+              <a:rPr lang="de-DE" dirty="0" err="1"/>
+              <a:t>to</a:t>
+            </a:r>
+            <a:r>
+              <a:rPr lang="de-DE" dirty="0"/>
+              <a:t> </a:t>
+            </a:r>
+            <a:r>
+              <a:rPr lang="de-DE" i="1" dirty="0" err="1"/>
+              <a:t>subtle</a:t>
+            </a:r>
+            <a:r>
+              <a:rPr lang="de-DE" i="1" dirty="0"/>
+              <a:t> </a:t>
+            </a:r>
+            <a:r>
+              <a:rPr lang="de-DE" i="1" dirty="0" err="1"/>
+              <a:t>meaning</a:t>
+            </a:r>
+            <a:r>
+              <a:rPr lang="de-DE" i="1" dirty="0"/>
+              <a:t> </a:t>
+            </a:r>
+            <a:r>
+              <a:rPr lang="de-DE" i="1" dirty="0" err="1"/>
+              <a:t>shifts</a:t>
+            </a:r>
+            <a:r>
+              <a:rPr lang="de-DE" dirty="0"/>
+              <a:t>.</a:t>
+            </a:r>
+          </a:p>
+          <a:p>
+            <a:pPr fontAlgn="ctr"/>
+            <a:r>
+              <a:rPr lang="de-DE" dirty="0"/>
+              <a:t>Takeaway: </a:t>
+            </a:r>
+            <a:r>
+              <a:rPr lang="de-DE" dirty="0" err="1"/>
+              <a:t>We</a:t>
+            </a:r>
+            <a:r>
+              <a:rPr lang="de-DE" dirty="0"/>
+              <a:t> </a:t>
+            </a:r>
+            <a:r>
+              <a:rPr lang="de-DE" dirty="0" err="1"/>
+              <a:t>must</a:t>
+            </a:r>
+            <a:r>
+              <a:rPr lang="de-DE" dirty="0"/>
+              <a:t> </a:t>
+            </a:r>
+            <a:r>
+              <a:rPr lang="de-DE" dirty="0" err="1"/>
+              <a:t>build</a:t>
+            </a:r>
+            <a:r>
+              <a:rPr lang="de-DE" dirty="0"/>
+              <a:t> </a:t>
+            </a:r>
+            <a:r>
+              <a:rPr lang="de-DE" b="1" dirty="0" err="1"/>
+              <a:t>robustness</a:t>
+            </a:r>
+            <a:r>
+              <a:rPr lang="de-DE" b="1" dirty="0"/>
+              <a:t> </a:t>
+            </a:r>
+            <a:r>
+              <a:rPr lang="de-DE" b="1" dirty="0" err="1"/>
+              <a:t>checks</a:t>
+            </a:r>
+            <a:r>
+              <a:rPr lang="de-DE" dirty="0"/>
+              <a:t> (</a:t>
+            </a:r>
+            <a:r>
+              <a:rPr lang="de-DE" dirty="0" err="1"/>
+              <a:t>word‐level</a:t>
+            </a:r>
+            <a:r>
+              <a:rPr lang="de-DE" dirty="0"/>
+              <a:t>/</a:t>
+            </a:r>
+            <a:r>
+              <a:rPr lang="de-DE" dirty="0" err="1"/>
+              <a:t>hyper‐subtle</a:t>
+            </a:r>
+            <a:r>
+              <a:rPr lang="de-DE" dirty="0"/>
+              <a:t> feature </a:t>
+            </a:r>
+            <a:r>
+              <a:rPr lang="de-DE" dirty="0" err="1"/>
+              <a:t>inspection</a:t>
+            </a:r>
+            <a:r>
+              <a:rPr lang="de-DE" dirty="0"/>
+              <a:t>) and </a:t>
+            </a:r>
+            <a:r>
+              <a:rPr lang="de-DE" b="1" dirty="0" err="1"/>
+              <a:t>confidence</a:t>
+            </a:r>
+            <a:r>
+              <a:rPr lang="de-DE" b="1" dirty="0"/>
+              <a:t> </a:t>
+            </a:r>
+            <a:r>
+              <a:rPr lang="de-DE" b="1" dirty="0" err="1"/>
+              <a:t>calibration</a:t>
+            </a:r>
+            <a:r>
+              <a:rPr lang="de-DE" dirty="0"/>
+              <a:t> (</a:t>
+            </a:r>
+            <a:r>
+              <a:rPr lang="de-DE" dirty="0" err="1"/>
+              <a:t>flagging</a:t>
+            </a:r>
+            <a:r>
+              <a:rPr lang="de-DE" dirty="0"/>
+              <a:t> probable “</a:t>
+            </a:r>
+            <a:r>
+              <a:rPr lang="de-DE" dirty="0" err="1"/>
+              <a:t>trick</a:t>
+            </a:r>
+            <a:r>
+              <a:rPr lang="de-DE" dirty="0"/>
+              <a:t>” </a:t>
+            </a:r>
+            <a:r>
+              <a:rPr lang="de-DE" dirty="0" err="1"/>
+              <a:t>answers</a:t>
+            </a:r>
+            <a:r>
+              <a:rPr lang="de-DE" dirty="0"/>
+              <a:t>) in </a:t>
+            </a:r>
+            <a:r>
+              <a:rPr lang="de-DE" dirty="0" err="1"/>
+              <a:t>our</a:t>
+            </a:r>
+            <a:r>
+              <a:rPr lang="de-DE" dirty="0"/>
+              <a:t> </a:t>
+            </a:r>
+            <a:r>
+              <a:rPr lang="de-DE" dirty="0" err="1"/>
+              <a:t>classifier</a:t>
+            </a:r>
+            <a:r>
+              <a:rPr lang="de-DE" dirty="0"/>
+              <a:t> </a:t>
+            </a:r>
+            <a:r>
+              <a:rPr lang="de-DE" dirty="0" err="1"/>
+              <a:t>pipeline</a:t>
+            </a:r>
+            <a:r>
+              <a:rPr lang="de-DE" dirty="0"/>
+              <a:t>.</a:t>
+            </a:r>
+          </a:p>
+          <a:p>
+            <a:pPr lvl="1" fontAlgn="ctr"/>
+            <a:r>
+              <a:rPr lang="de-DE" dirty="0"/>
+              <a:t>Even </a:t>
+            </a:r>
+            <a:r>
+              <a:rPr lang="de-DE" dirty="0" err="1"/>
+              <a:t>though</a:t>
+            </a:r>
+            <a:r>
+              <a:rPr lang="de-DE" dirty="0"/>
+              <a:t> </a:t>
+            </a:r>
+            <a:r>
+              <a:rPr lang="de-DE" dirty="0" err="1"/>
+              <a:t>confidence</a:t>
+            </a:r>
+            <a:r>
+              <a:rPr lang="de-DE" dirty="0"/>
+              <a:t> </a:t>
+            </a:r>
+            <a:r>
+              <a:rPr lang="de-DE" dirty="0" err="1"/>
+              <a:t>is</a:t>
+            </a:r>
+            <a:r>
+              <a:rPr lang="de-DE" dirty="0"/>
+              <a:t> high, </a:t>
+            </a:r>
+            <a:r>
+              <a:rPr lang="de-DE" dirty="0" err="1"/>
+              <a:t>answer</a:t>
+            </a:r>
+            <a:r>
+              <a:rPr lang="de-DE" dirty="0"/>
+              <a:t> </a:t>
+            </a:r>
+            <a:r>
+              <a:rPr lang="de-DE" dirty="0" err="1"/>
+              <a:t>might</a:t>
+            </a:r>
+            <a:r>
+              <a:rPr lang="de-DE" dirty="0"/>
+              <a:t> </a:t>
+            </a:r>
+            <a:r>
+              <a:rPr lang="de-DE" dirty="0" err="1"/>
+              <a:t>be</a:t>
+            </a:r>
+            <a:r>
+              <a:rPr lang="de-DE" dirty="0"/>
+              <a:t> </a:t>
+            </a:r>
+            <a:r>
+              <a:rPr lang="de-DE" dirty="0" err="1"/>
+              <a:t>wrong</a:t>
+            </a:r>
+            <a:r>
+              <a:rPr lang="de-DE" dirty="0"/>
+              <a:t> </a:t>
+            </a:r>
+            <a:r>
+              <a:rPr lang="de-DE" dirty="0" err="1"/>
+              <a:t>when</a:t>
+            </a:r>
+            <a:r>
+              <a:rPr lang="de-DE" dirty="0"/>
+              <a:t> </a:t>
+            </a:r>
+            <a:r>
+              <a:rPr lang="de-DE" dirty="0" err="1"/>
+              <a:t>context</a:t>
+            </a:r>
+            <a:r>
+              <a:rPr lang="de-DE" dirty="0"/>
+              <a:t> </a:t>
+            </a:r>
+            <a:r>
+              <a:rPr lang="de-DE" dirty="0" err="1"/>
+              <a:t>is</a:t>
+            </a:r>
+            <a:r>
+              <a:rPr lang="de-DE" dirty="0"/>
+              <a:t> </a:t>
+            </a:r>
+            <a:r>
+              <a:rPr lang="de-DE" dirty="0" err="1"/>
+              <a:t>subtly</a:t>
+            </a:r>
+            <a:r>
+              <a:rPr lang="de-DE" dirty="0"/>
+              <a:t> </a:t>
+            </a:r>
+            <a:r>
+              <a:rPr lang="de-DE" dirty="0" err="1"/>
+              <a:t>altered</a:t>
+            </a:r>
+            <a:endParaRPr lang="de-DE" dirty="0"/>
+          </a:p>
+          <a:p>
+            <a:pPr lvl="1" fontAlgn="ctr"/>
+            <a:r>
+              <a:rPr lang="de-DE" dirty="0" err="1"/>
+              <a:t>Robustness</a:t>
+            </a:r>
+            <a:r>
+              <a:rPr lang="de-DE" dirty="0"/>
+              <a:t> </a:t>
+            </a:r>
+            <a:r>
+              <a:rPr lang="de-DE" dirty="0" err="1"/>
+              <a:t>is</a:t>
+            </a:r>
+            <a:r>
+              <a:rPr lang="de-DE" dirty="0"/>
+              <a:t> </a:t>
+            </a:r>
+            <a:r>
+              <a:rPr lang="de-DE" dirty="0" err="1"/>
+              <a:t>harder</a:t>
+            </a:r>
+            <a:r>
+              <a:rPr lang="de-DE" dirty="0"/>
+              <a:t> </a:t>
+            </a:r>
+            <a:r>
+              <a:rPr lang="de-DE" dirty="0" err="1"/>
+              <a:t>than</a:t>
+            </a:r>
+            <a:r>
+              <a:rPr lang="de-DE" dirty="0"/>
+              <a:t> </a:t>
+            </a:r>
+            <a:r>
+              <a:rPr lang="de-DE" dirty="0" err="1"/>
+              <a:t>simply</a:t>
+            </a:r>
+            <a:r>
+              <a:rPr lang="de-DE" dirty="0"/>
+              <a:t> </a:t>
+            </a:r>
+            <a:r>
+              <a:rPr lang="de-DE" dirty="0" err="1"/>
+              <a:t>achieving</a:t>
+            </a:r>
+            <a:r>
+              <a:rPr lang="de-DE" dirty="0"/>
+              <a:t> high </a:t>
+            </a:r>
+            <a:r>
+              <a:rPr lang="de-DE" dirty="0" err="1"/>
+              <a:t>accuracy</a:t>
+            </a:r>
+            <a:r>
+              <a:rPr lang="de-DE" dirty="0"/>
+              <a:t> on „normal“ </a:t>
+            </a:r>
+            <a:r>
+              <a:rPr lang="de-DE" dirty="0" err="1"/>
+              <a:t>data</a:t>
+            </a:r>
+            <a:r>
+              <a:rPr lang="de-DE" dirty="0"/>
+              <a:t>! </a:t>
+            </a:r>
+            <a:br>
+              <a:rPr lang="de-DE" dirty="0"/>
+            </a:br>
+            <a:r>
+              <a:rPr lang="de-DE" dirty="0"/>
+              <a:t>-&gt; Models </a:t>
+            </a:r>
+            <a:r>
+              <a:rPr lang="de-DE" dirty="0" err="1"/>
+              <a:t>must</a:t>
+            </a:r>
+            <a:r>
+              <a:rPr lang="de-DE" dirty="0"/>
+              <a:t> </a:t>
+            </a:r>
+            <a:r>
+              <a:rPr lang="de-DE" dirty="0" err="1"/>
+              <a:t>be</a:t>
+            </a:r>
+            <a:r>
+              <a:rPr lang="de-DE" dirty="0"/>
+              <a:t> </a:t>
+            </a:r>
+            <a:r>
+              <a:rPr lang="de-DE" dirty="0" err="1"/>
+              <a:t>tested</a:t>
+            </a:r>
+            <a:r>
+              <a:rPr lang="de-DE" dirty="0"/>
+              <a:t> on „</a:t>
+            </a:r>
+            <a:r>
+              <a:rPr lang="de-DE" dirty="0" err="1"/>
+              <a:t>harder</a:t>
+            </a:r>
+            <a:r>
+              <a:rPr lang="de-DE" dirty="0"/>
+              <a:t>“ </a:t>
+            </a:r>
+            <a:r>
+              <a:rPr lang="de-DE" dirty="0" err="1"/>
+              <a:t>data</a:t>
+            </a:r>
+            <a:r>
+              <a:rPr lang="de-DE" dirty="0"/>
+              <a:t> (</a:t>
+            </a:r>
+            <a:r>
+              <a:rPr lang="de-DE" dirty="0" err="1"/>
+              <a:t>adversarial</a:t>
+            </a:r>
+            <a:r>
+              <a:rPr lang="de-DE" dirty="0"/>
+              <a:t>)</a:t>
+            </a:r>
+          </a:p>
+        </p:txBody>
+      </p:sp>
+      <p:sp>
+        <p:nvSpPr>
+          <p:cNvPr id="5" name="Fußzeilenplatzhalter 4">
+            <a:extLst>
+              <a:ext uri="{FF2B5EF4-FFF2-40B4-BE49-F238E27FC236}">
+                <a16:creationId xmlns:a16="http://schemas.microsoft.com/office/drawing/2014/main" id="{3D939AF6-276D-A1FB-1423-A54787C5A2E6}"/>
+              </a:ext>
+            </a:extLst>
+          </p:cNvPr>
+          <p:cNvSpPr>
+            <a:spLocks noGrp="1"/>
+          </p:cNvSpPr>
+          <p:nvPr>
+            <p:ph type="ftr" sz="quarter" idx="11"/>
+          </p:nvPr>
+        </p:nvSpPr>
+        <p:spPr>
+          <a:xfrm>
+            <a:off x="498834" y="6172200"/>
+            <a:ext cx="11223774" cy="549275"/>
+          </a:xfrm>
+        </p:spPr>
         <p:txBody>
           <a:bodyPr>
-            <a:normAutofit fontScale="92500" lnSpcReduction="10000"/>
+            <a:noAutofit/>
           </a:bodyPr>
           <a:lstStyle/>
           <a:p>
-            <a:pPr fontAlgn="ctr"/>
-            <a:r>
-              <a:rPr lang="de-DE" dirty="0" err="1"/>
-              <a:t>Implication</a:t>
-            </a:r>
-            <a:r>
-              <a:rPr lang="de-DE" dirty="0"/>
-              <a:t> </a:t>
-            </a:r>
-            <a:r>
-              <a:rPr lang="de-DE" dirty="0" err="1"/>
-              <a:t>for</a:t>
-            </a:r>
-            <a:r>
-              <a:rPr lang="de-DE" dirty="0"/>
-              <a:t> </a:t>
-            </a:r>
-            <a:r>
-              <a:rPr lang="de-DE" dirty="0" err="1"/>
-              <a:t>our</a:t>
-            </a:r>
-            <a:r>
-              <a:rPr lang="de-DE" dirty="0"/>
-              <a:t> </a:t>
-            </a:r>
-            <a:r>
-              <a:rPr lang="de-DE" dirty="0" err="1"/>
-              <a:t>challenge</a:t>
-            </a:r>
-            <a:r>
-              <a:rPr lang="de-DE" dirty="0"/>
-              <a:t>: Evasive </a:t>
-            </a:r>
-            <a:r>
-              <a:rPr lang="de-DE" dirty="0" err="1"/>
-              <a:t>answers</a:t>
-            </a:r>
-            <a:r>
-              <a:rPr lang="de-DE" dirty="0"/>
-              <a:t> in </a:t>
-            </a:r>
-            <a:r>
-              <a:rPr lang="de-DE" dirty="0" err="1"/>
-              <a:t>political</a:t>
-            </a:r>
-            <a:r>
-              <a:rPr lang="de-DE" dirty="0"/>
-              <a:t> </a:t>
-            </a:r>
-            <a:r>
-              <a:rPr lang="de-DE" dirty="0" err="1"/>
-              <a:t>contexts</a:t>
-            </a:r>
-            <a:r>
-              <a:rPr lang="de-DE" dirty="0"/>
-              <a:t> </a:t>
-            </a:r>
-            <a:r>
-              <a:rPr lang="de-DE" dirty="0" err="1"/>
-              <a:t>can</a:t>
-            </a:r>
-            <a:r>
-              <a:rPr lang="de-DE" dirty="0"/>
-              <a:t> </a:t>
-            </a:r>
-            <a:r>
-              <a:rPr lang="de-DE" dirty="0" err="1"/>
-              <a:t>act</a:t>
-            </a:r>
-            <a:r>
-              <a:rPr lang="de-DE" dirty="0"/>
-              <a:t> like </a:t>
-            </a:r>
-            <a:r>
-              <a:rPr lang="de-DE" dirty="0" err="1"/>
-              <a:t>adversarial</a:t>
-            </a:r>
-            <a:r>
-              <a:rPr lang="de-DE" dirty="0"/>
-              <a:t> </a:t>
-            </a:r>
-            <a:r>
-              <a:rPr lang="de-DE" dirty="0" err="1"/>
-              <a:t>attacks</a:t>
-            </a:r>
-            <a:r>
-              <a:rPr lang="de-DE" dirty="0"/>
-              <a:t>: </a:t>
-            </a:r>
-            <a:r>
-              <a:rPr lang="de-DE" dirty="0" err="1"/>
-              <a:t>superficially</a:t>
-            </a:r>
-            <a:r>
-              <a:rPr lang="de-DE" dirty="0"/>
-              <a:t> plausible but </a:t>
-            </a:r>
-            <a:r>
-              <a:rPr lang="de-DE" dirty="0" err="1"/>
-              <a:t>semantically</a:t>
-            </a:r>
-            <a:r>
-              <a:rPr lang="de-DE" dirty="0"/>
-              <a:t> different.</a:t>
-            </a:r>
-          </a:p>
-          <a:p>
-            <a:pPr fontAlgn="ctr"/>
-            <a:r>
-              <a:rPr lang="de-DE" dirty="0" err="1"/>
-              <a:t>Therefore</a:t>
-            </a:r>
-            <a:r>
-              <a:rPr lang="de-DE" dirty="0"/>
-              <a:t>: </a:t>
-            </a:r>
-            <a:r>
-              <a:rPr lang="de-DE" dirty="0" err="1"/>
-              <a:t>Our</a:t>
-            </a:r>
-            <a:r>
-              <a:rPr lang="de-DE" dirty="0"/>
-              <a:t> </a:t>
-            </a:r>
-            <a:r>
-              <a:rPr lang="de-DE" dirty="0" err="1"/>
-              <a:t>system</a:t>
-            </a:r>
-            <a:r>
-              <a:rPr lang="de-DE" dirty="0"/>
-              <a:t> </a:t>
-            </a:r>
-            <a:r>
-              <a:rPr lang="de-DE" dirty="0" err="1"/>
-              <a:t>should</a:t>
-            </a:r>
-            <a:r>
-              <a:rPr lang="de-DE" dirty="0"/>
-              <a:t> not </a:t>
-            </a:r>
-            <a:r>
-              <a:rPr lang="de-DE" dirty="0" err="1"/>
-              <a:t>only</a:t>
-            </a:r>
-            <a:r>
-              <a:rPr lang="de-DE" dirty="0"/>
-              <a:t> </a:t>
-            </a:r>
-            <a:r>
-              <a:rPr lang="de-DE" dirty="0" err="1"/>
-              <a:t>detect</a:t>
-            </a:r>
-            <a:r>
-              <a:rPr lang="de-DE" dirty="0"/>
-              <a:t> </a:t>
-            </a:r>
-            <a:r>
-              <a:rPr lang="de-DE" i="1" dirty="0"/>
-              <a:t>explicit</a:t>
-            </a:r>
-            <a:r>
-              <a:rPr lang="de-DE" dirty="0"/>
-              <a:t> </a:t>
-            </a:r>
-            <a:r>
-              <a:rPr lang="de-DE" dirty="0" err="1"/>
-              <a:t>evasion</a:t>
-            </a:r>
-            <a:r>
-              <a:rPr lang="de-DE" dirty="0"/>
-              <a:t>, but also </a:t>
-            </a:r>
-            <a:r>
-              <a:rPr lang="de-DE" dirty="0" err="1"/>
-              <a:t>be</a:t>
-            </a:r>
-            <a:r>
-              <a:rPr lang="de-DE" dirty="0"/>
-              <a:t> sensitive </a:t>
-            </a:r>
-            <a:r>
-              <a:rPr lang="de-DE" dirty="0" err="1"/>
-              <a:t>to</a:t>
-            </a:r>
-            <a:r>
-              <a:rPr lang="de-DE" dirty="0"/>
-              <a:t> </a:t>
-            </a:r>
-            <a:r>
-              <a:rPr lang="de-DE" i="1" dirty="0" err="1"/>
-              <a:t>subtle</a:t>
-            </a:r>
-            <a:r>
-              <a:rPr lang="de-DE" i="1" dirty="0"/>
-              <a:t> </a:t>
-            </a:r>
-            <a:r>
-              <a:rPr lang="de-DE" i="1" dirty="0" err="1"/>
-              <a:t>meaning</a:t>
-            </a:r>
-            <a:r>
-              <a:rPr lang="de-DE" i="1" dirty="0"/>
-              <a:t> </a:t>
-            </a:r>
-            <a:r>
-              <a:rPr lang="de-DE" i="1" dirty="0" err="1"/>
-              <a:t>shifts</a:t>
-            </a:r>
-            <a:r>
-              <a:rPr lang="de-DE" dirty="0"/>
-              <a:t>.</a:t>
-            </a:r>
-          </a:p>
-          <a:p>
-            <a:pPr fontAlgn="ctr"/>
-            <a:r>
-              <a:rPr lang="de-DE" dirty="0"/>
-              <a:t>Takeaway: </a:t>
-            </a:r>
-            <a:r>
-              <a:rPr lang="de-DE" dirty="0" err="1"/>
-              <a:t>We</a:t>
-            </a:r>
-            <a:r>
-              <a:rPr lang="de-DE" dirty="0"/>
-              <a:t> </a:t>
-            </a:r>
-            <a:r>
-              <a:rPr lang="de-DE" dirty="0" err="1"/>
-              <a:t>must</a:t>
-            </a:r>
-            <a:r>
-              <a:rPr lang="de-DE" dirty="0"/>
-              <a:t> </a:t>
-            </a:r>
-            <a:r>
-              <a:rPr lang="de-DE" dirty="0" err="1"/>
-              <a:t>build</a:t>
-            </a:r>
-            <a:r>
-              <a:rPr lang="de-DE" dirty="0"/>
-              <a:t> </a:t>
-            </a:r>
-            <a:r>
-              <a:rPr lang="de-DE" b="1" dirty="0" err="1"/>
-              <a:t>robustness</a:t>
-            </a:r>
-            <a:r>
-              <a:rPr lang="de-DE" b="1" dirty="0"/>
-              <a:t> </a:t>
-            </a:r>
-            <a:r>
-              <a:rPr lang="de-DE" b="1" dirty="0" err="1"/>
-              <a:t>checks</a:t>
-            </a:r>
-            <a:r>
-              <a:rPr lang="de-DE" dirty="0"/>
-              <a:t> (</a:t>
-            </a:r>
-            <a:r>
-              <a:rPr lang="de-DE" dirty="0" err="1"/>
-              <a:t>word‐level</a:t>
-            </a:r>
-            <a:r>
-              <a:rPr lang="de-DE" dirty="0"/>
-              <a:t>/</a:t>
-            </a:r>
-            <a:r>
-              <a:rPr lang="de-DE" dirty="0" err="1"/>
-              <a:t>hyper‐subtle</a:t>
-            </a:r>
-            <a:r>
-              <a:rPr lang="de-DE" dirty="0"/>
-              <a:t> feature </a:t>
-            </a:r>
-            <a:r>
-              <a:rPr lang="de-DE" dirty="0" err="1"/>
-              <a:t>inspection</a:t>
-            </a:r>
-            <a:r>
-              <a:rPr lang="de-DE" dirty="0"/>
-              <a:t>) and </a:t>
-            </a:r>
-            <a:r>
-              <a:rPr lang="de-DE" b="1" dirty="0" err="1"/>
-              <a:t>confidence</a:t>
-            </a:r>
-            <a:r>
-              <a:rPr lang="de-DE" b="1" dirty="0"/>
-              <a:t> </a:t>
-            </a:r>
-            <a:r>
-              <a:rPr lang="de-DE" b="1" dirty="0" err="1"/>
-              <a:t>calibration</a:t>
-            </a:r>
-            <a:r>
-              <a:rPr lang="de-DE" dirty="0"/>
-              <a:t> (</a:t>
-            </a:r>
-            <a:r>
-              <a:rPr lang="de-DE" dirty="0" err="1"/>
-              <a:t>flagging</a:t>
-            </a:r>
-            <a:r>
-              <a:rPr lang="de-DE" dirty="0"/>
-              <a:t> probable “</a:t>
-            </a:r>
-            <a:r>
-              <a:rPr lang="de-DE" dirty="0" err="1"/>
-              <a:t>trick</a:t>
-            </a:r>
-            <a:r>
-              <a:rPr lang="de-DE" dirty="0"/>
-              <a:t>” </a:t>
-            </a:r>
-            <a:r>
-              <a:rPr lang="de-DE" dirty="0" err="1"/>
-              <a:t>answers</a:t>
-            </a:r>
-            <a:r>
-              <a:rPr lang="de-DE" dirty="0"/>
-              <a:t>) in </a:t>
-            </a:r>
-            <a:r>
-              <a:rPr lang="de-DE" dirty="0" err="1"/>
-              <a:t>our</a:t>
-            </a:r>
-            <a:r>
-              <a:rPr lang="de-DE" dirty="0"/>
-              <a:t> </a:t>
-            </a:r>
-            <a:r>
-              <a:rPr lang="de-DE" dirty="0" err="1"/>
-              <a:t>classifier</a:t>
-            </a:r>
-            <a:r>
-              <a:rPr lang="de-DE" dirty="0"/>
-              <a:t> </a:t>
-            </a:r>
-            <a:r>
-              <a:rPr lang="de-DE" dirty="0" err="1"/>
-              <a:t>pipeline</a:t>
-            </a:r>
-            <a:r>
-              <a:rPr lang="de-DE" dirty="0"/>
-              <a:t>.</a:t>
-            </a:r>
-          </a:p>
-          <a:p>
-            <a:pPr lvl="1" fontAlgn="ctr"/>
-            <a:r>
-              <a:rPr lang="de-DE" dirty="0"/>
-              <a:t>Even </a:t>
-            </a:r>
-            <a:r>
-              <a:rPr lang="de-DE" dirty="0" err="1"/>
-              <a:t>though</a:t>
-            </a:r>
-            <a:r>
-              <a:rPr lang="de-DE" dirty="0"/>
-              <a:t> </a:t>
-            </a:r>
-            <a:r>
-              <a:rPr lang="de-DE" dirty="0" err="1"/>
-              <a:t>confidence</a:t>
-            </a:r>
-            <a:r>
-              <a:rPr lang="de-DE" dirty="0"/>
-              <a:t> </a:t>
-            </a:r>
-            <a:r>
-              <a:rPr lang="de-DE" dirty="0" err="1"/>
-              <a:t>is</a:t>
-            </a:r>
-            <a:r>
-              <a:rPr lang="de-DE" dirty="0"/>
-              <a:t> high, </a:t>
-            </a:r>
-            <a:r>
-              <a:rPr lang="de-DE" dirty="0" err="1"/>
-              <a:t>answer</a:t>
-            </a:r>
-            <a:r>
-              <a:rPr lang="de-DE" dirty="0"/>
-              <a:t> </a:t>
-            </a:r>
-            <a:r>
-              <a:rPr lang="de-DE" dirty="0" err="1"/>
-              <a:t>might</a:t>
-            </a:r>
-            <a:r>
-              <a:rPr lang="de-DE" dirty="0"/>
-              <a:t> </a:t>
-            </a:r>
-            <a:r>
-              <a:rPr lang="de-DE" dirty="0" err="1"/>
-              <a:t>be</a:t>
-            </a:r>
-            <a:r>
-              <a:rPr lang="de-DE" dirty="0"/>
-              <a:t> </a:t>
-            </a:r>
-            <a:r>
-              <a:rPr lang="de-DE" dirty="0" err="1"/>
-              <a:t>wrong</a:t>
-            </a:r>
-            <a:r>
-              <a:rPr lang="de-DE" dirty="0"/>
-              <a:t> </a:t>
-            </a:r>
-            <a:r>
-              <a:rPr lang="de-DE" dirty="0" err="1"/>
-              <a:t>when</a:t>
-            </a:r>
-            <a:r>
-              <a:rPr lang="de-DE" dirty="0"/>
-              <a:t> </a:t>
-            </a:r>
-            <a:r>
-              <a:rPr lang="de-DE" dirty="0" err="1"/>
-              <a:t>context</a:t>
-            </a:r>
-            <a:r>
-              <a:rPr lang="de-DE" dirty="0"/>
-              <a:t> </a:t>
-            </a:r>
-            <a:r>
-              <a:rPr lang="de-DE" dirty="0" err="1"/>
-              <a:t>is</a:t>
-            </a:r>
-            <a:r>
-              <a:rPr lang="de-DE" dirty="0"/>
-              <a:t> </a:t>
-            </a:r>
-            <a:r>
-              <a:rPr lang="de-DE" dirty="0" err="1"/>
-              <a:t>subtly</a:t>
-            </a:r>
-            <a:r>
-              <a:rPr lang="de-DE" dirty="0"/>
-              <a:t> </a:t>
-            </a:r>
-            <a:r>
-              <a:rPr lang="de-DE" dirty="0" err="1"/>
-              <a:t>altered</a:t>
-            </a:r>
-            <a:endParaRPr lang="de-DE" dirty="0"/>
-          </a:p>
-          <a:p>
-            <a:pPr lvl="1" fontAlgn="ctr"/>
-            <a:r>
-              <a:rPr lang="de-DE" dirty="0" err="1"/>
-              <a:t>Robustness</a:t>
-            </a:r>
-            <a:r>
-              <a:rPr lang="de-DE" dirty="0"/>
-              <a:t> </a:t>
-            </a:r>
-            <a:r>
-              <a:rPr lang="de-DE" dirty="0" err="1"/>
-              <a:t>is</a:t>
-            </a:r>
-            <a:r>
-              <a:rPr lang="de-DE" dirty="0"/>
-              <a:t> </a:t>
-            </a:r>
-            <a:r>
-              <a:rPr lang="de-DE" dirty="0" err="1"/>
-              <a:t>harder</a:t>
-            </a:r>
-            <a:r>
-              <a:rPr lang="de-DE" dirty="0"/>
-              <a:t> </a:t>
-            </a:r>
-            <a:r>
-              <a:rPr lang="de-DE" dirty="0" err="1"/>
-              <a:t>than</a:t>
-            </a:r>
-            <a:r>
-              <a:rPr lang="de-DE" dirty="0"/>
-              <a:t> </a:t>
-            </a:r>
-            <a:r>
-              <a:rPr lang="de-DE" dirty="0" err="1"/>
-              <a:t>simply</a:t>
-            </a:r>
-            <a:r>
-              <a:rPr lang="de-DE" dirty="0"/>
-              <a:t> </a:t>
-            </a:r>
-            <a:r>
-              <a:rPr lang="de-DE" dirty="0" err="1"/>
-              <a:t>achieving</a:t>
-            </a:r>
-            <a:r>
-              <a:rPr lang="de-DE" dirty="0"/>
-              <a:t> high </a:t>
-            </a:r>
-            <a:r>
-              <a:rPr lang="de-DE" dirty="0" err="1"/>
-              <a:t>accuracy</a:t>
-            </a:r>
-            <a:r>
-              <a:rPr lang="de-DE" dirty="0"/>
-              <a:t> on „normal“ </a:t>
-            </a:r>
-            <a:r>
-              <a:rPr lang="de-DE" dirty="0" err="1"/>
-              <a:t>data</a:t>
-            </a:r>
-            <a:r>
-              <a:rPr lang="de-DE" dirty="0"/>
-              <a:t>! </a:t>
-            </a:r>
-            <a:br>
-              <a:rPr lang="de-DE" dirty="0"/>
-            </a:br>
-            <a:r>
-              <a:rPr lang="de-DE" dirty="0"/>
-              <a:t>-&gt; Models </a:t>
-            </a:r>
-            <a:r>
-              <a:rPr lang="de-DE" dirty="0" err="1"/>
-              <a:t>must</a:t>
-            </a:r>
-            <a:r>
-              <a:rPr lang="de-DE" dirty="0"/>
-              <a:t> </a:t>
-            </a:r>
-            <a:r>
-              <a:rPr lang="de-DE" dirty="0" err="1"/>
-              <a:t>be</a:t>
-            </a:r>
-            <a:r>
-              <a:rPr lang="de-DE" dirty="0"/>
-              <a:t> </a:t>
-            </a:r>
-            <a:r>
-              <a:rPr lang="de-DE" dirty="0" err="1"/>
-              <a:t>tested</a:t>
-            </a:r>
-            <a:r>
-              <a:rPr lang="de-DE" dirty="0"/>
-              <a:t> on „</a:t>
-            </a:r>
-            <a:r>
-              <a:rPr lang="de-DE" dirty="0" err="1"/>
-              <a:t>harder</a:t>
-            </a:r>
-            <a:r>
-              <a:rPr lang="de-DE" dirty="0"/>
-              <a:t>“ </a:t>
-            </a:r>
-            <a:r>
-              <a:rPr lang="de-DE" dirty="0" err="1"/>
-              <a:t>data</a:t>
-            </a:r>
-            <a:r>
-              <a:rPr lang="de-DE" dirty="0"/>
-              <a:t> (</a:t>
-            </a:r>
-            <a:r>
-              <a:rPr lang="de-DE" dirty="0" err="1"/>
-              <a:t>adversarial</a:t>
-            </a:r>
-            <a:r>
-              <a:rPr lang="de-DE" dirty="0"/>
-              <a:t>)</a:t>
-            </a:r>
-          </a:p>
+            <a:endParaRPr lang="de-DE" sz="1000" dirty="0"/>
+          </a:p>
+        </p:txBody>
+      </p:sp>
+      <p:sp>
+        <p:nvSpPr>
+          <p:cNvPr id="6" name="Textfeld 5">
+            <a:extLst>
+              <a:ext uri="{FF2B5EF4-FFF2-40B4-BE49-F238E27FC236}">
+                <a16:creationId xmlns:a16="http://schemas.microsoft.com/office/drawing/2014/main" id="{2A099F6F-8B32-F01D-1DBA-6DA5BC63BB6E}"/>
+              </a:ext>
+            </a:extLst>
+          </p:cNvPr>
+          <p:cNvSpPr txBox="1"/>
+          <p:nvPr/>
+        </p:nvSpPr>
+        <p:spPr>
+          <a:xfrm>
+            <a:off x="2206752" y="6486144"/>
+            <a:ext cx="184731" cy="369332"/>
+          </a:xfrm>
+          <a:prstGeom prst="rect">
+            <a:avLst/>
+          </a:prstGeom>
+          <a:noFill/>
+        </p:spPr>
+        <p:txBody>
+          <a:bodyPr wrap="none" rtlCol="0">
+            <a:spAutoFit/>
+          </a:bodyPr>
+          <a:lstStyle/>
           <a:p>
             <a:endParaRPr lang="de-DE" dirty="0"/>
           </a:p>
@@ -11516,7 +13231,7 @@
     </p:spTree>
     <p:extLst>
       <p:ext uri="{BB962C8B-B14F-4D97-AF65-F5344CB8AC3E}">
-        <p14:creationId xmlns:p14="http://schemas.microsoft.com/office/powerpoint/2010/main" val="3956696692"/>
+        <p14:creationId xmlns:p14="http://schemas.microsoft.com/office/powerpoint/2010/main" val="3897387240"/>
       </p:ext>
     </p:extLst>
   </p:cSld>
@@ -11531,7 +13246,13 @@
   <p:cSld>
     <p:spTree>
       <p:nvGrpSpPr>
-        <p:cNvPr id="1" name=""/>
+        <p:cNvPr id="1" name="">
+          <a:extLst>
+            <a:ext uri="{FF2B5EF4-FFF2-40B4-BE49-F238E27FC236}">
+              <a16:creationId xmlns:a16="http://schemas.microsoft.com/office/drawing/2014/main" id="{8FA9ACF0-6CEE-7A65-5206-3B24E36EB2D2}"/>
+            </a:ext>
+          </a:extLst>
+        </p:cNvPr>
         <p:cNvGrpSpPr/>
         <p:nvPr/>
       </p:nvGrpSpPr>
@@ -11543,12 +13264,261 @@
           <a:chExt cx="0" cy="0"/>
         </a:xfrm>
       </p:grpSpPr>
+      <p:sp useBgFill="1">
+        <p:nvSpPr>
+          <p:cNvPr id="4103" name="Rectangle 4102">
+            <a:extLst>
+              <a:ext uri="{FF2B5EF4-FFF2-40B4-BE49-F238E27FC236}">
+                <a16:creationId xmlns:a16="http://schemas.microsoft.com/office/drawing/2014/main" id="{E5CFD4D6-E842-8812-174F-9A19EF046920}"/>
+              </a:ext>
+              <a:ext uri="{C183D7F6-B498-43B3-948B-1728B52AA6E4}">
+                <adec:decorative xmlns:adec="http://schemas.microsoft.com/office/drawing/2017/decorative" val="1"/>
+              </a:ext>
+            </a:extLst>
+          </p:cNvPr>
+          <p:cNvSpPr>
+            <a:spLocks noGrp="1" noRot="1" noChangeAspect="1" noMove="1" noResize="1" noEditPoints="1" noAdjustHandles="1" noChangeArrowheads="1" noChangeShapeType="1" noTextEdit="1"/>
+          </p:cNvSpPr>
+          <p:nvPr>
+            <p:extLst>
+              <p:ext uri="{386F3935-93C4-4BCD-93E2-E3B085C9AB24}">
+                <p16:designElem xmlns:p16="http://schemas.microsoft.com/office/powerpoint/2015/main" val="1"/>
+              </p:ext>
+            </p:extLst>
+          </p:nvPr>
+        </p:nvSpPr>
+        <p:spPr>
+          <a:xfrm>
+            <a:off x="0" y="0"/>
+            <a:ext cx="12192000" cy="6858000"/>
+          </a:xfrm>
+          <a:prstGeom prst="rect">
+            <a:avLst/>
+          </a:prstGeom>
+          <a:ln>
+            <a:noFill/>
+          </a:ln>
+        </p:spPr>
+        <p:style>
+          <a:lnRef idx="2">
+            <a:schemeClr val="accent1">
+              <a:shade val="50000"/>
+            </a:schemeClr>
+          </a:lnRef>
+          <a:fillRef idx="1">
+            <a:schemeClr val="accent1"/>
+          </a:fillRef>
+          <a:effectRef idx="0">
+            <a:schemeClr val="accent1"/>
+          </a:effectRef>
+          <a:fontRef idx="minor">
+            <a:schemeClr val="lt1"/>
+          </a:fontRef>
+        </p:style>
+        <p:txBody>
+          <a:bodyPr rtlCol="0" anchor="ctr"/>
+          <a:lstStyle/>
+          <a:p>
+            <a:pPr algn="ctr"/>
+            <a:endParaRPr lang="en-US"/>
+          </a:p>
+        </p:txBody>
+      </p:sp>
+      <p:sp useBgFill="1">
+        <p:nvSpPr>
+          <p:cNvPr id="4105" name="Rectangle 4104">
+            <a:extLst>
+              <a:ext uri="{FF2B5EF4-FFF2-40B4-BE49-F238E27FC236}">
+                <a16:creationId xmlns:a16="http://schemas.microsoft.com/office/drawing/2014/main" id="{9FB98A59-A082-770D-241D-DC526E070918}"/>
+              </a:ext>
+              <a:ext uri="{C183D7F6-B498-43B3-948B-1728B52AA6E4}">
+                <adec:decorative xmlns:adec="http://schemas.microsoft.com/office/drawing/2017/decorative" val="1"/>
+              </a:ext>
+            </a:extLst>
+          </p:cNvPr>
+          <p:cNvSpPr>
+            <a:spLocks noGrp="1" noRot="1" noChangeAspect="1" noMove="1" noResize="1" noEditPoints="1" noAdjustHandles="1" noChangeArrowheads="1" noChangeShapeType="1" noTextEdit="1"/>
+          </p:cNvSpPr>
+          <p:nvPr>
+            <p:extLst>
+              <p:ext uri="{386F3935-93C4-4BCD-93E2-E3B085C9AB24}">
+                <p16:designElem xmlns:p16="http://schemas.microsoft.com/office/powerpoint/2015/main" val="1"/>
+              </p:ext>
+            </p:extLst>
+          </p:nvPr>
+        </p:nvSpPr>
+        <p:spPr>
+          <a:xfrm>
+            <a:off x="558209" y="0"/>
+            <a:ext cx="11167447" cy="2018806"/>
+          </a:xfrm>
+          <a:prstGeom prst="rect">
+            <a:avLst/>
+          </a:prstGeom>
+          <a:ln w="12700">
+            <a:solidFill>
+              <a:srgbClr val="E1E1E1"/>
+            </a:solidFill>
+          </a:ln>
+          <a:effectLst>
+            <a:outerShdw blurRad="50800" dist="38100" dir="2700000" algn="tl" rotWithShape="0">
+              <a:schemeClr val="bg1">
+                <a:lumMod val="85000"/>
+                <a:alpha val="50000"/>
+              </a:schemeClr>
+            </a:outerShdw>
+          </a:effectLst>
+        </p:spPr>
+        <p:style>
+          <a:lnRef idx="2">
+            <a:schemeClr val="accent1">
+              <a:shade val="50000"/>
+            </a:schemeClr>
+          </a:lnRef>
+          <a:fillRef idx="1">
+            <a:schemeClr val="accent1"/>
+          </a:fillRef>
+          <a:effectRef idx="0">
+            <a:schemeClr val="accent1"/>
+          </a:effectRef>
+          <a:fontRef idx="minor">
+            <a:schemeClr val="lt1"/>
+          </a:fontRef>
+        </p:style>
+        <p:txBody>
+          <a:bodyPr rtlCol="0" anchor="ctr"/>
+          <a:lstStyle/>
+          <a:p>
+            <a:pPr marL="0" marR="0" lvl="0" indent="0" algn="ctr" defTabSz="914400" rtl="0" eaLnBrk="1" fontAlgn="auto" latinLnBrk="0" hangingPunct="1">
+              <a:lnSpc>
+                <a:spcPct val="100000"/>
+              </a:lnSpc>
+              <a:spcBef>
+                <a:spcPts val="0"/>
+              </a:spcBef>
+              <a:spcAft>
+                <a:spcPts val="0"/>
+              </a:spcAft>
+              <a:buClrTx/>
+              <a:buSzTx/>
+              <a:buFontTx/>
+              <a:buNone/>
+              <a:tabLst/>
+              <a:defRPr/>
+            </a:pPr>
+            <a:endParaRPr kumimoji="0" lang="en-US" sz="1800" b="0" i="0" u="none" strike="noStrike" kern="1200" cap="none" spc="0" normalizeH="0" baseline="0" noProof="0">
+              <a:ln>
+                <a:noFill/>
+              </a:ln>
+              <a:solidFill>
+                <a:prstClr val="white"/>
+              </a:solidFill>
+              <a:effectLst/>
+              <a:uLnTx/>
+              <a:uFillTx/>
+              <a:latin typeface="Calibri" panose="020F0502020204030204"/>
+              <a:ea typeface="+mn-ea"/>
+              <a:cs typeface="+mn-cs"/>
+            </a:endParaRPr>
+          </a:p>
+        </p:txBody>
+      </p:sp>
+      <p:sp useBgFill="1">
+        <p:nvSpPr>
+          <p:cNvPr id="4107" name="Rectangle 4106">
+            <a:extLst>
+              <a:ext uri="{FF2B5EF4-FFF2-40B4-BE49-F238E27FC236}">
+                <a16:creationId xmlns:a16="http://schemas.microsoft.com/office/drawing/2014/main" id="{25002887-35F7-36A0-7417-25DB89DAC447}"/>
+              </a:ext>
+              <a:ext uri="{C183D7F6-B498-43B3-948B-1728B52AA6E4}">
+                <adec:decorative xmlns:adec="http://schemas.microsoft.com/office/drawing/2017/decorative" val="1"/>
+              </a:ext>
+            </a:extLst>
+          </p:cNvPr>
+          <p:cNvSpPr>
+            <a:spLocks noGrp="1" noRot="1" noChangeAspect="1" noMove="1" noResize="1" noEditPoints="1" noAdjustHandles="1" noChangeArrowheads="1" noChangeShapeType="1" noTextEdit="1"/>
+          </p:cNvSpPr>
+          <p:nvPr>
+            <p:extLst>
+              <p:ext uri="{386F3935-93C4-4BCD-93E2-E3B085C9AB24}">
+                <p16:designElem xmlns:p16="http://schemas.microsoft.com/office/powerpoint/2015/main" val="1"/>
+              </p:ext>
+            </p:extLst>
+          </p:nvPr>
+        </p:nvSpPr>
+        <p:spPr>
+          <a:xfrm>
+            <a:off x="566928" y="0"/>
+            <a:ext cx="11155680" cy="2011680"/>
+          </a:xfrm>
+          <a:prstGeom prst="rect">
+            <a:avLst/>
+          </a:prstGeom>
+          <a:ln w="12700">
+            <a:noFill/>
+          </a:ln>
+          <a:effectLst/>
+        </p:spPr>
+        <p:style>
+          <a:lnRef idx="2">
+            <a:schemeClr val="accent1">
+              <a:shade val="50000"/>
+            </a:schemeClr>
+          </a:lnRef>
+          <a:fillRef idx="1">
+            <a:schemeClr val="accent1"/>
+          </a:fillRef>
+          <a:effectRef idx="0">
+            <a:schemeClr val="accent1"/>
+          </a:effectRef>
+          <a:fontRef idx="minor">
+            <a:schemeClr val="lt1"/>
+          </a:fontRef>
+        </p:style>
+        <p:txBody>
+          <a:bodyPr rtlCol="0" anchor="ctr"/>
+          <a:lstStyle/>
+          <a:p>
+            <a:pPr marL="0" marR="0" lvl="0" indent="0" algn="ctr" defTabSz="914400" rtl="0" eaLnBrk="1" fontAlgn="auto" latinLnBrk="0" hangingPunct="1">
+              <a:lnSpc>
+                <a:spcPct val="100000"/>
+              </a:lnSpc>
+              <a:spcBef>
+                <a:spcPts val="0"/>
+              </a:spcBef>
+              <a:spcAft>
+                <a:spcPts val="0"/>
+              </a:spcAft>
+              <a:buClrTx/>
+              <a:buSzTx/>
+              <a:buFontTx/>
+              <a:buNone/>
+              <a:tabLst/>
+              <a:defRPr/>
+            </a:pPr>
+            <a:endParaRPr kumimoji="0" lang="en-US" sz="1800" b="0" i="0" u="none" strike="noStrike" kern="1200" cap="none" spc="0" normalizeH="0" baseline="0" noProof="0">
+              <a:ln>
+                <a:noFill/>
+              </a:ln>
+              <a:solidFill>
+                <a:prstClr val="white"/>
+              </a:solidFill>
+              <a:effectLst/>
+              <a:uLnTx/>
+              <a:uFillTx/>
+              <a:latin typeface="Calibri" panose="020F0502020204030204"/>
+              <a:ea typeface="+mn-ea"/>
+              <a:cs typeface="+mn-cs"/>
+            </a:endParaRPr>
+          </a:p>
+        </p:txBody>
+      </p:sp>
       <p:sp>
         <p:nvSpPr>
           <p:cNvPr id="2" name="Titel 1">
             <a:extLst>
               <a:ext uri="{FF2B5EF4-FFF2-40B4-BE49-F238E27FC236}">
-                <a16:creationId xmlns:a16="http://schemas.microsoft.com/office/drawing/2014/main" id="{FDE25261-DD8A-C7EE-68A0-A8029DBF7716}"/>
+                <a16:creationId xmlns:a16="http://schemas.microsoft.com/office/drawing/2014/main" id="{8EB98E29-F1B8-E320-EC10-04026C28CB57}"/>
               </a:ext>
             </a:extLst>
           </p:cNvPr>
@@ -11559,35 +13529,134 @@
             <p:ph type="title"/>
           </p:nvPr>
         </p:nvSpPr>
-        <p:spPr/>
+        <p:spPr>
+          <a:xfrm>
+            <a:off x="1115568" y="548640"/>
+            <a:ext cx="10168128" cy="1179576"/>
+          </a:xfrm>
+        </p:spPr>
         <p:txBody>
-          <a:bodyPr/>
+          <a:bodyPr>
+            <a:normAutofit fontScale="90000"/>
+          </a:bodyPr>
           <a:lstStyle/>
           <a:p>
             <a:r>
-              <a:rPr lang="de-DE" b="1" dirty="0" err="1"/>
+              <a:rPr lang="de-DE" sz="4000" dirty="0" err="1"/>
               <a:t>Measuring</a:t>
             </a:r>
             <a:r>
-              <a:rPr lang="de-DE" b="1" dirty="0"/>
-              <a:t> </a:t>
-            </a:r>
-            <a:r>
-              <a:rPr lang="de-DE" b="1" dirty="0" err="1"/>
+              <a:rPr lang="de-DE" sz="4000" dirty="0"/>
+              <a:t> </a:t>
+            </a:r>
+            <a:r>
+              <a:rPr lang="de-DE" sz="4000" dirty="0" err="1"/>
               <a:t>Answer</a:t>
             </a:r>
             <a:r>
-              <a:rPr lang="de-DE" b="1" dirty="0"/>
+              <a:rPr lang="de-DE" sz="4000" dirty="0"/>
               <a:t> Quality in Political Question Time (</a:t>
             </a:r>
             <a:r>
-              <a:rPr lang="de-DE" b="1" dirty="0" err="1"/>
+              <a:rPr lang="de-DE" sz="4000" dirty="0" err="1"/>
               <a:t>Morrier</a:t>
             </a:r>
             <a:r>
-              <a:rPr lang="de-DE" b="1" dirty="0"/>
+              <a:rPr lang="de-DE" sz="4000" dirty="0"/>
               <a:t> et al., 2025)</a:t>
             </a:r>
+          </a:p>
+        </p:txBody>
+      </p:sp>
+      <p:sp>
+        <p:nvSpPr>
+          <p:cNvPr id="4100" name="Rectangle 4108">
+            <a:extLst>
+              <a:ext uri="{FF2B5EF4-FFF2-40B4-BE49-F238E27FC236}">
+                <a16:creationId xmlns:a16="http://schemas.microsoft.com/office/drawing/2014/main" id="{9EEF4541-6AFC-9040-65F5-DFF2D1ABF682}"/>
+              </a:ext>
+              <a:ext uri="{C183D7F6-B498-43B3-948B-1728B52AA6E4}">
+                <adec:decorative xmlns:adec="http://schemas.microsoft.com/office/drawing/2017/decorative" val="1"/>
+              </a:ext>
+            </a:extLst>
+          </p:cNvPr>
+          <p:cNvSpPr>
+            <a:spLocks noGrp="1" noRot="1" noChangeAspect="1" noMove="1" noResize="1" noEditPoints="1" noAdjustHandles="1" noChangeArrowheads="1" noChangeShapeType="1" noTextEdit="1"/>
+          </p:cNvSpPr>
+          <p:nvPr>
+            <p:extLst>
+              <p:ext uri="{386F3935-93C4-4BCD-93E2-E3B085C9AB24}">
+                <p16:designElem xmlns:p16="http://schemas.microsoft.com/office/powerpoint/2015/main" val="1"/>
+              </p:ext>
+            </p:extLst>
+          </p:nvPr>
+        </p:nvSpPr>
+        <p:spPr>
+          <a:xfrm>
+            <a:off x="498834" y="770799"/>
+            <a:ext cx="128016" cy="704088"/>
+          </a:xfrm>
+          <a:prstGeom prst="rect">
+            <a:avLst/>
+          </a:prstGeom>
+          <a:solidFill>
+            <a:schemeClr val="accent2"/>
+          </a:solidFill>
+          <a:ln>
+            <a:noFill/>
+          </a:ln>
+        </p:spPr>
+        <p:style>
+          <a:lnRef idx="2">
+            <a:schemeClr val="accent1">
+              <a:shade val="50000"/>
+            </a:schemeClr>
+          </a:lnRef>
+          <a:fillRef idx="1">
+            <a:schemeClr val="accent1"/>
+          </a:fillRef>
+          <a:effectRef idx="0">
+            <a:schemeClr val="accent1"/>
+          </a:effectRef>
+          <a:fontRef idx="minor">
+            <a:schemeClr val="lt1"/>
+          </a:fontRef>
+        </p:style>
+        <p:txBody>
+          <a:bodyPr rtlCol="0" anchor="ctr"/>
+          <a:lstStyle/>
+          <a:p>
+            <a:pPr marL="0" marR="0" lvl="0" indent="0" algn="ctr" defTabSz="914400" rtl="0" eaLnBrk="1" fontAlgn="auto" latinLnBrk="0" hangingPunct="1">
+              <a:lnSpc>
+                <a:spcPct val="100000"/>
+              </a:lnSpc>
+              <a:spcBef>
+                <a:spcPts val="0"/>
+              </a:spcBef>
+              <a:spcAft>
+                <a:spcPts val="0"/>
+              </a:spcAft>
+              <a:buClrTx/>
+              <a:buSzTx/>
+              <a:buFontTx/>
+              <a:buNone/>
+              <a:tabLst/>
+              <a:defRPr/>
+            </a:pPr>
+            <a:endParaRPr kumimoji="0" lang="en-US" sz="1800" b="0" i="0" u="none" strike="noStrike" kern="1200" cap="none" spc="0" normalizeH="0" baseline="0" noProof="0">
+              <a:ln>
+                <a:noFill/>
+              </a:ln>
+              <a:solidFill>
+                <a:prstClr val="white"/>
+              </a:solidFill>
+              <a:effectLst/>
+              <a:uLnTx/>
+              <a:uFillTx/>
+              <a:latin typeface="Calibri" panose="020F0502020204030204"/>
+              <a:ea typeface="+mn-ea"/>
+              <a:cs typeface="+mn-cs"/>
+            </a:endParaRPr>
           </a:p>
         </p:txBody>
       </p:sp>
@@ -11596,7 +13665,7 @@
           <p:cNvPr id="3" name="Inhaltsplatzhalter 2">
             <a:extLst>
               <a:ext uri="{FF2B5EF4-FFF2-40B4-BE49-F238E27FC236}">
-                <a16:creationId xmlns:a16="http://schemas.microsoft.com/office/drawing/2014/main" id="{B285253F-42FD-96CA-4009-442D2C04311C}"/>
+                <a16:creationId xmlns:a16="http://schemas.microsoft.com/office/drawing/2014/main" id="{DD7EE54C-B46C-FF27-0C5C-A31F34A74DC8}"/>
               </a:ext>
             </a:extLst>
           </p:cNvPr>
@@ -11607,10 +13676,15 @@
             <p:ph idx="1"/>
           </p:nvPr>
         </p:nvSpPr>
-        <p:spPr/>
+        <p:spPr>
+          <a:xfrm>
+            <a:off x="626851" y="2478024"/>
+            <a:ext cx="10656846" cy="3557651"/>
+          </a:xfrm>
+        </p:spPr>
         <p:txBody>
-          <a:bodyPr>
-            <a:normAutofit lnSpcReduction="10000"/>
+          <a:bodyPr anchor="ctr">
+            <a:normAutofit fontScale="92500" lnSpcReduction="20000"/>
           </a:bodyPr>
           <a:lstStyle/>
           <a:p>
@@ -12193,14 +14267,67 @@
               <a:t> link.</a:t>
             </a:r>
           </a:p>
-          <a:p>
-            <a:pPr fontAlgn="ctr"/>
-            <a:endParaRPr lang="de-DE" dirty="0"/>
-          </a:p>
-          <a:p>
-            <a:pPr lvl="1" fontAlgn="ctr"/>
-            <a:endParaRPr lang="de-DE" dirty="0"/>
-          </a:p>
+        </p:txBody>
+      </p:sp>
+      <p:sp>
+        <p:nvSpPr>
+          <p:cNvPr id="5" name="Fußzeilenplatzhalter 4">
+            <a:extLst>
+              <a:ext uri="{FF2B5EF4-FFF2-40B4-BE49-F238E27FC236}">
+                <a16:creationId xmlns:a16="http://schemas.microsoft.com/office/drawing/2014/main" id="{A965C1A8-C24F-033E-3848-0E3CEB1372F7}"/>
+              </a:ext>
+            </a:extLst>
+          </p:cNvPr>
+          <p:cNvSpPr>
+            <a:spLocks noGrp="1"/>
+          </p:cNvSpPr>
+          <p:nvPr>
+            <p:ph type="ftr" sz="quarter" idx="11"/>
+          </p:nvPr>
+        </p:nvSpPr>
+        <p:spPr>
+          <a:xfrm>
+            <a:off x="498834" y="6172200"/>
+            <a:ext cx="11223774" cy="549275"/>
+          </a:xfrm>
+        </p:spPr>
+        <p:txBody>
+          <a:bodyPr>
+            <a:noAutofit/>
+          </a:bodyPr>
+          <a:lstStyle/>
+          <a:p>
+            <a:endParaRPr lang="de-DE" sz="1000" dirty="0"/>
+          </a:p>
+        </p:txBody>
+      </p:sp>
+      <p:sp>
+        <p:nvSpPr>
+          <p:cNvPr id="6" name="Textfeld 5">
+            <a:extLst>
+              <a:ext uri="{FF2B5EF4-FFF2-40B4-BE49-F238E27FC236}">
+                <a16:creationId xmlns:a16="http://schemas.microsoft.com/office/drawing/2014/main" id="{9FFC84D6-B68A-4800-9ECF-B4F87E712E5B}"/>
+              </a:ext>
+            </a:extLst>
+          </p:cNvPr>
+          <p:cNvSpPr txBox="1"/>
+          <p:nvPr/>
+        </p:nvSpPr>
+        <p:spPr>
+          <a:xfrm>
+            <a:off x="2206752" y="6486144"/>
+            <a:ext cx="184731" cy="369332"/>
+          </a:xfrm>
+          <a:prstGeom prst="rect">
+            <a:avLst/>
+          </a:prstGeom>
+          <a:noFill/>
+        </p:spPr>
+        <p:txBody>
+          <a:bodyPr wrap="none" rtlCol="0">
+            <a:spAutoFit/>
+          </a:bodyPr>
+          <a:lstStyle/>
           <a:p>
             <a:endParaRPr lang="de-DE" dirty="0"/>
           </a:p>
@@ -12209,7 +14336,7 @@
     </p:spTree>
     <p:extLst>
       <p:ext uri="{BB962C8B-B14F-4D97-AF65-F5344CB8AC3E}">
-        <p14:creationId xmlns:p14="http://schemas.microsoft.com/office/powerpoint/2010/main" val="3905657323"/>
+        <p14:creationId xmlns:p14="http://schemas.microsoft.com/office/powerpoint/2010/main" val="3307234629"/>
       </p:ext>
     </p:extLst>
   </p:cSld>
@@ -12224,7 +14351,13 @@
   <p:cSld>
     <p:spTree>
       <p:nvGrpSpPr>
-        <p:cNvPr id="1" name=""/>
+        <p:cNvPr id="1" name="">
+          <a:extLst>
+            <a:ext uri="{FF2B5EF4-FFF2-40B4-BE49-F238E27FC236}">
+              <a16:creationId xmlns:a16="http://schemas.microsoft.com/office/drawing/2014/main" id="{A48B7A3A-9148-C549-C39B-F12E1283ED3B}"/>
+            </a:ext>
+          </a:extLst>
+        </p:cNvPr>
         <p:cNvGrpSpPr/>
         <p:nvPr/>
       </p:nvGrpSpPr>
@@ -12236,12 +14369,261 @@
           <a:chExt cx="0" cy="0"/>
         </a:xfrm>
       </p:grpSpPr>
+      <p:sp useBgFill="1">
+        <p:nvSpPr>
+          <p:cNvPr id="4103" name="Rectangle 4102">
+            <a:extLst>
+              <a:ext uri="{FF2B5EF4-FFF2-40B4-BE49-F238E27FC236}">
+                <a16:creationId xmlns:a16="http://schemas.microsoft.com/office/drawing/2014/main" id="{B3F29C76-3873-8634-C299-2CD2C4DF3162}"/>
+              </a:ext>
+              <a:ext uri="{C183D7F6-B498-43B3-948B-1728B52AA6E4}">
+                <adec:decorative xmlns:adec="http://schemas.microsoft.com/office/drawing/2017/decorative" val="1"/>
+              </a:ext>
+            </a:extLst>
+          </p:cNvPr>
+          <p:cNvSpPr>
+            <a:spLocks noGrp="1" noRot="1" noChangeAspect="1" noMove="1" noResize="1" noEditPoints="1" noAdjustHandles="1" noChangeArrowheads="1" noChangeShapeType="1" noTextEdit="1"/>
+          </p:cNvSpPr>
+          <p:nvPr>
+            <p:extLst>
+              <p:ext uri="{386F3935-93C4-4BCD-93E2-E3B085C9AB24}">
+                <p16:designElem xmlns:p16="http://schemas.microsoft.com/office/powerpoint/2015/main" val="1"/>
+              </p:ext>
+            </p:extLst>
+          </p:nvPr>
+        </p:nvSpPr>
+        <p:spPr>
+          <a:xfrm>
+            <a:off x="0" y="0"/>
+            <a:ext cx="12192000" cy="6858000"/>
+          </a:xfrm>
+          <a:prstGeom prst="rect">
+            <a:avLst/>
+          </a:prstGeom>
+          <a:ln>
+            <a:noFill/>
+          </a:ln>
+        </p:spPr>
+        <p:style>
+          <a:lnRef idx="2">
+            <a:schemeClr val="accent1">
+              <a:shade val="50000"/>
+            </a:schemeClr>
+          </a:lnRef>
+          <a:fillRef idx="1">
+            <a:schemeClr val="accent1"/>
+          </a:fillRef>
+          <a:effectRef idx="0">
+            <a:schemeClr val="accent1"/>
+          </a:effectRef>
+          <a:fontRef idx="minor">
+            <a:schemeClr val="lt1"/>
+          </a:fontRef>
+        </p:style>
+        <p:txBody>
+          <a:bodyPr rtlCol="0" anchor="ctr"/>
+          <a:lstStyle/>
+          <a:p>
+            <a:pPr algn="ctr"/>
+            <a:endParaRPr lang="en-US"/>
+          </a:p>
+        </p:txBody>
+      </p:sp>
+      <p:sp useBgFill="1">
+        <p:nvSpPr>
+          <p:cNvPr id="4105" name="Rectangle 4104">
+            <a:extLst>
+              <a:ext uri="{FF2B5EF4-FFF2-40B4-BE49-F238E27FC236}">
+                <a16:creationId xmlns:a16="http://schemas.microsoft.com/office/drawing/2014/main" id="{FDF791AC-1F0D-D289-74E8-E96EB7A2DAFB}"/>
+              </a:ext>
+              <a:ext uri="{C183D7F6-B498-43B3-948B-1728B52AA6E4}">
+                <adec:decorative xmlns:adec="http://schemas.microsoft.com/office/drawing/2017/decorative" val="1"/>
+              </a:ext>
+            </a:extLst>
+          </p:cNvPr>
+          <p:cNvSpPr>
+            <a:spLocks noGrp="1" noRot="1" noChangeAspect="1" noMove="1" noResize="1" noEditPoints="1" noAdjustHandles="1" noChangeArrowheads="1" noChangeShapeType="1" noTextEdit="1"/>
+          </p:cNvSpPr>
+          <p:nvPr>
+            <p:extLst>
+              <p:ext uri="{386F3935-93C4-4BCD-93E2-E3B085C9AB24}">
+                <p16:designElem xmlns:p16="http://schemas.microsoft.com/office/powerpoint/2015/main" val="1"/>
+              </p:ext>
+            </p:extLst>
+          </p:nvPr>
+        </p:nvSpPr>
+        <p:spPr>
+          <a:xfrm>
+            <a:off x="558209" y="0"/>
+            <a:ext cx="11167447" cy="2018806"/>
+          </a:xfrm>
+          <a:prstGeom prst="rect">
+            <a:avLst/>
+          </a:prstGeom>
+          <a:ln w="12700">
+            <a:solidFill>
+              <a:srgbClr val="E1E1E1"/>
+            </a:solidFill>
+          </a:ln>
+          <a:effectLst>
+            <a:outerShdw blurRad="50800" dist="38100" dir="2700000" algn="tl" rotWithShape="0">
+              <a:schemeClr val="bg1">
+                <a:lumMod val="85000"/>
+                <a:alpha val="50000"/>
+              </a:schemeClr>
+            </a:outerShdw>
+          </a:effectLst>
+        </p:spPr>
+        <p:style>
+          <a:lnRef idx="2">
+            <a:schemeClr val="accent1">
+              <a:shade val="50000"/>
+            </a:schemeClr>
+          </a:lnRef>
+          <a:fillRef idx="1">
+            <a:schemeClr val="accent1"/>
+          </a:fillRef>
+          <a:effectRef idx="0">
+            <a:schemeClr val="accent1"/>
+          </a:effectRef>
+          <a:fontRef idx="minor">
+            <a:schemeClr val="lt1"/>
+          </a:fontRef>
+        </p:style>
+        <p:txBody>
+          <a:bodyPr rtlCol="0" anchor="ctr"/>
+          <a:lstStyle/>
+          <a:p>
+            <a:pPr marL="0" marR="0" lvl="0" indent="0" algn="ctr" defTabSz="914400" rtl="0" eaLnBrk="1" fontAlgn="auto" latinLnBrk="0" hangingPunct="1">
+              <a:lnSpc>
+                <a:spcPct val="100000"/>
+              </a:lnSpc>
+              <a:spcBef>
+                <a:spcPts val="0"/>
+              </a:spcBef>
+              <a:spcAft>
+                <a:spcPts val="0"/>
+              </a:spcAft>
+              <a:buClrTx/>
+              <a:buSzTx/>
+              <a:buFontTx/>
+              <a:buNone/>
+              <a:tabLst/>
+              <a:defRPr/>
+            </a:pPr>
+            <a:endParaRPr kumimoji="0" lang="en-US" sz="1800" b="0" i="0" u="none" strike="noStrike" kern="1200" cap="none" spc="0" normalizeH="0" baseline="0" noProof="0">
+              <a:ln>
+                <a:noFill/>
+              </a:ln>
+              <a:solidFill>
+                <a:prstClr val="white"/>
+              </a:solidFill>
+              <a:effectLst/>
+              <a:uLnTx/>
+              <a:uFillTx/>
+              <a:latin typeface="Calibri" panose="020F0502020204030204"/>
+              <a:ea typeface="+mn-ea"/>
+              <a:cs typeface="+mn-cs"/>
+            </a:endParaRPr>
+          </a:p>
+        </p:txBody>
+      </p:sp>
+      <p:sp useBgFill="1">
+        <p:nvSpPr>
+          <p:cNvPr id="4107" name="Rectangle 4106">
+            <a:extLst>
+              <a:ext uri="{FF2B5EF4-FFF2-40B4-BE49-F238E27FC236}">
+                <a16:creationId xmlns:a16="http://schemas.microsoft.com/office/drawing/2014/main" id="{7AFAE8D0-BDC1-524D-23E4-BB41F93E5545}"/>
+              </a:ext>
+              <a:ext uri="{C183D7F6-B498-43B3-948B-1728B52AA6E4}">
+                <adec:decorative xmlns:adec="http://schemas.microsoft.com/office/drawing/2017/decorative" val="1"/>
+              </a:ext>
+            </a:extLst>
+          </p:cNvPr>
+          <p:cNvSpPr>
+            <a:spLocks noGrp="1" noRot="1" noChangeAspect="1" noMove="1" noResize="1" noEditPoints="1" noAdjustHandles="1" noChangeArrowheads="1" noChangeShapeType="1" noTextEdit="1"/>
+          </p:cNvSpPr>
+          <p:nvPr>
+            <p:extLst>
+              <p:ext uri="{386F3935-93C4-4BCD-93E2-E3B085C9AB24}">
+                <p16:designElem xmlns:p16="http://schemas.microsoft.com/office/powerpoint/2015/main" val="1"/>
+              </p:ext>
+            </p:extLst>
+          </p:nvPr>
+        </p:nvSpPr>
+        <p:spPr>
+          <a:xfrm>
+            <a:off x="566928" y="0"/>
+            <a:ext cx="11155680" cy="2011680"/>
+          </a:xfrm>
+          <a:prstGeom prst="rect">
+            <a:avLst/>
+          </a:prstGeom>
+          <a:ln w="12700">
+            <a:noFill/>
+          </a:ln>
+          <a:effectLst/>
+        </p:spPr>
+        <p:style>
+          <a:lnRef idx="2">
+            <a:schemeClr val="accent1">
+              <a:shade val="50000"/>
+            </a:schemeClr>
+          </a:lnRef>
+          <a:fillRef idx="1">
+            <a:schemeClr val="accent1"/>
+          </a:fillRef>
+          <a:effectRef idx="0">
+            <a:schemeClr val="accent1"/>
+          </a:effectRef>
+          <a:fontRef idx="minor">
+            <a:schemeClr val="lt1"/>
+          </a:fontRef>
+        </p:style>
+        <p:txBody>
+          <a:bodyPr rtlCol="0" anchor="ctr"/>
+          <a:lstStyle/>
+          <a:p>
+            <a:pPr marL="0" marR="0" lvl="0" indent="0" algn="ctr" defTabSz="914400" rtl="0" eaLnBrk="1" fontAlgn="auto" latinLnBrk="0" hangingPunct="1">
+              <a:lnSpc>
+                <a:spcPct val="100000"/>
+              </a:lnSpc>
+              <a:spcBef>
+                <a:spcPts val="0"/>
+              </a:spcBef>
+              <a:spcAft>
+                <a:spcPts val="0"/>
+              </a:spcAft>
+              <a:buClrTx/>
+              <a:buSzTx/>
+              <a:buFontTx/>
+              <a:buNone/>
+              <a:tabLst/>
+              <a:defRPr/>
+            </a:pPr>
+            <a:endParaRPr kumimoji="0" lang="en-US" sz="1800" b="0" i="0" u="none" strike="noStrike" kern="1200" cap="none" spc="0" normalizeH="0" baseline="0" noProof="0">
+              <a:ln>
+                <a:noFill/>
+              </a:ln>
+              <a:solidFill>
+                <a:prstClr val="white"/>
+              </a:solidFill>
+              <a:effectLst/>
+              <a:uLnTx/>
+              <a:uFillTx/>
+              <a:latin typeface="Calibri" panose="020F0502020204030204"/>
+              <a:ea typeface="+mn-ea"/>
+              <a:cs typeface="+mn-cs"/>
+            </a:endParaRPr>
+          </a:p>
+        </p:txBody>
+      </p:sp>
       <p:sp>
         <p:nvSpPr>
           <p:cNvPr id="2" name="Titel 1">
             <a:extLst>
               <a:ext uri="{FF2B5EF4-FFF2-40B4-BE49-F238E27FC236}">
-                <a16:creationId xmlns:a16="http://schemas.microsoft.com/office/drawing/2014/main" id="{1C0983D0-4D3D-4B40-03C8-EA446CC0F986}"/>
+                <a16:creationId xmlns:a16="http://schemas.microsoft.com/office/drawing/2014/main" id="{E960E09B-4E4A-3E75-D009-2DF6A83CCFB0}"/>
               </a:ext>
             </a:extLst>
           </p:cNvPr>
@@ -12252,12 +14634,134 @@
             <p:ph type="title"/>
           </p:nvPr>
         </p:nvSpPr>
-        <p:spPr/>
+        <p:spPr>
+          <a:xfrm>
+            <a:off x="1115568" y="548640"/>
+            <a:ext cx="10168128" cy="1179576"/>
+          </a:xfrm>
+        </p:spPr>
         <p:txBody>
-          <a:bodyPr/>
+          <a:bodyPr>
+            <a:normAutofit fontScale="90000"/>
+          </a:bodyPr>
           <a:lstStyle/>
           <a:p>
-            <a:endParaRPr lang="de-DE"/>
+            <a:r>
+              <a:rPr lang="de-DE" sz="4000" dirty="0" err="1"/>
+              <a:t>Measuring</a:t>
+            </a:r>
+            <a:r>
+              <a:rPr lang="de-DE" sz="4000" dirty="0"/>
+              <a:t> </a:t>
+            </a:r>
+            <a:r>
+              <a:rPr lang="de-DE" sz="4000" dirty="0" err="1"/>
+              <a:t>Answer</a:t>
+            </a:r>
+            <a:r>
+              <a:rPr lang="de-DE" sz="4000" dirty="0"/>
+              <a:t> Quality in Political Question Time (</a:t>
+            </a:r>
+            <a:r>
+              <a:rPr lang="de-DE" sz="4000" dirty="0" err="1"/>
+              <a:t>Morrier</a:t>
+            </a:r>
+            <a:r>
+              <a:rPr lang="de-DE" sz="4000" dirty="0"/>
+              <a:t> et al., 2025)</a:t>
+            </a:r>
+          </a:p>
+        </p:txBody>
+      </p:sp>
+      <p:sp>
+        <p:nvSpPr>
+          <p:cNvPr id="4100" name="Rectangle 4108">
+            <a:extLst>
+              <a:ext uri="{FF2B5EF4-FFF2-40B4-BE49-F238E27FC236}">
+                <a16:creationId xmlns:a16="http://schemas.microsoft.com/office/drawing/2014/main" id="{6A79C608-1D92-C855-9AED-22FE72CB45EB}"/>
+              </a:ext>
+              <a:ext uri="{C183D7F6-B498-43B3-948B-1728B52AA6E4}">
+                <adec:decorative xmlns:adec="http://schemas.microsoft.com/office/drawing/2017/decorative" val="1"/>
+              </a:ext>
+            </a:extLst>
+          </p:cNvPr>
+          <p:cNvSpPr>
+            <a:spLocks noGrp="1" noRot="1" noChangeAspect="1" noMove="1" noResize="1" noEditPoints="1" noAdjustHandles="1" noChangeArrowheads="1" noChangeShapeType="1" noTextEdit="1"/>
+          </p:cNvSpPr>
+          <p:nvPr>
+            <p:extLst>
+              <p:ext uri="{386F3935-93C4-4BCD-93E2-E3B085C9AB24}">
+                <p16:designElem xmlns:p16="http://schemas.microsoft.com/office/powerpoint/2015/main" val="1"/>
+              </p:ext>
+            </p:extLst>
+          </p:nvPr>
+        </p:nvSpPr>
+        <p:spPr>
+          <a:xfrm>
+            <a:off x="498834" y="770799"/>
+            <a:ext cx="128016" cy="704088"/>
+          </a:xfrm>
+          <a:prstGeom prst="rect">
+            <a:avLst/>
+          </a:prstGeom>
+          <a:solidFill>
+            <a:schemeClr val="accent2"/>
+          </a:solidFill>
+          <a:ln>
+            <a:noFill/>
+          </a:ln>
+        </p:spPr>
+        <p:style>
+          <a:lnRef idx="2">
+            <a:schemeClr val="accent1">
+              <a:shade val="50000"/>
+            </a:schemeClr>
+          </a:lnRef>
+          <a:fillRef idx="1">
+            <a:schemeClr val="accent1"/>
+          </a:fillRef>
+          <a:effectRef idx="0">
+            <a:schemeClr val="accent1"/>
+          </a:effectRef>
+          <a:fontRef idx="minor">
+            <a:schemeClr val="lt1"/>
+          </a:fontRef>
+        </p:style>
+        <p:txBody>
+          <a:bodyPr rtlCol="0" anchor="ctr"/>
+          <a:lstStyle/>
+          <a:p>
+            <a:pPr marL="0" marR="0" lvl="0" indent="0" algn="ctr" defTabSz="914400" rtl="0" eaLnBrk="1" fontAlgn="auto" latinLnBrk="0" hangingPunct="1">
+              <a:lnSpc>
+                <a:spcPct val="100000"/>
+              </a:lnSpc>
+              <a:spcBef>
+                <a:spcPts val="0"/>
+              </a:spcBef>
+              <a:spcAft>
+                <a:spcPts val="0"/>
+              </a:spcAft>
+              <a:buClrTx/>
+              <a:buSzTx/>
+              <a:buFontTx/>
+              <a:buNone/>
+              <a:tabLst/>
+              <a:defRPr/>
+            </a:pPr>
+            <a:endParaRPr kumimoji="0" lang="en-US" sz="1800" b="0" i="0" u="none" strike="noStrike" kern="1200" cap="none" spc="0" normalizeH="0" baseline="0" noProof="0">
+              <a:ln>
+                <a:noFill/>
+              </a:ln>
+              <a:solidFill>
+                <a:prstClr val="white"/>
+              </a:solidFill>
+              <a:effectLst/>
+              <a:uLnTx/>
+              <a:uFillTx/>
+              <a:latin typeface="Calibri" panose="020F0502020204030204"/>
+              <a:ea typeface="+mn-ea"/>
+              <a:cs typeface="+mn-cs"/>
+            </a:endParaRPr>
           </a:p>
         </p:txBody>
       </p:sp>
@@ -12266,7 +14770,7 @@
           <p:cNvPr id="3" name="Inhaltsplatzhalter 2">
             <a:extLst>
               <a:ext uri="{FF2B5EF4-FFF2-40B4-BE49-F238E27FC236}">
-                <a16:creationId xmlns:a16="http://schemas.microsoft.com/office/drawing/2014/main" id="{EA023F43-CD46-C4AA-0911-892C3AB61035}"/>
+                <a16:creationId xmlns:a16="http://schemas.microsoft.com/office/drawing/2014/main" id="{B2C9F310-FEF4-3DBC-4107-8E1A5ACB10B2}"/>
               </a:ext>
             </a:extLst>
           </p:cNvPr>
@@ -12277,9 +14781,16 @@
             <p:ph idx="1"/>
           </p:nvPr>
         </p:nvSpPr>
-        <p:spPr/>
+        <p:spPr>
+          <a:xfrm>
+            <a:off x="626851" y="2478024"/>
+            <a:ext cx="10656846" cy="3557651"/>
+          </a:xfrm>
+        </p:spPr>
         <p:txBody>
-          <a:bodyPr/>
+          <a:bodyPr anchor="ctr">
+            <a:normAutofit/>
+          </a:bodyPr>
           <a:lstStyle/>
           <a:p>
             <a:pPr fontAlgn="ctr"/>
@@ -12696,6 +15207,67 @@
               <a:t>.</a:t>
             </a:r>
           </a:p>
+        </p:txBody>
+      </p:sp>
+      <p:sp>
+        <p:nvSpPr>
+          <p:cNvPr id="5" name="Fußzeilenplatzhalter 4">
+            <a:extLst>
+              <a:ext uri="{FF2B5EF4-FFF2-40B4-BE49-F238E27FC236}">
+                <a16:creationId xmlns:a16="http://schemas.microsoft.com/office/drawing/2014/main" id="{1719290E-78B1-88F0-D0C7-C0CD58575908}"/>
+              </a:ext>
+            </a:extLst>
+          </p:cNvPr>
+          <p:cNvSpPr>
+            <a:spLocks noGrp="1"/>
+          </p:cNvSpPr>
+          <p:nvPr>
+            <p:ph type="ftr" sz="quarter" idx="11"/>
+          </p:nvPr>
+        </p:nvSpPr>
+        <p:spPr>
+          <a:xfrm>
+            <a:off x="498834" y="6172200"/>
+            <a:ext cx="11223774" cy="549275"/>
+          </a:xfrm>
+        </p:spPr>
+        <p:txBody>
+          <a:bodyPr>
+            <a:noAutofit/>
+          </a:bodyPr>
+          <a:lstStyle/>
+          <a:p>
+            <a:endParaRPr lang="de-DE" sz="1000" dirty="0"/>
+          </a:p>
+        </p:txBody>
+      </p:sp>
+      <p:sp>
+        <p:nvSpPr>
+          <p:cNvPr id="6" name="Textfeld 5">
+            <a:extLst>
+              <a:ext uri="{FF2B5EF4-FFF2-40B4-BE49-F238E27FC236}">
+                <a16:creationId xmlns:a16="http://schemas.microsoft.com/office/drawing/2014/main" id="{8C55BC1C-2987-F1FE-DD4F-13E0BBDB4577}"/>
+              </a:ext>
+            </a:extLst>
+          </p:cNvPr>
+          <p:cNvSpPr txBox="1"/>
+          <p:nvPr/>
+        </p:nvSpPr>
+        <p:spPr>
+          <a:xfrm>
+            <a:off x="2206752" y="6486144"/>
+            <a:ext cx="184731" cy="369332"/>
+          </a:xfrm>
+          <a:prstGeom prst="rect">
+            <a:avLst/>
+          </a:prstGeom>
+          <a:noFill/>
+        </p:spPr>
+        <p:txBody>
+          <a:bodyPr wrap="none" rtlCol="0">
+            <a:spAutoFit/>
+          </a:bodyPr>
+          <a:lstStyle/>
           <a:p>
             <a:endParaRPr lang="de-DE" dirty="0"/>
           </a:p>
@@ -12704,7 +15276,7 @@
     </p:spTree>
     <p:extLst>
       <p:ext uri="{BB962C8B-B14F-4D97-AF65-F5344CB8AC3E}">
-        <p14:creationId xmlns:p14="http://schemas.microsoft.com/office/powerpoint/2010/main" val="1523754686"/>
+        <p14:creationId xmlns:p14="http://schemas.microsoft.com/office/powerpoint/2010/main" val="441601361"/>
       </p:ext>
     </p:extLst>
   </p:cSld>
@@ -12719,7 +15291,13 @@
   <p:cSld>
     <p:spTree>
       <p:nvGrpSpPr>
-        <p:cNvPr id="1" name=""/>
+        <p:cNvPr id="1" name="">
+          <a:extLst>
+            <a:ext uri="{FF2B5EF4-FFF2-40B4-BE49-F238E27FC236}">
+              <a16:creationId xmlns:a16="http://schemas.microsoft.com/office/drawing/2014/main" id="{F7DDA22A-5899-BCAD-1E76-1155EA64F92A}"/>
+            </a:ext>
+          </a:extLst>
+        </p:cNvPr>
         <p:cNvGrpSpPr/>
         <p:nvPr/>
       </p:nvGrpSpPr>
@@ -12731,12 +15309,261 @@
           <a:chExt cx="0" cy="0"/>
         </a:xfrm>
       </p:grpSpPr>
+      <p:sp useBgFill="1">
+        <p:nvSpPr>
+          <p:cNvPr id="4103" name="Rectangle 4102">
+            <a:extLst>
+              <a:ext uri="{FF2B5EF4-FFF2-40B4-BE49-F238E27FC236}">
+                <a16:creationId xmlns:a16="http://schemas.microsoft.com/office/drawing/2014/main" id="{B1DA02DF-5AE6-8E22-D913-C6E0B2AA0169}"/>
+              </a:ext>
+              <a:ext uri="{C183D7F6-B498-43B3-948B-1728B52AA6E4}">
+                <adec:decorative xmlns:adec="http://schemas.microsoft.com/office/drawing/2017/decorative" val="1"/>
+              </a:ext>
+            </a:extLst>
+          </p:cNvPr>
+          <p:cNvSpPr>
+            <a:spLocks noGrp="1" noRot="1" noChangeAspect="1" noMove="1" noResize="1" noEditPoints="1" noAdjustHandles="1" noChangeArrowheads="1" noChangeShapeType="1" noTextEdit="1"/>
+          </p:cNvSpPr>
+          <p:nvPr>
+            <p:extLst>
+              <p:ext uri="{386F3935-93C4-4BCD-93E2-E3B085C9AB24}">
+                <p16:designElem xmlns:p16="http://schemas.microsoft.com/office/powerpoint/2015/main" val="1"/>
+              </p:ext>
+            </p:extLst>
+          </p:nvPr>
+        </p:nvSpPr>
+        <p:spPr>
+          <a:xfrm>
+            <a:off x="0" y="0"/>
+            <a:ext cx="12192000" cy="6858000"/>
+          </a:xfrm>
+          <a:prstGeom prst="rect">
+            <a:avLst/>
+          </a:prstGeom>
+          <a:ln>
+            <a:noFill/>
+          </a:ln>
+        </p:spPr>
+        <p:style>
+          <a:lnRef idx="2">
+            <a:schemeClr val="accent1">
+              <a:shade val="50000"/>
+            </a:schemeClr>
+          </a:lnRef>
+          <a:fillRef idx="1">
+            <a:schemeClr val="accent1"/>
+          </a:fillRef>
+          <a:effectRef idx="0">
+            <a:schemeClr val="accent1"/>
+          </a:effectRef>
+          <a:fontRef idx="minor">
+            <a:schemeClr val="lt1"/>
+          </a:fontRef>
+        </p:style>
+        <p:txBody>
+          <a:bodyPr rtlCol="0" anchor="ctr"/>
+          <a:lstStyle/>
+          <a:p>
+            <a:pPr algn="ctr"/>
+            <a:endParaRPr lang="en-US"/>
+          </a:p>
+        </p:txBody>
+      </p:sp>
+      <p:sp useBgFill="1">
+        <p:nvSpPr>
+          <p:cNvPr id="4105" name="Rectangle 4104">
+            <a:extLst>
+              <a:ext uri="{FF2B5EF4-FFF2-40B4-BE49-F238E27FC236}">
+                <a16:creationId xmlns:a16="http://schemas.microsoft.com/office/drawing/2014/main" id="{97F5925C-F5A1-C8E2-6642-5889159FE9C2}"/>
+              </a:ext>
+              <a:ext uri="{C183D7F6-B498-43B3-948B-1728B52AA6E4}">
+                <adec:decorative xmlns:adec="http://schemas.microsoft.com/office/drawing/2017/decorative" val="1"/>
+              </a:ext>
+            </a:extLst>
+          </p:cNvPr>
+          <p:cNvSpPr>
+            <a:spLocks noGrp="1" noRot="1" noChangeAspect="1" noMove="1" noResize="1" noEditPoints="1" noAdjustHandles="1" noChangeArrowheads="1" noChangeShapeType="1" noTextEdit="1"/>
+          </p:cNvSpPr>
+          <p:nvPr>
+            <p:extLst>
+              <p:ext uri="{386F3935-93C4-4BCD-93E2-E3B085C9AB24}">
+                <p16:designElem xmlns:p16="http://schemas.microsoft.com/office/powerpoint/2015/main" val="1"/>
+              </p:ext>
+            </p:extLst>
+          </p:nvPr>
+        </p:nvSpPr>
+        <p:spPr>
+          <a:xfrm>
+            <a:off x="558209" y="0"/>
+            <a:ext cx="11167447" cy="2018806"/>
+          </a:xfrm>
+          <a:prstGeom prst="rect">
+            <a:avLst/>
+          </a:prstGeom>
+          <a:ln w="12700">
+            <a:solidFill>
+              <a:srgbClr val="E1E1E1"/>
+            </a:solidFill>
+          </a:ln>
+          <a:effectLst>
+            <a:outerShdw blurRad="50800" dist="38100" dir="2700000" algn="tl" rotWithShape="0">
+              <a:schemeClr val="bg1">
+                <a:lumMod val="85000"/>
+                <a:alpha val="50000"/>
+              </a:schemeClr>
+            </a:outerShdw>
+          </a:effectLst>
+        </p:spPr>
+        <p:style>
+          <a:lnRef idx="2">
+            <a:schemeClr val="accent1">
+              <a:shade val="50000"/>
+            </a:schemeClr>
+          </a:lnRef>
+          <a:fillRef idx="1">
+            <a:schemeClr val="accent1"/>
+          </a:fillRef>
+          <a:effectRef idx="0">
+            <a:schemeClr val="accent1"/>
+          </a:effectRef>
+          <a:fontRef idx="minor">
+            <a:schemeClr val="lt1"/>
+          </a:fontRef>
+        </p:style>
+        <p:txBody>
+          <a:bodyPr rtlCol="0" anchor="ctr"/>
+          <a:lstStyle/>
+          <a:p>
+            <a:pPr marL="0" marR="0" lvl="0" indent="0" algn="ctr" defTabSz="914400" rtl="0" eaLnBrk="1" fontAlgn="auto" latinLnBrk="0" hangingPunct="1">
+              <a:lnSpc>
+                <a:spcPct val="100000"/>
+              </a:lnSpc>
+              <a:spcBef>
+                <a:spcPts val="0"/>
+              </a:spcBef>
+              <a:spcAft>
+                <a:spcPts val="0"/>
+              </a:spcAft>
+              <a:buClrTx/>
+              <a:buSzTx/>
+              <a:buFontTx/>
+              <a:buNone/>
+              <a:tabLst/>
+              <a:defRPr/>
+            </a:pPr>
+            <a:endParaRPr kumimoji="0" lang="en-US" sz="1800" b="0" i="0" u="none" strike="noStrike" kern="1200" cap="none" spc="0" normalizeH="0" baseline="0" noProof="0">
+              <a:ln>
+                <a:noFill/>
+              </a:ln>
+              <a:solidFill>
+                <a:prstClr val="white"/>
+              </a:solidFill>
+              <a:effectLst/>
+              <a:uLnTx/>
+              <a:uFillTx/>
+              <a:latin typeface="Calibri" panose="020F0502020204030204"/>
+              <a:ea typeface="+mn-ea"/>
+              <a:cs typeface="+mn-cs"/>
+            </a:endParaRPr>
+          </a:p>
+        </p:txBody>
+      </p:sp>
+      <p:sp useBgFill="1">
+        <p:nvSpPr>
+          <p:cNvPr id="4107" name="Rectangle 4106">
+            <a:extLst>
+              <a:ext uri="{FF2B5EF4-FFF2-40B4-BE49-F238E27FC236}">
+                <a16:creationId xmlns:a16="http://schemas.microsoft.com/office/drawing/2014/main" id="{E11F513F-5D14-98FB-E400-B338C0F5DF4D}"/>
+              </a:ext>
+              <a:ext uri="{C183D7F6-B498-43B3-948B-1728B52AA6E4}">
+                <adec:decorative xmlns:adec="http://schemas.microsoft.com/office/drawing/2017/decorative" val="1"/>
+              </a:ext>
+            </a:extLst>
+          </p:cNvPr>
+          <p:cNvSpPr>
+            <a:spLocks noGrp="1" noRot="1" noChangeAspect="1" noMove="1" noResize="1" noEditPoints="1" noAdjustHandles="1" noChangeArrowheads="1" noChangeShapeType="1" noTextEdit="1"/>
+          </p:cNvSpPr>
+          <p:nvPr>
+            <p:extLst>
+              <p:ext uri="{386F3935-93C4-4BCD-93E2-E3B085C9AB24}">
+                <p16:designElem xmlns:p16="http://schemas.microsoft.com/office/powerpoint/2015/main" val="1"/>
+              </p:ext>
+            </p:extLst>
+          </p:nvPr>
+        </p:nvSpPr>
+        <p:spPr>
+          <a:xfrm>
+            <a:off x="566928" y="0"/>
+            <a:ext cx="11155680" cy="2011680"/>
+          </a:xfrm>
+          <a:prstGeom prst="rect">
+            <a:avLst/>
+          </a:prstGeom>
+          <a:ln w="12700">
+            <a:noFill/>
+          </a:ln>
+          <a:effectLst/>
+        </p:spPr>
+        <p:style>
+          <a:lnRef idx="2">
+            <a:schemeClr val="accent1">
+              <a:shade val="50000"/>
+            </a:schemeClr>
+          </a:lnRef>
+          <a:fillRef idx="1">
+            <a:schemeClr val="accent1"/>
+          </a:fillRef>
+          <a:effectRef idx="0">
+            <a:schemeClr val="accent1"/>
+          </a:effectRef>
+          <a:fontRef idx="minor">
+            <a:schemeClr val="lt1"/>
+          </a:fontRef>
+        </p:style>
+        <p:txBody>
+          <a:bodyPr rtlCol="0" anchor="ctr"/>
+          <a:lstStyle/>
+          <a:p>
+            <a:pPr marL="0" marR="0" lvl="0" indent="0" algn="ctr" defTabSz="914400" rtl="0" eaLnBrk="1" fontAlgn="auto" latinLnBrk="0" hangingPunct="1">
+              <a:lnSpc>
+                <a:spcPct val="100000"/>
+              </a:lnSpc>
+              <a:spcBef>
+                <a:spcPts val="0"/>
+              </a:spcBef>
+              <a:spcAft>
+                <a:spcPts val="0"/>
+              </a:spcAft>
+              <a:buClrTx/>
+              <a:buSzTx/>
+              <a:buFontTx/>
+              <a:buNone/>
+              <a:tabLst/>
+              <a:defRPr/>
+            </a:pPr>
+            <a:endParaRPr kumimoji="0" lang="en-US" sz="1800" b="0" i="0" u="none" strike="noStrike" kern="1200" cap="none" spc="0" normalizeH="0" baseline="0" noProof="0">
+              <a:ln>
+                <a:noFill/>
+              </a:ln>
+              <a:solidFill>
+                <a:prstClr val="white"/>
+              </a:solidFill>
+              <a:effectLst/>
+              <a:uLnTx/>
+              <a:uFillTx/>
+              <a:latin typeface="Calibri" panose="020F0502020204030204"/>
+              <a:ea typeface="+mn-ea"/>
+              <a:cs typeface="+mn-cs"/>
+            </a:endParaRPr>
+          </a:p>
+        </p:txBody>
+      </p:sp>
       <p:sp>
         <p:nvSpPr>
           <p:cNvPr id="2" name="Titel 1">
             <a:extLst>
               <a:ext uri="{FF2B5EF4-FFF2-40B4-BE49-F238E27FC236}">
-                <a16:creationId xmlns:a16="http://schemas.microsoft.com/office/drawing/2014/main" id="{1722CC9A-1841-245E-E396-161107C7AC79}"/>
+                <a16:creationId xmlns:a16="http://schemas.microsoft.com/office/drawing/2014/main" id="{EE98C64E-78B6-BE4D-4136-7B9AF8273F60}"/>
               </a:ext>
             </a:extLst>
           </p:cNvPr>
@@ -12747,12 +15574,134 @@
             <p:ph type="title"/>
           </p:nvPr>
         </p:nvSpPr>
-        <p:spPr/>
+        <p:spPr>
+          <a:xfrm>
+            <a:off x="1115568" y="548640"/>
+            <a:ext cx="10168128" cy="1179576"/>
+          </a:xfrm>
+        </p:spPr>
         <p:txBody>
-          <a:bodyPr/>
+          <a:bodyPr>
+            <a:normAutofit fontScale="90000"/>
+          </a:bodyPr>
           <a:lstStyle/>
           <a:p>
-            <a:endParaRPr lang="de-DE"/>
+            <a:r>
+              <a:rPr lang="de-DE" sz="4000" dirty="0" err="1"/>
+              <a:t>Measuring</a:t>
+            </a:r>
+            <a:r>
+              <a:rPr lang="de-DE" sz="4000" dirty="0"/>
+              <a:t> </a:t>
+            </a:r>
+            <a:r>
+              <a:rPr lang="de-DE" sz="4000" dirty="0" err="1"/>
+              <a:t>Answer</a:t>
+            </a:r>
+            <a:r>
+              <a:rPr lang="de-DE" sz="4000" dirty="0"/>
+              <a:t> Quality in Political Question Time (</a:t>
+            </a:r>
+            <a:r>
+              <a:rPr lang="de-DE" sz="4000" dirty="0" err="1"/>
+              <a:t>Morrier</a:t>
+            </a:r>
+            <a:r>
+              <a:rPr lang="de-DE" sz="4000" dirty="0"/>
+              <a:t> et al., 2025)</a:t>
+            </a:r>
+          </a:p>
+        </p:txBody>
+      </p:sp>
+      <p:sp>
+        <p:nvSpPr>
+          <p:cNvPr id="4100" name="Rectangle 4108">
+            <a:extLst>
+              <a:ext uri="{FF2B5EF4-FFF2-40B4-BE49-F238E27FC236}">
+                <a16:creationId xmlns:a16="http://schemas.microsoft.com/office/drawing/2014/main" id="{61ADEFA5-D6B6-9AE6-102C-0BF6F38E6AFD}"/>
+              </a:ext>
+              <a:ext uri="{C183D7F6-B498-43B3-948B-1728B52AA6E4}">
+                <adec:decorative xmlns:adec="http://schemas.microsoft.com/office/drawing/2017/decorative" val="1"/>
+              </a:ext>
+            </a:extLst>
+          </p:cNvPr>
+          <p:cNvSpPr>
+            <a:spLocks noGrp="1" noRot="1" noChangeAspect="1" noMove="1" noResize="1" noEditPoints="1" noAdjustHandles="1" noChangeArrowheads="1" noChangeShapeType="1" noTextEdit="1"/>
+          </p:cNvSpPr>
+          <p:nvPr>
+            <p:extLst>
+              <p:ext uri="{386F3935-93C4-4BCD-93E2-E3B085C9AB24}">
+                <p16:designElem xmlns:p16="http://schemas.microsoft.com/office/powerpoint/2015/main" val="1"/>
+              </p:ext>
+            </p:extLst>
+          </p:nvPr>
+        </p:nvSpPr>
+        <p:spPr>
+          <a:xfrm>
+            <a:off x="498834" y="770799"/>
+            <a:ext cx="128016" cy="704088"/>
+          </a:xfrm>
+          <a:prstGeom prst="rect">
+            <a:avLst/>
+          </a:prstGeom>
+          <a:solidFill>
+            <a:schemeClr val="accent2"/>
+          </a:solidFill>
+          <a:ln>
+            <a:noFill/>
+          </a:ln>
+        </p:spPr>
+        <p:style>
+          <a:lnRef idx="2">
+            <a:schemeClr val="accent1">
+              <a:shade val="50000"/>
+            </a:schemeClr>
+          </a:lnRef>
+          <a:fillRef idx="1">
+            <a:schemeClr val="accent1"/>
+          </a:fillRef>
+          <a:effectRef idx="0">
+            <a:schemeClr val="accent1"/>
+          </a:effectRef>
+          <a:fontRef idx="minor">
+            <a:schemeClr val="lt1"/>
+          </a:fontRef>
+        </p:style>
+        <p:txBody>
+          <a:bodyPr rtlCol="0" anchor="ctr"/>
+          <a:lstStyle/>
+          <a:p>
+            <a:pPr marL="0" marR="0" lvl="0" indent="0" algn="ctr" defTabSz="914400" rtl="0" eaLnBrk="1" fontAlgn="auto" latinLnBrk="0" hangingPunct="1">
+              <a:lnSpc>
+                <a:spcPct val="100000"/>
+              </a:lnSpc>
+              <a:spcBef>
+                <a:spcPts val="0"/>
+              </a:spcBef>
+              <a:spcAft>
+                <a:spcPts val="0"/>
+              </a:spcAft>
+              <a:buClrTx/>
+              <a:buSzTx/>
+              <a:buFontTx/>
+              <a:buNone/>
+              <a:tabLst/>
+              <a:defRPr/>
+            </a:pPr>
+            <a:endParaRPr kumimoji="0" lang="en-US" sz="1800" b="0" i="0" u="none" strike="noStrike" kern="1200" cap="none" spc="0" normalizeH="0" baseline="0" noProof="0">
+              <a:ln>
+                <a:noFill/>
+              </a:ln>
+              <a:solidFill>
+                <a:prstClr val="white"/>
+              </a:solidFill>
+              <a:effectLst/>
+              <a:uLnTx/>
+              <a:uFillTx/>
+              <a:latin typeface="Calibri" panose="020F0502020204030204"/>
+              <a:ea typeface="+mn-ea"/>
+              <a:cs typeface="+mn-cs"/>
+            </a:endParaRPr>
           </a:p>
         </p:txBody>
       </p:sp>
@@ -12761,7 +15710,7 @@
           <p:cNvPr id="3" name="Inhaltsplatzhalter 2">
             <a:extLst>
               <a:ext uri="{FF2B5EF4-FFF2-40B4-BE49-F238E27FC236}">
-                <a16:creationId xmlns:a16="http://schemas.microsoft.com/office/drawing/2014/main" id="{D8788349-AE1D-442A-2551-7F38DFD88009}"/>
+                <a16:creationId xmlns:a16="http://schemas.microsoft.com/office/drawing/2014/main" id="{DA72E13C-F043-953E-A979-E07996A932DF}"/>
               </a:ext>
             </a:extLst>
           </p:cNvPr>
@@ -12772,9 +15721,16 @@
             <p:ph idx="1"/>
           </p:nvPr>
         </p:nvSpPr>
-        <p:spPr/>
+        <p:spPr>
+          <a:xfrm>
+            <a:off x="626851" y="2478024"/>
+            <a:ext cx="10656846" cy="3557651"/>
+          </a:xfrm>
+        </p:spPr>
         <p:txBody>
-          <a:bodyPr/>
+          <a:bodyPr anchor="ctr">
+            <a:normAutofit fontScale="92500"/>
+          </a:bodyPr>
           <a:lstStyle/>
           <a:p>
             <a:pPr fontAlgn="ctr"/>
@@ -13196,6 +16152,67 @@
             </a:r>
             <a:endParaRPr lang="de-DE" dirty="0"/>
           </a:p>
+        </p:txBody>
+      </p:sp>
+      <p:sp>
+        <p:nvSpPr>
+          <p:cNvPr id="5" name="Fußzeilenplatzhalter 4">
+            <a:extLst>
+              <a:ext uri="{FF2B5EF4-FFF2-40B4-BE49-F238E27FC236}">
+                <a16:creationId xmlns:a16="http://schemas.microsoft.com/office/drawing/2014/main" id="{ACB456CD-F5D9-D182-475D-21A24A10AAE6}"/>
+              </a:ext>
+            </a:extLst>
+          </p:cNvPr>
+          <p:cNvSpPr>
+            <a:spLocks noGrp="1"/>
+          </p:cNvSpPr>
+          <p:nvPr>
+            <p:ph type="ftr" sz="quarter" idx="11"/>
+          </p:nvPr>
+        </p:nvSpPr>
+        <p:spPr>
+          <a:xfrm>
+            <a:off x="498834" y="6172200"/>
+            <a:ext cx="11223774" cy="549275"/>
+          </a:xfrm>
+        </p:spPr>
+        <p:txBody>
+          <a:bodyPr>
+            <a:noAutofit/>
+          </a:bodyPr>
+          <a:lstStyle/>
+          <a:p>
+            <a:endParaRPr lang="de-DE" sz="1000" dirty="0"/>
+          </a:p>
+        </p:txBody>
+      </p:sp>
+      <p:sp>
+        <p:nvSpPr>
+          <p:cNvPr id="6" name="Textfeld 5">
+            <a:extLst>
+              <a:ext uri="{FF2B5EF4-FFF2-40B4-BE49-F238E27FC236}">
+                <a16:creationId xmlns:a16="http://schemas.microsoft.com/office/drawing/2014/main" id="{18EF609C-5DFD-4CCD-FFC0-1C135AE6E576}"/>
+              </a:ext>
+            </a:extLst>
+          </p:cNvPr>
+          <p:cNvSpPr txBox="1"/>
+          <p:nvPr/>
+        </p:nvSpPr>
+        <p:spPr>
+          <a:xfrm>
+            <a:off x="2206752" y="6486144"/>
+            <a:ext cx="184731" cy="369332"/>
+          </a:xfrm>
+          <a:prstGeom prst="rect">
+            <a:avLst/>
+          </a:prstGeom>
+          <a:noFill/>
+        </p:spPr>
+        <p:txBody>
+          <a:bodyPr wrap="none" rtlCol="0">
+            <a:spAutoFit/>
+          </a:bodyPr>
+          <a:lstStyle/>
           <a:p>
             <a:endParaRPr lang="de-DE" dirty="0"/>
           </a:p>
@@ -13204,7 +16221,7 @@
     </p:spTree>
     <p:extLst>
       <p:ext uri="{BB962C8B-B14F-4D97-AF65-F5344CB8AC3E}">
-        <p14:creationId xmlns:p14="http://schemas.microsoft.com/office/powerpoint/2010/main" val="922653999"/>
+        <p14:creationId xmlns:p14="http://schemas.microsoft.com/office/powerpoint/2010/main" val="484172910"/>
       </p:ext>
     </p:extLst>
   </p:cSld>
